--- a/ProjectInformation/Powerpoint designs/V1/powerpoint design.pptx
+++ b/ProjectInformation/Powerpoint designs/V1/powerpoint design.pptx
@@ -8,6 +8,11 @@
     <p:sldId id="256" r:id="rId2"/>
     <p:sldId id="257" r:id="rId3"/>
     <p:sldId id="258" r:id="rId4"/>
+    <p:sldId id="259" r:id="rId5"/>
+    <p:sldId id="260" r:id="rId6"/>
+    <p:sldId id="261" r:id="rId7"/>
+    <p:sldId id="262" r:id="rId8"/>
+    <p:sldId id="263" r:id="rId9"/>
   </p:sldIdLst>
   <p:sldSz cx="12192000" cy="6858000"/>
   <p:notesSz cx="6858000" cy="9144000"/>
@@ -106,6 +111,11 @@
       </a:defRPr>
     </a:lvl9pPr>
   </p:defaultTextStyle>
+  <p:extLst>
+    <p:ext uri="{EFAFB233-063F-42B5-8137-9DF3F51BA10A}">
+      <p15:sldGuideLst xmlns:p15="http://schemas.microsoft.com/office/powerpoint/2012/main"/>
+    </p:ext>
+  </p:extLst>
 </p:presentation>
 </file>
 
@@ -4183,7 +4193,7 @@
         </p:nvSpPr>
         <p:spPr>
           <a:xfrm>
-            <a:off x="0" y="0"/>
+            <a:off x="0" y="-65315"/>
             <a:ext cx="12192000" cy="6858000"/>
           </a:xfrm>
           <a:prstGeom prst="rect">
@@ -4711,6 +4721,410 @@
               <a:t>Full Apple</a:t>
             </a:r>
             <a:endParaRPr lang="en-GB" sz="1200" dirty="0"/>
+          </a:p>
+        </p:txBody>
+      </p:sp>
+      <p:sp>
+        <p:nvSpPr>
+          <p:cNvPr id="13" name="Rectangle 12">
+            <a:extLst>
+              <a:ext uri="{FF2B5EF4-FFF2-40B4-BE49-F238E27FC236}">
+                <a16:creationId xmlns:a16="http://schemas.microsoft.com/office/drawing/2014/main" id="{E140ED7A-CFB9-3295-F7A1-AD45DDCB0EB2}"/>
+              </a:ext>
+            </a:extLst>
+          </p:cNvPr>
+          <p:cNvSpPr/>
+          <p:nvPr/>
+        </p:nvSpPr>
+        <p:spPr>
+          <a:xfrm>
+            <a:off x="4310742" y="2529444"/>
+            <a:ext cx="3562598" cy="2576946"/>
+          </a:xfrm>
+          <a:prstGeom prst="rect">
+            <a:avLst/>
+          </a:prstGeom>
+        </p:spPr>
+        <p:style>
+          <a:lnRef idx="2">
+            <a:schemeClr val="accent1">
+              <a:shade val="50000"/>
+            </a:schemeClr>
+          </a:lnRef>
+          <a:fillRef idx="1">
+            <a:schemeClr val="accent1"/>
+          </a:fillRef>
+          <a:effectRef idx="0">
+            <a:schemeClr val="accent1"/>
+          </a:effectRef>
+          <a:fontRef idx="minor">
+            <a:schemeClr val="lt1"/>
+          </a:fontRef>
+        </p:style>
+        <p:txBody>
+          <a:bodyPr rtlCol="0" anchor="ctr"/>
+          <a:lstStyle/>
+          <a:p>
+            <a:pPr algn="ctr"/>
+            <a:endParaRPr lang="en-GB"/>
+          </a:p>
+        </p:txBody>
+      </p:sp>
+      <p:sp>
+        <p:nvSpPr>
+          <p:cNvPr id="14" name="Rectangle 13">
+            <a:extLst>
+              <a:ext uri="{FF2B5EF4-FFF2-40B4-BE49-F238E27FC236}">
+                <a16:creationId xmlns:a16="http://schemas.microsoft.com/office/drawing/2014/main" id="{A21D9209-0152-7E7F-E484-07D7A1A11C26}"/>
+              </a:ext>
+            </a:extLst>
+          </p:cNvPr>
+          <p:cNvSpPr/>
+          <p:nvPr/>
+        </p:nvSpPr>
+        <p:spPr>
+          <a:xfrm>
+            <a:off x="5545777" y="4767943"/>
+            <a:ext cx="967839" cy="338447"/>
+          </a:xfrm>
+          <a:prstGeom prst="rect">
+            <a:avLst/>
+          </a:prstGeom>
+        </p:spPr>
+        <p:style>
+          <a:lnRef idx="2">
+            <a:schemeClr val="accent6">
+              <a:shade val="50000"/>
+            </a:schemeClr>
+          </a:lnRef>
+          <a:fillRef idx="1">
+            <a:schemeClr val="accent6"/>
+          </a:fillRef>
+          <a:effectRef idx="0">
+            <a:schemeClr val="accent6"/>
+          </a:effectRef>
+          <a:fontRef idx="minor">
+            <a:schemeClr val="lt1"/>
+          </a:fontRef>
+        </p:style>
+        <p:txBody>
+          <a:bodyPr rtlCol="0" anchor="ctr"/>
+          <a:lstStyle/>
+          <a:p>
+            <a:pPr algn="ctr"/>
+            <a:r>
+              <a:rPr lang="en-GB" dirty="0"/>
+              <a:t>V</a:t>
+            </a:r>
+          </a:p>
+        </p:txBody>
+      </p:sp>
+      <p:sp>
+        <p:nvSpPr>
+          <p:cNvPr id="15" name="Rectangle 14">
+            <a:extLst>
+              <a:ext uri="{FF2B5EF4-FFF2-40B4-BE49-F238E27FC236}">
+                <a16:creationId xmlns:a16="http://schemas.microsoft.com/office/drawing/2014/main" id="{86C10D95-D0F3-42FC-E4FB-8A9512D1C796}"/>
+              </a:ext>
+            </a:extLst>
+          </p:cNvPr>
+          <p:cNvSpPr/>
+          <p:nvPr/>
+        </p:nvSpPr>
+        <p:spPr>
+          <a:xfrm>
+            <a:off x="5545776" y="2529444"/>
+            <a:ext cx="967839" cy="338447"/>
+          </a:xfrm>
+          <a:prstGeom prst="rect">
+            <a:avLst/>
+          </a:prstGeom>
+        </p:spPr>
+        <p:style>
+          <a:lnRef idx="2">
+            <a:schemeClr val="accent6">
+              <a:shade val="50000"/>
+            </a:schemeClr>
+          </a:lnRef>
+          <a:fillRef idx="1">
+            <a:schemeClr val="accent6"/>
+          </a:fillRef>
+          <a:effectRef idx="0">
+            <a:schemeClr val="accent6"/>
+          </a:effectRef>
+          <a:fontRef idx="minor">
+            <a:schemeClr val="lt1"/>
+          </a:fontRef>
+        </p:style>
+        <p:txBody>
+          <a:bodyPr rtlCol="0" anchor="ctr"/>
+          <a:lstStyle/>
+          <a:p>
+            <a:pPr algn="ctr"/>
+            <a:r>
+              <a:rPr lang="en-GB" dirty="0"/>
+              <a:t>^</a:t>
+            </a:r>
+          </a:p>
+        </p:txBody>
+      </p:sp>
+      <p:sp>
+        <p:nvSpPr>
+          <p:cNvPr id="16" name="Rectangle 15">
+            <a:extLst>
+              <a:ext uri="{FF2B5EF4-FFF2-40B4-BE49-F238E27FC236}">
+                <a16:creationId xmlns:a16="http://schemas.microsoft.com/office/drawing/2014/main" id="{F7C05092-8505-4864-1934-780F6AF6CD84}"/>
+              </a:ext>
+            </a:extLst>
+          </p:cNvPr>
+          <p:cNvSpPr/>
+          <p:nvPr/>
+        </p:nvSpPr>
+        <p:spPr>
+          <a:xfrm>
+            <a:off x="4452251" y="2943596"/>
+            <a:ext cx="599704" cy="492826"/>
+          </a:xfrm>
+          <a:prstGeom prst="rect">
+            <a:avLst/>
+          </a:prstGeom>
+          <a:solidFill>
+            <a:schemeClr val="accent6"/>
+          </a:solidFill>
+        </p:spPr>
+        <p:style>
+          <a:lnRef idx="2">
+            <a:schemeClr val="accent6">
+              <a:shade val="50000"/>
+            </a:schemeClr>
+          </a:lnRef>
+          <a:fillRef idx="1">
+            <a:schemeClr val="accent6"/>
+          </a:fillRef>
+          <a:effectRef idx="0">
+            <a:schemeClr val="accent6"/>
+          </a:effectRef>
+          <a:fontRef idx="minor">
+            <a:schemeClr val="lt1"/>
+          </a:fontRef>
+        </p:style>
+        <p:txBody>
+          <a:bodyPr rtlCol="0" anchor="ctr"/>
+          <a:lstStyle/>
+          <a:p>
+            <a:pPr algn="ctr"/>
+            <a:r>
+              <a:rPr lang="en-GB" sz="1200" dirty="0"/>
+              <a:t>Apple core</a:t>
+            </a:r>
+          </a:p>
+        </p:txBody>
+      </p:sp>
+      <p:sp>
+        <p:nvSpPr>
+          <p:cNvPr id="17" name="Rectangle 16">
+            <a:extLst>
+              <a:ext uri="{FF2B5EF4-FFF2-40B4-BE49-F238E27FC236}">
+                <a16:creationId xmlns:a16="http://schemas.microsoft.com/office/drawing/2014/main" id="{3EA59AEC-9E79-730A-8B63-3400E8539125}"/>
+              </a:ext>
+            </a:extLst>
+          </p:cNvPr>
+          <p:cNvSpPr/>
+          <p:nvPr/>
+        </p:nvSpPr>
+        <p:spPr>
+          <a:xfrm>
+            <a:off x="5193464" y="2956955"/>
+            <a:ext cx="599704" cy="492826"/>
+          </a:xfrm>
+          <a:prstGeom prst="rect">
+            <a:avLst/>
+          </a:prstGeom>
+          <a:solidFill>
+            <a:schemeClr val="accent6"/>
+          </a:solidFill>
+        </p:spPr>
+        <p:style>
+          <a:lnRef idx="2">
+            <a:schemeClr val="accent6">
+              <a:shade val="50000"/>
+            </a:schemeClr>
+          </a:lnRef>
+          <a:fillRef idx="1">
+            <a:schemeClr val="accent6"/>
+          </a:fillRef>
+          <a:effectRef idx="0">
+            <a:schemeClr val="accent6"/>
+          </a:effectRef>
+          <a:fontRef idx="minor">
+            <a:schemeClr val="lt1"/>
+          </a:fontRef>
+        </p:style>
+        <p:txBody>
+          <a:bodyPr rtlCol="0" anchor="ctr"/>
+          <a:lstStyle/>
+          <a:p>
+            <a:pPr algn="ctr"/>
+            <a:r>
+              <a:rPr lang="en-GB" sz="1200" dirty="0"/>
+              <a:t>Apple core</a:t>
+            </a:r>
+          </a:p>
+        </p:txBody>
+      </p:sp>
+      <p:sp>
+        <p:nvSpPr>
+          <p:cNvPr id="18" name="Rectangle 17">
+            <a:extLst>
+              <a:ext uri="{FF2B5EF4-FFF2-40B4-BE49-F238E27FC236}">
+                <a16:creationId xmlns:a16="http://schemas.microsoft.com/office/drawing/2014/main" id="{B8A38E4D-600F-B2C2-6A19-66D38074AC4D}"/>
+              </a:ext>
+            </a:extLst>
+          </p:cNvPr>
+          <p:cNvSpPr/>
+          <p:nvPr/>
+        </p:nvSpPr>
+        <p:spPr>
+          <a:xfrm>
+            <a:off x="5913911" y="2953989"/>
+            <a:ext cx="599704" cy="492826"/>
+          </a:xfrm>
+          <a:prstGeom prst="rect">
+            <a:avLst/>
+          </a:prstGeom>
+          <a:solidFill>
+            <a:schemeClr val="accent6"/>
+          </a:solidFill>
+        </p:spPr>
+        <p:style>
+          <a:lnRef idx="2">
+            <a:schemeClr val="accent6">
+              <a:shade val="50000"/>
+            </a:schemeClr>
+          </a:lnRef>
+          <a:fillRef idx="1">
+            <a:schemeClr val="accent6"/>
+          </a:fillRef>
+          <a:effectRef idx="0">
+            <a:schemeClr val="accent6"/>
+          </a:effectRef>
+          <a:fontRef idx="minor">
+            <a:schemeClr val="lt1"/>
+          </a:fontRef>
+        </p:style>
+        <p:txBody>
+          <a:bodyPr rtlCol="0" anchor="ctr"/>
+          <a:lstStyle/>
+          <a:p>
+            <a:pPr algn="ctr"/>
+            <a:r>
+              <a:rPr lang="en-GB" sz="1200" dirty="0"/>
+              <a:t>Apple core</a:t>
+            </a:r>
+          </a:p>
+        </p:txBody>
+      </p:sp>
+      <p:sp>
+        <p:nvSpPr>
+          <p:cNvPr id="19" name="Rectangle 18">
+            <a:extLst>
+              <a:ext uri="{FF2B5EF4-FFF2-40B4-BE49-F238E27FC236}">
+                <a16:creationId xmlns:a16="http://schemas.microsoft.com/office/drawing/2014/main" id="{52D6536E-03C6-D331-AAC3-88DFF7E2F8CE}"/>
+              </a:ext>
+            </a:extLst>
+          </p:cNvPr>
+          <p:cNvSpPr/>
+          <p:nvPr/>
+        </p:nvSpPr>
+        <p:spPr>
+          <a:xfrm>
+            <a:off x="6593773" y="2953989"/>
+            <a:ext cx="599704" cy="492826"/>
+          </a:xfrm>
+          <a:prstGeom prst="rect">
+            <a:avLst/>
+          </a:prstGeom>
+          <a:solidFill>
+            <a:schemeClr val="accent6"/>
+          </a:solidFill>
+        </p:spPr>
+        <p:style>
+          <a:lnRef idx="2">
+            <a:schemeClr val="accent6">
+              <a:shade val="50000"/>
+            </a:schemeClr>
+          </a:lnRef>
+          <a:fillRef idx="1">
+            <a:schemeClr val="accent6"/>
+          </a:fillRef>
+          <a:effectRef idx="0">
+            <a:schemeClr val="accent6"/>
+          </a:effectRef>
+          <a:fontRef idx="minor">
+            <a:schemeClr val="lt1"/>
+          </a:fontRef>
+        </p:style>
+        <p:txBody>
+          <a:bodyPr rtlCol="0" anchor="ctr"/>
+          <a:lstStyle/>
+          <a:p>
+            <a:pPr algn="ctr"/>
+            <a:r>
+              <a:rPr lang="en-GB" sz="1200" dirty="0"/>
+              <a:t>Apple core</a:t>
+            </a:r>
+          </a:p>
+        </p:txBody>
+      </p:sp>
+      <p:sp>
+        <p:nvSpPr>
+          <p:cNvPr id="20" name="Rectangle 19">
+            <a:extLst>
+              <a:ext uri="{FF2B5EF4-FFF2-40B4-BE49-F238E27FC236}">
+                <a16:creationId xmlns:a16="http://schemas.microsoft.com/office/drawing/2014/main" id="{4E1F7D78-B08E-7FD7-57D9-ED7C0BE72188}"/>
+              </a:ext>
+            </a:extLst>
+          </p:cNvPr>
+          <p:cNvSpPr/>
+          <p:nvPr/>
+        </p:nvSpPr>
+        <p:spPr>
+          <a:xfrm>
+            <a:off x="7269183" y="2968832"/>
+            <a:ext cx="599704" cy="492826"/>
+          </a:xfrm>
+          <a:prstGeom prst="rect">
+            <a:avLst/>
+          </a:prstGeom>
+          <a:solidFill>
+            <a:schemeClr val="accent6"/>
+          </a:solidFill>
+        </p:spPr>
+        <p:style>
+          <a:lnRef idx="2">
+            <a:schemeClr val="accent6">
+              <a:shade val="50000"/>
+            </a:schemeClr>
+          </a:lnRef>
+          <a:fillRef idx="1">
+            <a:schemeClr val="accent6"/>
+          </a:fillRef>
+          <a:effectRef idx="0">
+            <a:schemeClr val="accent6"/>
+          </a:effectRef>
+          <a:fontRef idx="minor">
+            <a:schemeClr val="lt1"/>
+          </a:fontRef>
+        </p:style>
+        <p:txBody>
+          <a:bodyPr rtlCol="0" anchor="ctr"/>
+          <a:lstStyle/>
+          <a:p>
+            <a:pPr algn="ctr"/>
+            <a:r>
+              <a:rPr lang="en-GB" sz="1200" dirty="0"/>
+              <a:t>Apple core</a:t>
+            </a:r>
           </a:p>
         </p:txBody>
       </p:sp>
@@ -4718,6 +5132,2939 @@
     <p:extLst>
       <p:ext uri="{BB962C8B-B14F-4D97-AF65-F5344CB8AC3E}">
         <p14:creationId xmlns:p14="http://schemas.microsoft.com/office/powerpoint/2010/main" val="4224607031"/>
+      </p:ext>
+    </p:extLst>
+  </p:cSld>
+  <p:clrMapOvr>
+    <a:masterClrMapping/>
+  </p:clrMapOvr>
+</p:sld>
+</file>
+
+<file path=ppt/slides/slide4.xml><?xml version="1.0" encoding="utf-8"?>
+<p:sld xmlns:a="http://schemas.openxmlformats.org/drawingml/2006/main" xmlns:r="http://schemas.openxmlformats.org/officeDocument/2006/relationships" xmlns:p="http://schemas.openxmlformats.org/presentationml/2006/main">
+  <p:cSld>
+    <p:spTree>
+      <p:nvGrpSpPr>
+        <p:cNvPr id="1" name=""/>
+        <p:cNvGrpSpPr/>
+        <p:nvPr/>
+      </p:nvGrpSpPr>
+      <p:grpSpPr>
+        <a:xfrm>
+          <a:off x="0" y="0"/>
+          <a:ext cx="0" cy="0"/>
+          <a:chOff x="0" y="0"/>
+          <a:chExt cx="0" cy="0"/>
+        </a:xfrm>
+      </p:grpSpPr>
+      <p:sp>
+        <p:nvSpPr>
+          <p:cNvPr id="4" name="Rectangle 3">
+            <a:extLst>
+              <a:ext uri="{FF2B5EF4-FFF2-40B4-BE49-F238E27FC236}">
+                <a16:creationId xmlns:a16="http://schemas.microsoft.com/office/drawing/2014/main" id="{277CF904-8BBE-617B-838F-C96125FA6C2E}"/>
+              </a:ext>
+            </a:extLst>
+          </p:cNvPr>
+          <p:cNvSpPr/>
+          <p:nvPr/>
+        </p:nvSpPr>
+        <p:spPr>
+          <a:xfrm>
+            <a:off x="0" y="0"/>
+            <a:ext cx="12192000" cy="6858000"/>
+          </a:xfrm>
+          <a:prstGeom prst="rect">
+            <a:avLst/>
+          </a:prstGeom>
+        </p:spPr>
+        <p:style>
+          <a:lnRef idx="2">
+            <a:schemeClr val="accent2">
+              <a:shade val="50000"/>
+            </a:schemeClr>
+          </a:lnRef>
+          <a:fillRef idx="1">
+            <a:schemeClr val="accent2"/>
+          </a:fillRef>
+          <a:effectRef idx="0">
+            <a:schemeClr val="accent2"/>
+          </a:effectRef>
+          <a:fontRef idx="minor">
+            <a:schemeClr val="lt1"/>
+          </a:fontRef>
+        </p:style>
+        <p:txBody>
+          <a:bodyPr rtlCol="0" anchor="ctr"/>
+          <a:lstStyle/>
+          <a:p>
+            <a:pPr algn="ctr"/>
+            <a:endParaRPr lang="en-GB"/>
+          </a:p>
+        </p:txBody>
+      </p:sp>
+      <p:sp>
+        <p:nvSpPr>
+          <p:cNvPr id="5" name="Rectangle 4">
+            <a:extLst>
+              <a:ext uri="{FF2B5EF4-FFF2-40B4-BE49-F238E27FC236}">
+                <a16:creationId xmlns:a16="http://schemas.microsoft.com/office/drawing/2014/main" id="{C9A174A8-9A94-613F-269D-CE6BEBB54C43}"/>
+              </a:ext>
+            </a:extLst>
+          </p:cNvPr>
+          <p:cNvSpPr/>
+          <p:nvPr/>
+        </p:nvSpPr>
+        <p:spPr>
+          <a:xfrm>
+            <a:off x="3984171" y="391886"/>
+            <a:ext cx="4144489" cy="6068291"/>
+          </a:xfrm>
+          <a:prstGeom prst="rect">
+            <a:avLst/>
+          </a:prstGeom>
+        </p:spPr>
+        <p:style>
+          <a:lnRef idx="2">
+            <a:schemeClr val="dk1"/>
+          </a:lnRef>
+          <a:fillRef idx="1">
+            <a:schemeClr val="lt1"/>
+          </a:fillRef>
+          <a:effectRef idx="0">
+            <a:schemeClr val="dk1"/>
+          </a:effectRef>
+          <a:fontRef idx="minor">
+            <a:schemeClr val="dk1"/>
+          </a:fontRef>
+        </p:style>
+        <p:txBody>
+          <a:bodyPr rtlCol="0" anchor="ctr"/>
+          <a:lstStyle/>
+          <a:p>
+            <a:pPr algn="ctr"/>
+            <a:endParaRPr lang="en-GB"/>
+          </a:p>
+        </p:txBody>
+      </p:sp>
+      <p:sp>
+        <p:nvSpPr>
+          <p:cNvPr id="6" name="Rectangle 5">
+            <a:extLst>
+              <a:ext uri="{FF2B5EF4-FFF2-40B4-BE49-F238E27FC236}">
+                <a16:creationId xmlns:a16="http://schemas.microsoft.com/office/drawing/2014/main" id="{AE2ABB4B-6CE4-9A9A-E26A-FD0DC5B10E48}"/>
+              </a:ext>
+            </a:extLst>
+          </p:cNvPr>
+          <p:cNvSpPr/>
+          <p:nvPr/>
+        </p:nvSpPr>
+        <p:spPr>
+          <a:xfrm>
+            <a:off x="4215740" y="587829"/>
+            <a:ext cx="3752603" cy="587828"/>
+          </a:xfrm>
+          <a:prstGeom prst="rect">
+            <a:avLst/>
+          </a:prstGeom>
+        </p:spPr>
+        <p:style>
+          <a:lnRef idx="2">
+            <a:schemeClr val="accent1">
+              <a:shade val="50000"/>
+            </a:schemeClr>
+          </a:lnRef>
+          <a:fillRef idx="1">
+            <a:schemeClr val="accent1"/>
+          </a:fillRef>
+          <a:effectRef idx="0">
+            <a:schemeClr val="accent1"/>
+          </a:effectRef>
+          <a:fontRef idx="minor">
+            <a:schemeClr val="lt1"/>
+          </a:fontRef>
+        </p:style>
+        <p:txBody>
+          <a:bodyPr rtlCol="0" anchor="ctr"/>
+          <a:lstStyle/>
+          <a:p>
+            <a:pPr algn="ctr"/>
+            <a:r>
+              <a:rPr lang="en-GB" sz="1200" dirty="0"/>
+              <a:t>Personal Info System Sleep Page</a:t>
+            </a:r>
+          </a:p>
+        </p:txBody>
+      </p:sp>
+      <p:sp>
+        <p:nvSpPr>
+          <p:cNvPr id="8" name="Rectangle 7">
+            <a:extLst>
+              <a:ext uri="{FF2B5EF4-FFF2-40B4-BE49-F238E27FC236}">
+                <a16:creationId xmlns:a16="http://schemas.microsoft.com/office/drawing/2014/main" id="{25ABEB85-C9E0-0279-40DA-9CDDFB8D136A}"/>
+              </a:ext>
+            </a:extLst>
+          </p:cNvPr>
+          <p:cNvSpPr/>
+          <p:nvPr/>
+        </p:nvSpPr>
+        <p:spPr>
+          <a:xfrm>
+            <a:off x="4215740" y="587829"/>
+            <a:ext cx="712520" cy="587828"/>
+          </a:xfrm>
+          <a:prstGeom prst="rect">
+            <a:avLst/>
+          </a:prstGeom>
+        </p:spPr>
+        <p:style>
+          <a:lnRef idx="2">
+            <a:schemeClr val="accent6">
+              <a:shade val="50000"/>
+            </a:schemeClr>
+          </a:lnRef>
+          <a:fillRef idx="1">
+            <a:schemeClr val="accent6"/>
+          </a:fillRef>
+          <a:effectRef idx="0">
+            <a:schemeClr val="accent6"/>
+          </a:effectRef>
+          <a:fontRef idx="minor">
+            <a:schemeClr val="lt1"/>
+          </a:fontRef>
+        </p:style>
+        <p:txBody>
+          <a:bodyPr rtlCol="0" anchor="ctr"/>
+          <a:lstStyle/>
+          <a:p>
+            <a:pPr algn="ctr"/>
+            <a:r>
+              <a:rPr lang="en-GB" sz="1200" dirty="0"/>
+              <a:t>Pull out menu</a:t>
+            </a:r>
+          </a:p>
+        </p:txBody>
+      </p:sp>
+      <p:sp>
+        <p:nvSpPr>
+          <p:cNvPr id="9" name="Rectangle 8">
+            <a:extLst>
+              <a:ext uri="{FF2B5EF4-FFF2-40B4-BE49-F238E27FC236}">
+                <a16:creationId xmlns:a16="http://schemas.microsoft.com/office/drawing/2014/main" id="{E634329C-A768-542C-6E9F-CDC2F4C7C5B0}"/>
+              </a:ext>
+            </a:extLst>
+          </p:cNvPr>
+          <p:cNvSpPr/>
+          <p:nvPr/>
+        </p:nvSpPr>
+        <p:spPr>
+          <a:xfrm>
+            <a:off x="4310742" y="1324100"/>
+            <a:ext cx="3562598" cy="243444"/>
+          </a:xfrm>
+          <a:prstGeom prst="rect">
+            <a:avLst/>
+          </a:prstGeom>
+        </p:spPr>
+        <p:style>
+          <a:lnRef idx="2">
+            <a:schemeClr val="accent1">
+              <a:shade val="50000"/>
+            </a:schemeClr>
+          </a:lnRef>
+          <a:fillRef idx="1">
+            <a:schemeClr val="accent1"/>
+          </a:fillRef>
+          <a:effectRef idx="0">
+            <a:schemeClr val="accent1"/>
+          </a:effectRef>
+          <a:fontRef idx="minor">
+            <a:schemeClr val="lt1"/>
+          </a:fontRef>
+        </p:style>
+        <p:txBody>
+          <a:bodyPr rtlCol="0" anchor="ctr"/>
+          <a:lstStyle/>
+          <a:p>
+            <a:pPr algn="ctr"/>
+            <a:r>
+              <a:rPr lang="en-GB" dirty="0"/>
+              <a:t>Sleep</a:t>
+            </a:r>
+          </a:p>
+        </p:txBody>
+      </p:sp>
+      <p:sp>
+        <p:nvSpPr>
+          <p:cNvPr id="2" name="Rectangle 1">
+            <a:extLst>
+              <a:ext uri="{FF2B5EF4-FFF2-40B4-BE49-F238E27FC236}">
+                <a16:creationId xmlns:a16="http://schemas.microsoft.com/office/drawing/2014/main" id="{7544A857-4417-6257-6313-D477DF8E60D3}"/>
+              </a:ext>
+            </a:extLst>
+          </p:cNvPr>
+          <p:cNvSpPr/>
+          <p:nvPr/>
+        </p:nvSpPr>
+        <p:spPr>
+          <a:xfrm>
+            <a:off x="4310742" y="1567543"/>
+            <a:ext cx="3562598" cy="2131621"/>
+          </a:xfrm>
+          <a:prstGeom prst="rect">
+            <a:avLst/>
+          </a:prstGeom>
+        </p:spPr>
+        <p:style>
+          <a:lnRef idx="2">
+            <a:schemeClr val="accent1">
+              <a:shade val="50000"/>
+            </a:schemeClr>
+          </a:lnRef>
+          <a:fillRef idx="1">
+            <a:schemeClr val="accent1"/>
+          </a:fillRef>
+          <a:effectRef idx="0">
+            <a:schemeClr val="accent1"/>
+          </a:effectRef>
+          <a:fontRef idx="minor">
+            <a:schemeClr val="lt1"/>
+          </a:fontRef>
+        </p:style>
+        <p:txBody>
+          <a:bodyPr rtlCol="0" anchor="ctr"/>
+          <a:lstStyle/>
+          <a:p>
+            <a:pPr algn="ctr"/>
+            <a:endParaRPr lang="en-GB"/>
+          </a:p>
+        </p:txBody>
+      </p:sp>
+      <p:sp>
+        <p:nvSpPr>
+          <p:cNvPr id="16" name="Rectangle 15">
+            <a:extLst>
+              <a:ext uri="{FF2B5EF4-FFF2-40B4-BE49-F238E27FC236}">
+                <a16:creationId xmlns:a16="http://schemas.microsoft.com/office/drawing/2014/main" id="{28CDCA37-7879-CB37-C49E-F6A63BA9A2A4}"/>
+              </a:ext>
+            </a:extLst>
+          </p:cNvPr>
+          <p:cNvSpPr/>
+          <p:nvPr/>
+        </p:nvSpPr>
+        <p:spPr>
+          <a:xfrm>
+            <a:off x="4453247" y="1715987"/>
+            <a:ext cx="3307278" cy="243443"/>
+          </a:xfrm>
+          <a:prstGeom prst="rect">
+            <a:avLst/>
+          </a:prstGeom>
+        </p:spPr>
+        <p:style>
+          <a:lnRef idx="2">
+            <a:schemeClr val="accent6">
+              <a:shade val="50000"/>
+            </a:schemeClr>
+          </a:lnRef>
+          <a:fillRef idx="1">
+            <a:schemeClr val="accent6"/>
+          </a:fillRef>
+          <a:effectRef idx="0">
+            <a:schemeClr val="accent6"/>
+          </a:effectRef>
+          <a:fontRef idx="minor">
+            <a:schemeClr val="lt1"/>
+          </a:fontRef>
+        </p:style>
+        <p:txBody>
+          <a:bodyPr rtlCol="0" anchor="ctr"/>
+          <a:lstStyle/>
+          <a:p>
+            <a:pPr algn="ctr"/>
+            <a:r>
+              <a:rPr lang="en-GB" dirty="0"/>
+              <a:t>Input start sleep time</a:t>
+            </a:r>
+          </a:p>
+        </p:txBody>
+      </p:sp>
+      <p:sp>
+        <p:nvSpPr>
+          <p:cNvPr id="17" name="Rectangle 16">
+            <a:extLst>
+              <a:ext uri="{FF2B5EF4-FFF2-40B4-BE49-F238E27FC236}">
+                <a16:creationId xmlns:a16="http://schemas.microsoft.com/office/drawing/2014/main" id="{EF711154-3E0D-EC3F-69C5-656B7BC7EEF7}"/>
+              </a:ext>
+            </a:extLst>
+          </p:cNvPr>
+          <p:cNvSpPr/>
+          <p:nvPr/>
+        </p:nvSpPr>
+        <p:spPr>
+          <a:xfrm>
+            <a:off x="4453248" y="2084119"/>
+            <a:ext cx="3307278" cy="243443"/>
+          </a:xfrm>
+          <a:prstGeom prst="rect">
+            <a:avLst/>
+          </a:prstGeom>
+        </p:spPr>
+        <p:style>
+          <a:lnRef idx="2">
+            <a:schemeClr val="accent6">
+              <a:shade val="50000"/>
+            </a:schemeClr>
+          </a:lnRef>
+          <a:fillRef idx="1">
+            <a:schemeClr val="accent6"/>
+          </a:fillRef>
+          <a:effectRef idx="0">
+            <a:schemeClr val="accent6"/>
+          </a:effectRef>
+          <a:fontRef idx="minor">
+            <a:schemeClr val="lt1"/>
+          </a:fontRef>
+        </p:style>
+        <p:txBody>
+          <a:bodyPr rtlCol="0" anchor="ctr"/>
+          <a:lstStyle/>
+          <a:p>
+            <a:pPr algn="ctr"/>
+            <a:r>
+              <a:rPr lang="en-GB" dirty="0"/>
+              <a:t>Input end sleep time</a:t>
+            </a:r>
+          </a:p>
+        </p:txBody>
+      </p:sp>
+      <p:sp>
+        <p:nvSpPr>
+          <p:cNvPr id="18" name="Rectangle 17">
+            <a:extLst>
+              <a:ext uri="{FF2B5EF4-FFF2-40B4-BE49-F238E27FC236}">
+                <a16:creationId xmlns:a16="http://schemas.microsoft.com/office/drawing/2014/main" id="{F12CFC0E-0478-C241-C0DE-DE8A7A8CDD9F}"/>
+              </a:ext>
+            </a:extLst>
+          </p:cNvPr>
+          <p:cNvSpPr/>
+          <p:nvPr/>
+        </p:nvSpPr>
+        <p:spPr>
+          <a:xfrm>
+            <a:off x="5156859" y="2651165"/>
+            <a:ext cx="1870363" cy="475013"/>
+          </a:xfrm>
+          <a:prstGeom prst="rect">
+            <a:avLst/>
+          </a:prstGeom>
+        </p:spPr>
+        <p:style>
+          <a:lnRef idx="2">
+            <a:schemeClr val="accent3">
+              <a:shade val="50000"/>
+            </a:schemeClr>
+          </a:lnRef>
+          <a:fillRef idx="1">
+            <a:schemeClr val="accent3"/>
+          </a:fillRef>
+          <a:effectRef idx="0">
+            <a:schemeClr val="accent3"/>
+          </a:effectRef>
+          <a:fontRef idx="minor">
+            <a:schemeClr val="lt1"/>
+          </a:fontRef>
+        </p:style>
+        <p:txBody>
+          <a:bodyPr rtlCol="0" anchor="ctr"/>
+          <a:lstStyle/>
+          <a:p>
+            <a:pPr algn="ctr"/>
+            <a:r>
+              <a:rPr lang="en-GB" dirty="0"/>
+              <a:t>Submit</a:t>
+            </a:r>
+          </a:p>
+        </p:txBody>
+      </p:sp>
+    </p:spTree>
+    <p:extLst>
+      <p:ext uri="{BB962C8B-B14F-4D97-AF65-F5344CB8AC3E}">
+        <p14:creationId xmlns:p14="http://schemas.microsoft.com/office/powerpoint/2010/main" val="335561113"/>
+      </p:ext>
+    </p:extLst>
+  </p:cSld>
+  <p:clrMapOvr>
+    <a:masterClrMapping/>
+  </p:clrMapOvr>
+</p:sld>
+</file>
+
+<file path=ppt/slides/slide5.xml><?xml version="1.0" encoding="utf-8"?>
+<p:sld xmlns:a="http://schemas.openxmlformats.org/drawingml/2006/main" xmlns:r="http://schemas.openxmlformats.org/officeDocument/2006/relationships" xmlns:p="http://schemas.openxmlformats.org/presentationml/2006/main">
+  <p:cSld>
+    <p:spTree>
+      <p:nvGrpSpPr>
+        <p:cNvPr id="1" name=""/>
+        <p:cNvGrpSpPr/>
+        <p:nvPr/>
+      </p:nvGrpSpPr>
+      <p:grpSpPr>
+        <a:xfrm>
+          <a:off x="0" y="0"/>
+          <a:ext cx="0" cy="0"/>
+          <a:chOff x="0" y="0"/>
+          <a:chExt cx="0" cy="0"/>
+        </a:xfrm>
+      </p:grpSpPr>
+      <p:sp>
+        <p:nvSpPr>
+          <p:cNvPr id="4" name="Rectangle 3">
+            <a:extLst>
+              <a:ext uri="{FF2B5EF4-FFF2-40B4-BE49-F238E27FC236}">
+                <a16:creationId xmlns:a16="http://schemas.microsoft.com/office/drawing/2014/main" id="{277CF904-8BBE-617B-838F-C96125FA6C2E}"/>
+              </a:ext>
+            </a:extLst>
+          </p:cNvPr>
+          <p:cNvSpPr/>
+          <p:nvPr/>
+        </p:nvSpPr>
+        <p:spPr>
+          <a:xfrm>
+            <a:off x="0" y="0"/>
+            <a:ext cx="12192000" cy="6858000"/>
+          </a:xfrm>
+          <a:prstGeom prst="rect">
+            <a:avLst/>
+          </a:prstGeom>
+        </p:spPr>
+        <p:style>
+          <a:lnRef idx="2">
+            <a:schemeClr val="accent2">
+              <a:shade val="50000"/>
+            </a:schemeClr>
+          </a:lnRef>
+          <a:fillRef idx="1">
+            <a:schemeClr val="accent2"/>
+          </a:fillRef>
+          <a:effectRef idx="0">
+            <a:schemeClr val="accent2"/>
+          </a:effectRef>
+          <a:fontRef idx="minor">
+            <a:schemeClr val="lt1"/>
+          </a:fontRef>
+        </p:style>
+        <p:txBody>
+          <a:bodyPr rtlCol="0" anchor="ctr"/>
+          <a:lstStyle/>
+          <a:p>
+            <a:pPr algn="ctr"/>
+            <a:endParaRPr lang="en-GB"/>
+          </a:p>
+        </p:txBody>
+      </p:sp>
+      <p:sp>
+        <p:nvSpPr>
+          <p:cNvPr id="5" name="Rectangle 4">
+            <a:extLst>
+              <a:ext uri="{FF2B5EF4-FFF2-40B4-BE49-F238E27FC236}">
+                <a16:creationId xmlns:a16="http://schemas.microsoft.com/office/drawing/2014/main" id="{C9A174A8-9A94-613F-269D-CE6BEBB54C43}"/>
+              </a:ext>
+            </a:extLst>
+          </p:cNvPr>
+          <p:cNvSpPr/>
+          <p:nvPr/>
+        </p:nvSpPr>
+        <p:spPr>
+          <a:xfrm>
+            <a:off x="3984171" y="391886"/>
+            <a:ext cx="4144489" cy="6068291"/>
+          </a:xfrm>
+          <a:prstGeom prst="rect">
+            <a:avLst/>
+          </a:prstGeom>
+        </p:spPr>
+        <p:style>
+          <a:lnRef idx="2">
+            <a:schemeClr val="dk1"/>
+          </a:lnRef>
+          <a:fillRef idx="1">
+            <a:schemeClr val="lt1"/>
+          </a:fillRef>
+          <a:effectRef idx="0">
+            <a:schemeClr val="dk1"/>
+          </a:effectRef>
+          <a:fontRef idx="minor">
+            <a:schemeClr val="dk1"/>
+          </a:fontRef>
+        </p:style>
+        <p:txBody>
+          <a:bodyPr rtlCol="0" anchor="ctr"/>
+          <a:lstStyle/>
+          <a:p>
+            <a:pPr algn="ctr"/>
+            <a:endParaRPr lang="en-GB"/>
+          </a:p>
+        </p:txBody>
+      </p:sp>
+      <p:sp>
+        <p:nvSpPr>
+          <p:cNvPr id="6" name="Rectangle 5">
+            <a:extLst>
+              <a:ext uri="{FF2B5EF4-FFF2-40B4-BE49-F238E27FC236}">
+                <a16:creationId xmlns:a16="http://schemas.microsoft.com/office/drawing/2014/main" id="{AE2ABB4B-6CE4-9A9A-E26A-FD0DC5B10E48}"/>
+              </a:ext>
+            </a:extLst>
+          </p:cNvPr>
+          <p:cNvSpPr/>
+          <p:nvPr/>
+        </p:nvSpPr>
+        <p:spPr>
+          <a:xfrm>
+            <a:off x="4215740" y="587829"/>
+            <a:ext cx="3752603" cy="587828"/>
+          </a:xfrm>
+          <a:prstGeom prst="rect">
+            <a:avLst/>
+          </a:prstGeom>
+        </p:spPr>
+        <p:style>
+          <a:lnRef idx="2">
+            <a:schemeClr val="accent1">
+              <a:shade val="50000"/>
+            </a:schemeClr>
+          </a:lnRef>
+          <a:fillRef idx="1">
+            <a:schemeClr val="accent1"/>
+          </a:fillRef>
+          <a:effectRef idx="0">
+            <a:schemeClr val="accent1"/>
+          </a:effectRef>
+          <a:fontRef idx="minor">
+            <a:schemeClr val="lt1"/>
+          </a:fontRef>
+        </p:style>
+        <p:txBody>
+          <a:bodyPr rtlCol="0" anchor="ctr"/>
+          <a:lstStyle/>
+          <a:p>
+            <a:pPr algn="ctr"/>
+            <a:r>
+              <a:rPr lang="en-GB" sz="1200" dirty="0"/>
+              <a:t>Personal Info System Sleep Page</a:t>
+            </a:r>
+          </a:p>
+        </p:txBody>
+      </p:sp>
+      <p:sp>
+        <p:nvSpPr>
+          <p:cNvPr id="8" name="Rectangle 7">
+            <a:extLst>
+              <a:ext uri="{FF2B5EF4-FFF2-40B4-BE49-F238E27FC236}">
+                <a16:creationId xmlns:a16="http://schemas.microsoft.com/office/drawing/2014/main" id="{25ABEB85-C9E0-0279-40DA-9CDDFB8D136A}"/>
+              </a:ext>
+            </a:extLst>
+          </p:cNvPr>
+          <p:cNvSpPr/>
+          <p:nvPr/>
+        </p:nvSpPr>
+        <p:spPr>
+          <a:xfrm>
+            <a:off x="4215740" y="587829"/>
+            <a:ext cx="712520" cy="587828"/>
+          </a:xfrm>
+          <a:prstGeom prst="rect">
+            <a:avLst/>
+          </a:prstGeom>
+        </p:spPr>
+        <p:style>
+          <a:lnRef idx="2">
+            <a:schemeClr val="accent6">
+              <a:shade val="50000"/>
+            </a:schemeClr>
+          </a:lnRef>
+          <a:fillRef idx="1">
+            <a:schemeClr val="accent6"/>
+          </a:fillRef>
+          <a:effectRef idx="0">
+            <a:schemeClr val="accent6"/>
+          </a:effectRef>
+          <a:fontRef idx="minor">
+            <a:schemeClr val="lt1"/>
+          </a:fontRef>
+        </p:style>
+        <p:txBody>
+          <a:bodyPr rtlCol="0" anchor="ctr"/>
+          <a:lstStyle/>
+          <a:p>
+            <a:pPr algn="ctr"/>
+            <a:r>
+              <a:rPr lang="en-GB" sz="1200" dirty="0"/>
+              <a:t>Pull out menu</a:t>
+            </a:r>
+          </a:p>
+        </p:txBody>
+      </p:sp>
+      <p:sp>
+        <p:nvSpPr>
+          <p:cNvPr id="9" name="Rectangle 8">
+            <a:extLst>
+              <a:ext uri="{FF2B5EF4-FFF2-40B4-BE49-F238E27FC236}">
+                <a16:creationId xmlns:a16="http://schemas.microsoft.com/office/drawing/2014/main" id="{E634329C-A768-542C-6E9F-CDC2F4C7C5B0}"/>
+              </a:ext>
+            </a:extLst>
+          </p:cNvPr>
+          <p:cNvSpPr/>
+          <p:nvPr/>
+        </p:nvSpPr>
+        <p:spPr>
+          <a:xfrm>
+            <a:off x="4310742" y="1324100"/>
+            <a:ext cx="3562598" cy="243444"/>
+          </a:xfrm>
+          <a:prstGeom prst="rect">
+            <a:avLst/>
+          </a:prstGeom>
+        </p:spPr>
+        <p:style>
+          <a:lnRef idx="2">
+            <a:schemeClr val="accent1">
+              <a:shade val="50000"/>
+            </a:schemeClr>
+          </a:lnRef>
+          <a:fillRef idx="1">
+            <a:schemeClr val="accent1"/>
+          </a:fillRef>
+          <a:effectRef idx="0">
+            <a:schemeClr val="accent1"/>
+          </a:effectRef>
+          <a:fontRef idx="minor">
+            <a:schemeClr val="lt1"/>
+          </a:fontRef>
+        </p:style>
+        <p:txBody>
+          <a:bodyPr rtlCol="0" anchor="ctr"/>
+          <a:lstStyle/>
+          <a:p>
+            <a:pPr algn="ctr"/>
+            <a:r>
+              <a:rPr lang="en-GB" dirty="0"/>
+              <a:t>Sleep</a:t>
+            </a:r>
+          </a:p>
+        </p:txBody>
+      </p:sp>
+      <p:sp>
+        <p:nvSpPr>
+          <p:cNvPr id="2" name="Rectangle 1">
+            <a:extLst>
+              <a:ext uri="{FF2B5EF4-FFF2-40B4-BE49-F238E27FC236}">
+                <a16:creationId xmlns:a16="http://schemas.microsoft.com/office/drawing/2014/main" id="{7544A857-4417-6257-6313-D477DF8E60D3}"/>
+              </a:ext>
+            </a:extLst>
+          </p:cNvPr>
+          <p:cNvSpPr/>
+          <p:nvPr/>
+        </p:nvSpPr>
+        <p:spPr>
+          <a:xfrm>
+            <a:off x="4310742" y="1567543"/>
+            <a:ext cx="3562598" cy="2131621"/>
+          </a:xfrm>
+          <a:prstGeom prst="rect">
+            <a:avLst/>
+          </a:prstGeom>
+        </p:spPr>
+        <p:style>
+          <a:lnRef idx="2">
+            <a:schemeClr val="accent1">
+              <a:shade val="50000"/>
+            </a:schemeClr>
+          </a:lnRef>
+          <a:fillRef idx="1">
+            <a:schemeClr val="accent1"/>
+          </a:fillRef>
+          <a:effectRef idx="0">
+            <a:schemeClr val="accent1"/>
+          </a:effectRef>
+          <a:fontRef idx="minor">
+            <a:schemeClr val="lt1"/>
+          </a:fontRef>
+        </p:style>
+        <p:txBody>
+          <a:bodyPr rtlCol="0" anchor="ctr"/>
+          <a:lstStyle/>
+          <a:p>
+            <a:pPr algn="ctr"/>
+            <a:endParaRPr lang="en-GB"/>
+          </a:p>
+        </p:txBody>
+      </p:sp>
+      <p:sp>
+        <p:nvSpPr>
+          <p:cNvPr id="3" name="Rectangle 2">
+            <a:extLst>
+              <a:ext uri="{FF2B5EF4-FFF2-40B4-BE49-F238E27FC236}">
+                <a16:creationId xmlns:a16="http://schemas.microsoft.com/office/drawing/2014/main" id="{18B15533-9ABB-5F60-2361-66E758BD1515}"/>
+              </a:ext>
+            </a:extLst>
+          </p:cNvPr>
+          <p:cNvSpPr/>
+          <p:nvPr/>
+        </p:nvSpPr>
+        <p:spPr>
+          <a:xfrm>
+            <a:off x="4649190" y="1757548"/>
+            <a:ext cx="2879766" cy="1615044"/>
+          </a:xfrm>
+          <a:prstGeom prst="rect">
+            <a:avLst/>
+          </a:prstGeom>
+        </p:spPr>
+        <p:style>
+          <a:lnRef idx="2">
+            <a:schemeClr val="accent6">
+              <a:shade val="50000"/>
+            </a:schemeClr>
+          </a:lnRef>
+          <a:fillRef idx="1">
+            <a:schemeClr val="accent6"/>
+          </a:fillRef>
+          <a:effectRef idx="0">
+            <a:schemeClr val="accent6"/>
+          </a:effectRef>
+          <a:fontRef idx="minor">
+            <a:schemeClr val="lt1"/>
+          </a:fontRef>
+        </p:style>
+        <p:txBody>
+          <a:bodyPr rtlCol="0" anchor="ctr"/>
+          <a:lstStyle/>
+          <a:p>
+            <a:pPr algn="ctr"/>
+            <a:r>
+              <a:rPr lang="en-GB" dirty="0"/>
+              <a:t>Big tick</a:t>
+            </a:r>
+          </a:p>
+        </p:txBody>
+      </p:sp>
+    </p:spTree>
+    <p:extLst>
+      <p:ext uri="{BB962C8B-B14F-4D97-AF65-F5344CB8AC3E}">
+        <p14:creationId xmlns:p14="http://schemas.microsoft.com/office/powerpoint/2010/main" val="2193837690"/>
+      </p:ext>
+    </p:extLst>
+  </p:cSld>
+  <p:clrMapOvr>
+    <a:masterClrMapping/>
+  </p:clrMapOvr>
+</p:sld>
+</file>
+
+<file path=ppt/slides/slide6.xml><?xml version="1.0" encoding="utf-8"?>
+<p:sld xmlns:a="http://schemas.openxmlformats.org/drawingml/2006/main" xmlns:r="http://schemas.openxmlformats.org/officeDocument/2006/relationships" xmlns:p="http://schemas.openxmlformats.org/presentationml/2006/main">
+  <p:cSld>
+    <p:spTree>
+      <p:nvGrpSpPr>
+        <p:cNvPr id="1" name=""/>
+        <p:cNvGrpSpPr/>
+        <p:nvPr/>
+      </p:nvGrpSpPr>
+      <p:grpSpPr>
+        <a:xfrm>
+          <a:off x="0" y="0"/>
+          <a:ext cx="0" cy="0"/>
+          <a:chOff x="0" y="0"/>
+          <a:chExt cx="0" cy="0"/>
+        </a:xfrm>
+      </p:grpSpPr>
+      <p:sp>
+        <p:nvSpPr>
+          <p:cNvPr id="4" name="Rectangle 3">
+            <a:extLst>
+              <a:ext uri="{FF2B5EF4-FFF2-40B4-BE49-F238E27FC236}">
+                <a16:creationId xmlns:a16="http://schemas.microsoft.com/office/drawing/2014/main" id="{277CF904-8BBE-617B-838F-C96125FA6C2E}"/>
+              </a:ext>
+            </a:extLst>
+          </p:cNvPr>
+          <p:cNvSpPr/>
+          <p:nvPr/>
+        </p:nvSpPr>
+        <p:spPr>
+          <a:xfrm>
+            <a:off x="0" y="0"/>
+            <a:ext cx="12192000" cy="6858000"/>
+          </a:xfrm>
+          <a:prstGeom prst="rect">
+            <a:avLst/>
+          </a:prstGeom>
+        </p:spPr>
+        <p:style>
+          <a:lnRef idx="2">
+            <a:schemeClr val="accent2">
+              <a:shade val="50000"/>
+            </a:schemeClr>
+          </a:lnRef>
+          <a:fillRef idx="1">
+            <a:schemeClr val="accent2"/>
+          </a:fillRef>
+          <a:effectRef idx="0">
+            <a:schemeClr val="accent2"/>
+          </a:effectRef>
+          <a:fontRef idx="minor">
+            <a:schemeClr val="lt1"/>
+          </a:fontRef>
+        </p:style>
+        <p:txBody>
+          <a:bodyPr rtlCol="0" anchor="ctr"/>
+          <a:lstStyle/>
+          <a:p>
+            <a:pPr algn="ctr"/>
+            <a:endParaRPr lang="en-GB"/>
+          </a:p>
+        </p:txBody>
+      </p:sp>
+      <p:sp>
+        <p:nvSpPr>
+          <p:cNvPr id="5" name="Rectangle 4">
+            <a:extLst>
+              <a:ext uri="{FF2B5EF4-FFF2-40B4-BE49-F238E27FC236}">
+                <a16:creationId xmlns:a16="http://schemas.microsoft.com/office/drawing/2014/main" id="{C9A174A8-9A94-613F-269D-CE6BEBB54C43}"/>
+              </a:ext>
+            </a:extLst>
+          </p:cNvPr>
+          <p:cNvSpPr/>
+          <p:nvPr/>
+        </p:nvSpPr>
+        <p:spPr>
+          <a:xfrm>
+            <a:off x="3984171" y="391886"/>
+            <a:ext cx="4144489" cy="6068291"/>
+          </a:xfrm>
+          <a:prstGeom prst="rect">
+            <a:avLst/>
+          </a:prstGeom>
+        </p:spPr>
+        <p:style>
+          <a:lnRef idx="2">
+            <a:schemeClr val="dk1"/>
+          </a:lnRef>
+          <a:fillRef idx="1">
+            <a:schemeClr val="lt1"/>
+          </a:fillRef>
+          <a:effectRef idx="0">
+            <a:schemeClr val="dk1"/>
+          </a:effectRef>
+          <a:fontRef idx="minor">
+            <a:schemeClr val="dk1"/>
+          </a:fontRef>
+        </p:style>
+        <p:txBody>
+          <a:bodyPr rtlCol="0" anchor="ctr"/>
+          <a:lstStyle/>
+          <a:p>
+            <a:pPr algn="ctr"/>
+            <a:endParaRPr lang="en-GB"/>
+          </a:p>
+        </p:txBody>
+      </p:sp>
+      <p:sp>
+        <p:nvSpPr>
+          <p:cNvPr id="6" name="Rectangle 5">
+            <a:extLst>
+              <a:ext uri="{FF2B5EF4-FFF2-40B4-BE49-F238E27FC236}">
+                <a16:creationId xmlns:a16="http://schemas.microsoft.com/office/drawing/2014/main" id="{AE2ABB4B-6CE4-9A9A-E26A-FD0DC5B10E48}"/>
+              </a:ext>
+            </a:extLst>
+          </p:cNvPr>
+          <p:cNvSpPr/>
+          <p:nvPr/>
+        </p:nvSpPr>
+        <p:spPr>
+          <a:xfrm>
+            <a:off x="4215740" y="587829"/>
+            <a:ext cx="3752603" cy="587828"/>
+          </a:xfrm>
+          <a:prstGeom prst="rect">
+            <a:avLst/>
+          </a:prstGeom>
+        </p:spPr>
+        <p:style>
+          <a:lnRef idx="2">
+            <a:schemeClr val="accent1">
+              <a:shade val="50000"/>
+            </a:schemeClr>
+          </a:lnRef>
+          <a:fillRef idx="1">
+            <a:schemeClr val="accent1"/>
+          </a:fillRef>
+          <a:effectRef idx="0">
+            <a:schemeClr val="accent1"/>
+          </a:effectRef>
+          <a:fontRef idx="minor">
+            <a:schemeClr val="lt1"/>
+          </a:fontRef>
+        </p:style>
+        <p:txBody>
+          <a:bodyPr rtlCol="0" anchor="ctr"/>
+          <a:lstStyle/>
+          <a:p>
+            <a:pPr algn="ctr"/>
+            <a:r>
+              <a:rPr lang="en-GB" sz="1200" dirty="0"/>
+              <a:t>Personal Info System Exercise Page</a:t>
+            </a:r>
+          </a:p>
+        </p:txBody>
+      </p:sp>
+      <p:sp>
+        <p:nvSpPr>
+          <p:cNvPr id="8" name="Rectangle 7">
+            <a:extLst>
+              <a:ext uri="{FF2B5EF4-FFF2-40B4-BE49-F238E27FC236}">
+                <a16:creationId xmlns:a16="http://schemas.microsoft.com/office/drawing/2014/main" id="{25ABEB85-C9E0-0279-40DA-9CDDFB8D136A}"/>
+              </a:ext>
+            </a:extLst>
+          </p:cNvPr>
+          <p:cNvSpPr/>
+          <p:nvPr/>
+        </p:nvSpPr>
+        <p:spPr>
+          <a:xfrm>
+            <a:off x="4215740" y="587829"/>
+            <a:ext cx="712520" cy="587828"/>
+          </a:xfrm>
+          <a:prstGeom prst="rect">
+            <a:avLst/>
+          </a:prstGeom>
+        </p:spPr>
+        <p:style>
+          <a:lnRef idx="2">
+            <a:schemeClr val="accent6">
+              <a:shade val="50000"/>
+            </a:schemeClr>
+          </a:lnRef>
+          <a:fillRef idx="1">
+            <a:schemeClr val="accent6"/>
+          </a:fillRef>
+          <a:effectRef idx="0">
+            <a:schemeClr val="accent6"/>
+          </a:effectRef>
+          <a:fontRef idx="minor">
+            <a:schemeClr val="lt1"/>
+          </a:fontRef>
+        </p:style>
+        <p:txBody>
+          <a:bodyPr rtlCol="0" anchor="ctr"/>
+          <a:lstStyle/>
+          <a:p>
+            <a:pPr algn="ctr"/>
+            <a:r>
+              <a:rPr lang="en-GB" sz="1200" dirty="0"/>
+              <a:t>Pull out menu</a:t>
+            </a:r>
+          </a:p>
+        </p:txBody>
+      </p:sp>
+      <p:sp>
+        <p:nvSpPr>
+          <p:cNvPr id="9" name="Rectangle 8">
+            <a:extLst>
+              <a:ext uri="{FF2B5EF4-FFF2-40B4-BE49-F238E27FC236}">
+                <a16:creationId xmlns:a16="http://schemas.microsoft.com/office/drawing/2014/main" id="{E634329C-A768-542C-6E9F-CDC2F4C7C5B0}"/>
+              </a:ext>
+            </a:extLst>
+          </p:cNvPr>
+          <p:cNvSpPr/>
+          <p:nvPr/>
+        </p:nvSpPr>
+        <p:spPr>
+          <a:xfrm>
+            <a:off x="4310742" y="1324100"/>
+            <a:ext cx="3562598" cy="243444"/>
+          </a:xfrm>
+          <a:prstGeom prst="rect">
+            <a:avLst/>
+          </a:prstGeom>
+        </p:spPr>
+        <p:style>
+          <a:lnRef idx="2">
+            <a:schemeClr val="accent1">
+              <a:shade val="50000"/>
+            </a:schemeClr>
+          </a:lnRef>
+          <a:fillRef idx="1">
+            <a:schemeClr val="accent1"/>
+          </a:fillRef>
+          <a:effectRef idx="0">
+            <a:schemeClr val="accent1"/>
+          </a:effectRef>
+          <a:fontRef idx="minor">
+            <a:schemeClr val="lt1"/>
+          </a:fontRef>
+        </p:style>
+        <p:txBody>
+          <a:bodyPr rtlCol="0" anchor="ctr"/>
+          <a:lstStyle/>
+          <a:p>
+            <a:pPr algn="ctr"/>
+            <a:r>
+              <a:rPr lang="en-GB" dirty="0"/>
+              <a:t>Exercise Routine</a:t>
+            </a:r>
+          </a:p>
+        </p:txBody>
+      </p:sp>
+      <p:sp>
+        <p:nvSpPr>
+          <p:cNvPr id="7" name="Rectangle 6">
+            <a:extLst>
+              <a:ext uri="{FF2B5EF4-FFF2-40B4-BE49-F238E27FC236}">
+                <a16:creationId xmlns:a16="http://schemas.microsoft.com/office/drawing/2014/main" id="{4F3AE39F-0555-0B1F-4281-465FFD127829}"/>
+              </a:ext>
+            </a:extLst>
+          </p:cNvPr>
+          <p:cNvSpPr/>
+          <p:nvPr/>
+        </p:nvSpPr>
+        <p:spPr>
+          <a:xfrm>
+            <a:off x="4310742" y="1567544"/>
+            <a:ext cx="3562598" cy="1425038"/>
+          </a:xfrm>
+          <a:prstGeom prst="rect">
+            <a:avLst/>
+          </a:prstGeom>
+        </p:spPr>
+        <p:style>
+          <a:lnRef idx="2">
+            <a:schemeClr val="accent1">
+              <a:shade val="50000"/>
+            </a:schemeClr>
+          </a:lnRef>
+          <a:fillRef idx="1">
+            <a:schemeClr val="accent1"/>
+          </a:fillRef>
+          <a:effectRef idx="0">
+            <a:schemeClr val="accent1"/>
+          </a:effectRef>
+          <a:fontRef idx="minor">
+            <a:schemeClr val="lt1"/>
+          </a:fontRef>
+        </p:style>
+        <p:txBody>
+          <a:bodyPr rtlCol="0" anchor="ctr"/>
+          <a:lstStyle/>
+          <a:p>
+            <a:pPr algn="ctr"/>
+            <a:endParaRPr lang="en-GB"/>
+          </a:p>
+        </p:txBody>
+      </p:sp>
+      <p:sp>
+        <p:nvSpPr>
+          <p:cNvPr id="10" name="Rectangle 9">
+            <a:extLst>
+              <a:ext uri="{FF2B5EF4-FFF2-40B4-BE49-F238E27FC236}">
+                <a16:creationId xmlns:a16="http://schemas.microsoft.com/office/drawing/2014/main" id="{71805B70-DF29-4B6B-06B9-169CAE580156}"/>
+              </a:ext>
+            </a:extLst>
+          </p:cNvPr>
+          <p:cNvSpPr/>
+          <p:nvPr/>
+        </p:nvSpPr>
+        <p:spPr>
+          <a:xfrm>
+            <a:off x="4360222" y="1665516"/>
+            <a:ext cx="599704" cy="492826"/>
+          </a:xfrm>
+          <a:prstGeom prst="rect">
+            <a:avLst/>
+          </a:prstGeom>
+          <a:solidFill>
+            <a:schemeClr val="accent6"/>
+          </a:solidFill>
+        </p:spPr>
+        <p:style>
+          <a:lnRef idx="2">
+            <a:schemeClr val="accent2">
+              <a:shade val="50000"/>
+            </a:schemeClr>
+          </a:lnRef>
+          <a:fillRef idx="1">
+            <a:schemeClr val="accent2"/>
+          </a:fillRef>
+          <a:effectRef idx="0">
+            <a:schemeClr val="accent2"/>
+          </a:effectRef>
+          <a:fontRef idx="minor">
+            <a:schemeClr val="lt1"/>
+          </a:fontRef>
+        </p:style>
+        <p:txBody>
+          <a:bodyPr rtlCol="0" anchor="ctr"/>
+          <a:lstStyle/>
+          <a:p>
+            <a:pPr algn="ctr"/>
+            <a:r>
+              <a:rPr lang="en-GB" sz="1200" dirty="0"/>
+              <a:t>Apple core</a:t>
+            </a:r>
+          </a:p>
+        </p:txBody>
+      </p:sp>
+      <p:sp>
+        <p:nvSpPr>
+          <p:cNvPr id="11" name="Rectangle 10">
+            <a:extLst>
+              <a:ext uri="{FF2B5EF4-FFF2-40B4-BE49-F238E27FC236}">
+                <a16:creationId xmlns:a16="http://schemas.microsoft.com/office/drawing/2014/main" id="{371A2094-1228-DAF6-906D-D54D190CDBA9}"/>
+              </a:ext>
+            </a:extLst>
+          </p:cNvPr>
+          <p:cNvSpPr/>
+          <p:nvPr/>
+        </p:nvSpPr>
+        <p:spPr>
+          <a:xfrm>
+            <a:off x="5048993" y="1665516"/>
+            <a:ext cx="599704" cy="492826"/>
+          </a:xfrm>
+          <a:prstGeom prst="rect">
+            <a:avLst/>
+          </a:prstGeom>
+          <a:solidFill>
+            <a:srgbClr val="FF0000"/>
+          </a:solidFill>
+        </p:spPr>
+        <p:style>
+          <a:lnRef idx="2">
+            <a:schemeClr val="accent6">
+              <a:shade val="50000"/>
+            </a:schemeClr>
+          </a:lnRef>
+          <a:fillRef idx="1">
+            <a:schemeClr val="accent6"/>
+          </a:fillRef>
+          <a:effectRef idx="0">
+            <a:schemeClr val="accent6"/>
+          </a:effectRef>
+          <a:fontRef idx="minor">
+            <a:schemeClr val="lt1"/>
+          </a:fontRef>
+        </p:style>
+        <p:txBody>
+          <a:bodyPr rtlCol="0" anchor="ctr"/>
+          <a:lstStyle/>
+          <a:p>
+            <a:pPr algn="ctr"/>
+            <a:r>
+              <a:rPr lang="en-GB" sz="1200" dirty="0"/>
+              <a:t>Full Apple</a:t>
+            </a:r>
+          </a:p>
+        </p:txBody>
+      </p:sp>
+      <p:sp>
+        <p:nvSpPr>
+          <p:cNvPr id="12" name="Rectangle 11">
+            <a:extLst>
+              <a:ext uri="{FF2B5EF4-FFF2-40B4-BE49-F238E27FC236}">
+                <a16:creationId xmlns:a16="http://schemas.microsoft.com/office/drawing/2014/main" id="{A0D5EB15-5C87-BBC9-4DA4-9142C02693A9}"/>
+              </a:ext>
+            </a:extLst>
+          </p:cNvPr>
+          <p:cNvSpPr/>
+          <p:nvPr/>
+        </p:nvSpPr>
+        <p:spPr>
+          <a:xfrm>
+            <a:off x="5737764" y="1665516"/>
+            <a:ext cx="599704" cy="492826"/>
+          </a:xfrm>
+          <a:prstGeom prst="rect">
+            <a:avLst/>
+          </a:prstGeom>
+          <a:solidFill>
+            <a:srgbClr val="C00000"/>
+          </a:solidFill>
+        </p:spPr>
+        <p:style>
+          <a:lnRef idx="2">
+            <a:schemeClr val="accent6">
+              <a:shade val="50000"/>
+            </a:schemeClr>
+          </a:lnRef>
+          <a:fillRef idx="1">
+            <a:schemeClr val="accent6"/>
+          </a:fillRef>
+          <a:effectRef idx="0">
+            <a:schemeClr val="accent6"/>
+          </a:effectRef>
+          <a:fontRef idx="minor">
+            <a:schemeClr val="lt1"/>
+          </a:fontRef>
+        </p:style>
+        <p:txBody>
+          <a:bodyPr rtlCol="0" anchor="ctr"/>
+          <a:lstStyle/>
+          <a:p>
+            <a:pPr algn="ctr"/>
+            <a:r>
+              <a:rPr lang="en-GB" sz="1200" dirty="0"/>
+              <a:t>Full Apple</a:t>
+            </a:r>
+          </a:p>
+        </p:txBody>
+      </p:sp>
+      <p:sp>
+        <p:nvSpPr>
+          <p:cNvPr id="13" name="Rectangle 12">
+            <a:extLst>
+              <a:ext uri="{FF2B5EF4-FFF2-40B4-BE49-F238E27FC236}">
+                <a16:creationId xmlns:a16="http://schemas.microsoft.com/office/drawing/2014/main" id="{483EDCE6-ADCD-91FF-597D-1D1535D88964}"/>
+              </a:ext>
+            </a:extLst>
+          </p:cNvPr>
+          <p:cNvSpPr/>
+          <p:nvPr/>
+        </p:nvSpPr>
+        <p:spPr>
+          <a:xfrm>
+            <a:off x="6405756" y="1665516"/>
+            <a:ext cx="599704" cy="492826"/>
+          </a:xfrm>
+          <a:prstGeom prst="rect">
+            <a:avLst/>
+          </a:prstGeom>
+          <a:solidFill>
+            <a:srgbClr val="C00000"/>
+          </a:solidFill>
+        </p:spPr>
+        <p:style>
+          <a:lnRef idx="2">
+            <a:schemeClr val="accent6">
+              <a:shade val="50000"/>
+            </a:schemeClr>
+          </a:lnRef>
+          <a:fillRef idx="1">
+            <a:schemeClr val="accent6"/>
+          </a:fillRef>
+          <a:effectRef idx="0">
+            <a:schemeClr val="accent6"/>
+          </a:effectRef>
+          <a:fontRef idx="minor">
+            <a:schemeClr val="lt1"/>
+          </a:fontRef>
+        </p:style>
+        <p:txBody>
+          <a:bodyPr rtlCol="0" anchor="ctr"/>
+          <a:lstStyle/>
+          <a:p>
+            <a:pPr algn="ctr"/>
+            <a:r>
+              <a:rPr lang="en-GB" sz="1200"/>
+              <a:t>Full Apple</a:t>
+            </a:r>
+            <a:endParaRPr lang="en-GB" sz="1200" dirty="0"/>
+          </a:p>
+        </p:txBody>
+      </p:sp>
+      <p:sp>
+        <p:nvSpPr>
+          <p:cNvPr id="14" name="Rectangle 13">
+            <a:extLst>
+              <a:ext uri="{FF2B5EF4-FFF2-40B4-BE49-F238E27FC236}">
+                <a16:creationId xmlns:a16="http://schemas.microsoft.com/office/drawing/2014/main" id="{1CB05635-345D-2EAD-AFD3-452252A5FF32}"/>
+              </a:ext>
+            </a:extLst>
+          </p:cNvPr>
+          <p:cNvSpPr/>
+          <p:nvPr/>
+        </p:nvSpPr>
+        <p:spPr>
+          <a:xfrm>
+            <a:off x="7101444" y="1665516"/>
+            <a:ext cx="599704" cy="492826"/>
+          </a:xfrm>
+          <a:prstGeom prst="rect">
+            <a:avLst/>
+          </a:prstGeom>
+          <a:solidFill>
+            <a:srgbClr val="C00000"/>
+          </a:solidFill>
+        </p:spPr>
+        <p:style>
+          <a:lnRef idx="2">
+            <a:schemeClr val="accent6">
+              <a:shade val="50000"/>
+            </a:schemeClr>
+          </a:lnRef>
+          <a:fillRef idx="1">
+            <a:schemeClr val="accent6"/>
+          </a:fillRef>
+          <a:effectRef idx="0">
+            <a:schemeClr val="accent6"/>
+          </a:effectRef>
+          <a:fontRef idx="minor">
+            <a:schemeClr val="lt1"/>
+          </a:fontRef>
+        </p:style>
+        <p:txBody>
+          <a:bodyPr rtlCol="0" anchor="ctr"/>
+          <a:lstStyle/>
+          <a:p>
+            <a:pPr algn="ctr"/>
+            <a:r>
+              <a:rPr lang="en-GB" sz="1200"/>
+              <a:t>Full Apple</a:t>
+            </a:r>
+            <a:endParaRPr lang="en-GB" sz="1200" dirty="0"/>
+          </a:p>
+        </p:txBody>
+      </p:sp>
+      <p:sp>
+        <p:nvSpPr>
+          <p:cNvPr id="15" name="Rectangle 14">
+            <a:extLst>
+              <a:ext uri="{FF2B5EF4-FFF2-40B4-BE49-F238E27FC236}">
+                <a16:creationId xmlns:a16="http://schemas.microsoft.com/office/drawing/2014/main" id="{80B57D04-9507-4F22-B084-8FE2908C1619}"/>
+              </a:ext>
+            </a:extLst>
+          </p:cNvPr>
+          <p:cNvSpPr/>
+          <p:nvPr/>
+        </p:nvSpPr>
+        <p:spPr>
+          <a:xfrm>
+            <a:off x="5042076" y="1665516"/>
+            <a:ext cx="599704" cy="492826"/>
+          </a:xfrm>
+          <a:prstGeom prst="rect">
+            <a:avLst/>
+          </a:prstGeom>
+          <a:solidFill>
+            <a:srgbClr val="C00000"/>
+          </a:solidFill>
+        </p:spPr>
+        <p:style>
+          <a:lnRef idx="2">
+            <a:schemeClr val="accent6">
+              <a:shade val="50000"/>
+            </a:schemeClr>
+          </a:lnRef>
+          <a:fillRef idx="1">
+            <a:schemeClr val="accent6"/>
+          </a:fillRef>
+          <a:effectRef idx="0">
+            <a:schemeClr val="accent6"/>
+          </a:effectRef>
+          <a:fontRef idx="minor">
+            <a:schemeClr val="lt1"/>
+          </a:fontRef>
+        </p:style>
+        <p:txBody>
+          <a:bodyPr rtlCol="0" anchor="ctr"/>
+          <a:lstStyle/>
+          <a:p>
+            <a:pPr algn="ctr"/>
+            <a:r>
+              <a:rPr lang="en-GB" sz="1200" dirty="0"/>
+              <a:t>Full Apple</a:t>
+            </a:r>
+          </a:p>
+        </p:txBody>
+      </p:sp>
+    </p:spTree>
+    <p:extLst>
+      <p:ext uri="{BB962C8B-B14F-4D97-AF65-F5344CB8AC3E}">
+        <p14:creationId xmlns:p14="http://schemas.microsoft.com/office/powerpoint/2010/main" val="808457035"/>
+      </p:ext>
+    </p:extLst>
+  </p:cSld>
+  <p:clrMapOvr>
+    <a:masterClrMapping/>
+  </p:clrMapOvr>
+</p:sld>
+</file>
+
+<file path=ppt/slides/slide7.xml><?xml version="1.0" encoding="utf-8"?>
+<p:sld xmlns:a="http://schemas.openxmlformats.org/drawingml/2006/main" xmlns:r="http://schemas.openxmlformats.org/officeDocument/2006/relationships" xmlns:p="http://schemas.openxmlformats.org/presentationml/2006/main">
+  <p:cSld>
+    <p:spTree>
+      <p:nvGrpSpPr>
+        <p:cNvPr id="1" name=""/>
+        <p:cNvGrpSpPr/>
+        <p:nvPr/>
+      </p:nvGrpSpPr>
+      <p:grpSpPr>
+        <a:xfrm>
+          <a:off x="0" y="0"/>
+          <a:ext cx="0" cy="0"/>
+          <a:chOff x="0" y="0"/>
+          <a:chExt cx="0" cy="0"/>
+        </a:xfrm>
+      </p:grpSpPr>
+      <p:sp>
+        <p:nvSpPr>
+          <p:cNvPr id="4" name="Rectangle 3">
+            <a:extLst>
+              <a:ext uri="{FF2B5EF4-FFF2-40B4-BE49-F238E27FC236}">
+                <a16:creationId xmlns:a16="http://schemas.microsoft.com/office/drawing/2014/main" id="{277CF904-8BBE-617B-838F-C96125FA6C2E}"/>
+              </a:ext>
+            </a:extLst>
+          </p:cNvPr>
+          <p:cNvSpPr/>
+          <p:nvPr/>
+        </p:nvSpPr>
+        <p:spPr>
+          <a:xfrm>
+            <a:off x="0" y="0"/>
+            <a:ext cx="12192000" cy="6858000"/>
+          </a:xfrm>
+          <a:prstGeom prst="rect">
+            <a:avLst/>
+          </a:prstGeom>
+        </p:spPr>
+        <p:style>
+          <a:lnRef idx="2">
+            <a:schemeClr val="accent2">
+              <a:shade val="50000"/>
+            </a:schemeClr>
+          </a:lnRef>
+          <a:fillRef idx="1">
+            <a:schemeClr val="accent2"/>
+          </a:fillRef>
+          <a:effectRef idx="0">
+            <a:schemeClr val="accent2"/>
+          </a:effectRef>
+          <a:fontRef idx="minor">
+            <a:schemeClr val="lt1"/>
+          </a:fontRef>
+        </p:style>
+        <p:txBody>
+          <a:bodyPr rtlCol="0" anchor="ctr"/>
+          <a:lstStyle/>
+          <a:p>
+            <a:pPr algn="ctr"/>
+            <a:endParaRPr lang="en-GB"/>
+          </a:p>
+        </p:txBody>
+      </p:sp>
+      <p:sp>
+        <p:nvSpPr>
+          <p:cNvPr id="5" name="Rectangle 4">
+            <a:extLst>
+              <a:ext uri="{FF2B5EF4-FFF2-40B4-BE49-F238E27FC236}">
+                <a16:creationId xmlns:a16="http://schemas.microsoft.com/office/drawing/2014/main" id="{C9A174A8-9A94-613F-269D-CE6BEBB54C43}"/>
+              </a:ext>
+            </a:extLst>
+          </p:cNvPr>
+          <p:cNvSpPr/>
+          <p:nvPr/>
+        </p:nvSpPr>
+        <p:spPr>
+          <a:xfrm>
+            <a:off x="3984171" y="391886"/>
+            <a:ext cx="4144489" cy="6068291"/>
+          </a:xfrm>
+          <a:prstGeom prst="rect">
+            <a:avLst/>
+          </a:prstGeom>
+        </p:spPr>
+        <p:style>
+          <a:lnRef idx="2">
+            <a:schemeClr val="dk1"/>
+          </a:lnRef>
+          <a:fillRef idx="1">
+            <a:schemeClr val="lt1"/>
+          </a:fillRef>
+          <a:effectRef idx="0">
+            <a:schemeClr val="dk1"/>
+          </a:effectRef>
+          <a:fontRef idx="minor">
+            <a:schemeClr val="dk1"/>
+          </a:fontRef>
+        </p:style>
+        <p:txBody>
+          <a:bodyPr rtlCol="0" anchor="ctr"/>
+          <a:lstStyle/>
+          <a:p>
+            <a:pPr algn="ctr"/>
+            <a:endParaRPr lang="en-GB"/>
+          </a:p>
+        </p:txBody>
+      </p:sp>
+      <p:sp>
+        <p:nvSpPr>
+          <p:cNvPr id="6" name="Rectangle 5">
+            <a:extLst>
+              <a:ext uri="{FF2B5EF4-FFF2-40B4-BE49-F238E27FC236}">
+                <a16:creationId xmlns:a16="http://schemas.microsoft.com/office/drawing/2014/main" id="{AE2ABB4B-6CE4-9A9A-E26A-FD0DC5B10E48}"/>
+              </a:ext>
+            </a:extLst>
+          </p:cNvPr>
+          <p:cNvSpPr/>
+          <p:nvPr/>
+        </p:nvSpPr>
+        <p:spPr>
+          <a:xfrm>
+            <a:off x="4215740" y="587829"/>
+            <a:ext cx="3752603" cy="587828"/>
+          </a:xfrm>
+          <a:prstGeom prst="rect">
+            <a:avLst/>
+          </a:prstGeom>
+        </p:spPr>
+        <p:style>
+          <a:lnRef idx="2">
+            <a:schemeClr val="accent1">
+              <a:shade val="50000"/>
+            </a:schemeClr>
+          </a:lnRef>
+          <a:fillRef idx="1">
+            <a:schemeClr val="accent1"/>
+          </a:fillRef>
+          <a:effectRef idx="0">
+            <a:schemeClr val="accent1"/>
+          </a:effectRef>
+          <a:fontRef idx="minor">
+            <a:schemeClr val="lt1"/>
+          </a:fontRef>
+        </p:style>
+        <p:txBody>
+          <a:bodyPr rtlCol="0" anchor="ctr"/>
+          <a:lstStyle/>
+          <a:p>
+            <a:pPr algn="ctr"/>
+            <a:r>
+              <a:rPr lang="en-GB" sz="1200" dirty="0"/>
+              <a:t>Personal Info System Exercise Page</a:t>
+            </a:r>
+          </a:p>
+        </p:txBody>
+      </p:sp>
+      <p:sp>
+        <p:nvSpPr>
+          <p:cNvPr id="8" name="Rectangle 7">
+            <a:extLst>
+              <a:ext uri="{FF2B5EF4-FFF2-40B4-BE49-F238E27FC236}">
+                <a16:creationId xmlns:a16="http://schemas.microsoft.com/office/drawing/2014/main" id="{25ABEB85-C9E0-0279-40DA-9CDDFB8D136A}"/>
+              </a:ext>
+            </a:extLst>
+          </p:cNvPr>
+          <p:cNvSpPr/>
+          <p:nvPr/>
+        </p:nvSpPr>
+        <p:spPr>
+          <a:xfrm>
+            <a:off x="4215740" y="587829"/>
+            <a:ext cx="712520" cy="587828"/>
+          </a:xfrm>
+          <a:prstGeom prst="rect">
+            <a:avLst/>
+          </a:prstGeom>
+        </p:spPr>
+        <p:style>
+          <a:lnRef idx="2">
+            <a:schemeClr val="accent6">
+              <a:shade val="50000"/>
+            </a:schemeClr>
+          </a:lnRef>
+          <a:fillRef idx="1">
+            <a:schemeClr val="accent6"/>
+          </a:fillRef>
+          <a:effectRef idx="0">
+            <a:schemeClr val="accent6"/>
+          </a:effectRef>
+          <a:fontRef idx="minor">
+            <a:schemeClr val="lt1"/>
+          </a:fontRef>
+        </p:style>
+        <p:txBody>
+          <a:bodyPr rtlCol="0" anchor="ctr"/>
+          <a:lstStyle/>
+          <a:p>
+            <a:pPr algn="ctr"/>
+            <a:r>
+              <a:rPr lang="en-GB" sz="1200" dirty="0"/>
+              <a:t>Pull out menu</a:t>
+            </a:r>
+          </a:p>
+        </p:txBody>
+      </p:sp>
+      <p:sp>
+        <p:nvSpPr>
+          <p:cNvPr id="9" name="Rectangle 8">
+            <a:extLst>
+              <a:ext uri="{FF2B5EF4-FFF2-40B4-BE49-F238E27FC236}">
+                <a16:creationId xmlns:a16="http://schemas.microsoft.com/office/drawing/2014/main" id="{E634329C-A768-542C-6E9F-CDC2F4C7C5B0}"/>
+              </a:ext>
+            </a:extLst>
+          </p:cNvPr>
+          <p:cNvSpPr/>
+          <p:nvPr/>
+        </p:nvSpPr>
+        <p:spPr>
+          <a:xfrm>
+            <a:off x="4310742" y="1324100"/>
+            <a:ext cx="3562598" cy="243444"/>
+          </a:xfrm>
+          <a:prstGeom prst="rect">
+            <a:avLst/>
+          </a:prstGeom>
+        </p:spPr>
+        <p:style>
+          <a:lnRef idx="2">
+            <a:schemeClr val="accent1">
+              <a:shade val="50000"/>
+            </a:schemeClr>
+          </a:lnRef>
+          <a:fillRef idx="1">
+            <a:schemeClr val="accent1"/>
+          </a:fillRef>
+          <a:effectRef idx="0">
+            <a:schemeClr val="accent1"/>
+          </a:effectRef>
+          <a:fontRef idx="minor">
+            <a:schemeClr val="lt1"/>
+          </a:fontRef>
+        </p:style>
+        <p:txBody>
+          <a:bodyPr rtlCol="0" anchor="ctr"/>
+          <a:lstStyle/>
+          <a:p>
+            <a:pPr algn="ctr"/>
+            <a:r>
+              <a:rPr lang="en-GB" dirty="0"/>
+              <a:t>Exercise Routine</a:t>
+            </a:r>
+          </a:p>
+        </p:txBody>
+      </p:sp>
+      <p:sp>
+        <p:nvSpPr>
+          <p:cNvPr id="7" name="Rectangle 6">
+            <a:extLst>
+              <a:ext uri="{FF2B5EF4-FFF2-40B4-BE49-F238E27FC236}">
+                <a16:creationId xmlns:a16="http://schemas.microsoft.com/office/drawing/2014/main" id="{4F3AE39F-0555-0B1F-4281-465FFD127829}"/>
+              </a:ext>
+            </a:extLst>
+          </p:cNvPr>
+          <p:cNvSpPr/>
+          <p:nvPr/>
+        </p:nvSpPr>
+        <p:spPr>
+          <a:xfrm>
+            <a:off x="4310742" y="1567544"/>
+            <a:ext cx="3562598" cy="1425038"/>
+          </a:xfrm>
+          <a:prstGeom prst="rect">
+            <a:avLst/>
+          </a:prstGeom>
+        </p:spPr>
+        <p:style>
+          <a:lnRef idx="2">
+            <a:schemeClr val="accent1">
+              <a:shade val="50000"/>
+            </a:schemeClr>
+          </a:lnRef>
+          <a:fillRef idx="1">
+            <a:schemeClr val="accent1"/>
+          </a:fillRef>
+          <a:effectRef idx="0">
+            <a:schemeClr val="accent1"/>
+          </a:effectRef>
+          <a:fontRef idx="minor">
+            <a:schemeClr val="lt1"/>
+          </a:fontRef>
+        </p:style>
+        <p:txBody>
+          <a:bodyPr rtlCol="0" anchor="ctr"/>
+          <a:lstStyle/>
+          <a:p>
+            <a:pPr algn="ctr"/>
+            <a:endParaRPr lang="en-GB"/>
+          </a:p>
+        </p:txBody>
+      </p:sp>
+      <p:sp>
+        <p:nvSpPr>
+          <p:cNvPr id="10" name="Rectangle 9">
+            <a:extLst>
+              <a:ext uri="{FF2B5EF4-FFF2-40B4-BE49-F238E27FC236}">
+                <a16:creationId xmlns:a16="http://schemas.microsoft.com/office/drawing/2014/main" id="{71805B70-DF29-4B6B-06B9-169CAE580156}"/>
+              </a:ext>
+            </a:extLst>
+          </p:cNvPr>
+          <p:cNvSpPr/>
+          <p:nvPr/>
+        </p:nvSpPr>
+        <p:spPr>
+          <a:xfrm>
+            <a:off x="4360222" y="1665516"/>
+            <a:ext cx="599704" cy="492826"/>
+          </a:xfrm>
+          <a:prstGeom prst="rect">
+            <a:avLst/>
+          </a:prstGeom>
+          <a:solidFill>
+            <a:schemeClr val="accent6"/>
+          </a:solidFill>
+        </p:spPr>
+        <p:style>
+          <a:lnRef idx="2">
+            <a:schemeClr val="accent2">
+              <a:shade val="50000"/>
+            </a:schemeClr>
+          </a:lnRef>
+          <a:fillRef idx="1">
+            <a:schemeClr val="accent2"/>
+          </a:fillRef>
+          <a:effectRef idx="0">
+            <a:schemeClr val="accent2"/>
+          </a:effectRef>
+          <a:fontRef idx="minor">
+            <a:schemeClr val="lt1"/>
+          </a:fontRef>
+        </p:style>
+        <p:txBody>
+          <a:bodyPr rtlCol="0" anchor="ctr"/>
+          <a:lstStyle/>
+          <a:p>
+            <a:pPr algn="ctr"/>
+            <a:r>
+              <a:rPr lang="en-GB" sz="1200" dirty="0"/>
+              <a:t>Apple core</a:t>
+            </a:r>
+          </a:p>
+        </p:txBody>
+      </p:sp>
+      <p:sp>
+        <p:nvSpPr>
+          <p:cNvPr id="11" name="Rectangle 10">
+            <a:extLst>
+              <a:ext uri="{FF2B5EF4-FFF2-40B4-BE49-F238E27FC236}">
+                <a16:creationId xmlns:a16="http://schemas.microsoft.com/office/drawing/2014/main" id="{371A2094-1228-DAF6-906D-D54D190CDBA9}"/>
+              </a:ext>
+            </a:extLst>
+          </p:cNvPr>
+          <p:cNvSpPr/>
+          <p:nvPr/>
+        </p:nvSpPr>
+        <p:spPr>
+          <a:xfrm>
+            <a:off x="5048993" y="1665516"/>
+            <a:ext cx="599704" cy="492826"/>
+          </a:xfrm>
+          <a:prstGeom prst="rect">
+            <a:avLst/>
+          </a:prstGeom>
+          <a:solidFill>
+            <a:schemeClr val="accent6"/>
+          </a:solidFill>
+        </p:spPr>
+        <p:style>
+          <a:lnRef idx="2">
+            <a:schemeClr val="accent6">
+              <a:shade val="50000"/>
+            </a:schemeClr>
+          </a:lnRef>
+          <a:fillRef idx="1">
+            <a:schemeClr val="accent6"/>
+          </a:fillRef>
+          <a:effectRef idx="0">
+            <a:schemeClr val="accent6"/>
+          </a:effectRef>
+          <a:fontRef idx="minor">
+            <a:schemeClr val="lt1"/>
+          </a:fontRef>
+        </p:style>
+        <p:txBody>
+          <a:bodyPr rtlCol="0" anchor="ctr"/>
+          <a:lstStyle/>
+          <a:p>
+            <a:pPr algn="ctr"/>
+            <a:r>
+              <a:rPr lang="en-GB" sz="1200" dirty="0"/>
+              <a:t>Apple core</a:t>
+            </a:r>
+          </a:p>
+        </p:txBody>
+      </p:sp>
+      <p:sp>
+        <p:nvSpPr>
+          <p:cNvPr id="12" name="Rectangle 11">
+            <a:extLst>
+              <a:ext uri="{FF2B5EF4-FFF2-40B4-BE49-F238E27FC236}">
+                <a16:creationId xmlns:a16="http://schemas.microsoft.com/office/drawing/2014/main" id="{A0D5EB15-5C87-BBC9-4DA4-9142C02693A9}"/>
+              </a:ext>
+            </a:extLst>
+          </p:cNvPr>
+          <p:cNvSpPr/>
+          <p:nvPr/>
+        </p:nvSpPr>
+        <p:spPr>
+          <a:xfrm>
+            <a:off x="5737764" y="1665516"/>
+            <a:ext cx="599704" cy="492826"/>
+          </a:xfrm>
+          <a:prstGeom prst="rect">
+            <a:avLst/>
+          </a:prstGeom>
+          <a:solidFill>
+            <a:srgbClr val="C00000"/>
+          </a:solidFill>
+        </p:spPr>
+        <p:style>
+          <a:lnRef idx="2">
+            <a:schemeClr val="accent6">
+              <a:shade val="50000"/>
+            </a:schemeClr>
+          </a:lnRef>
+          <a:fillRef idx="1">
+            <a:schemeClr val="accent6"/>
+          </a:fillRef>
+          <a:effectRef idx="0">
+            <a:schemeClr val="accent6"/>
+          </a:effectRef>
+          <a:fontRef idx="minor">
+            <a:schemeClr val="lt1"/>
+          </a:fontRef>
+        </p:style>
+        <p:txBody>
+          <a:bodyPr rtlCol="0" anchor="ctr"/>
+          <a:lstStyle/>
+          <a:p>
+            <a:pPr algn="ctr"/>
+            <a:r>
+              <a:rPr lang="en-GB" sz="1200" dirty="0"/>
+              <a:t>Full Apple</a:t>
+            </a:r>
+          </a:p>
+        </p:txBody>
+      </p:sp>
+      <p:sp>
+        <p:nvSpPr>
+          <p:cNvPr id="13" name="Rectangle 12">
+            <a:extLst>
+              <a:ext uri="{FF2B5EF4-FFF2-40B4-BE49-F238E27FC236}">
+                <a16:creationId xmlns:a16="http://schemas.microsoft.com/office/drawing/2014/main" id="{483EDCE6-ADCD-91FF-597D-1D1535D88964}"/>
+              </a:ext>
+            </a:extLst>
+          </p:cNvPr>
+          <p:cNvSpPr/>
+          <p:nvPr/>
+        </p:nvSpPr>
+        <p:spPr>
+          <a:xfrm>
+            <a:off x="6405756" y="1665516"/>
+            <a:ext cx="599704" cy="492826"/>
+          </a:xfrm>
+          <a:prstGeom prst="rect">
+            <a:avLst/>
+          </a:prstGeom>
+          <a:solidFill>
+            <a:srgbClr val="C00000"/>
+          </a:solidFill>
+        </p:spPr>
+        <p:style>
+          <a:lnRef idx="2">
+            <a:schemeClr val="accent6">
+              <a:shade val="50000"/>
+            </a:schemeClr>
+          </a:lnRef>
+          <a:fillRef idx="1">
+            <a:schemeClr val="accent6"/>
+          </a:fillRef>
+          <a:effectRef idx="0">
+            <a:schemeClr val="accent6"/>
+          </a:effectRef>
+          <a:fontRef idx="minor">
+            <a:schemeClr val="lt1"/>
+          </a:fontRef>
+        </p:style>
+        <p:txBody>
+          <a:bodyPr rtlCol="0" anchor="ctr"/>
+          <a:lstStyle/>
+          <a:p>
+            <a:pPr algn="ctr"/>
+            <a:r>
+              <a:rPr lang="en-GB" sz="1200"/>
+              <a:t>Full Apple</a:t>
+            </a:r>
+            <a:endParaRPr lang="en-GB" sz="1200" dirty="0"/>
+          </a:p>
+        </p:txBody>
+      </p:sp>
+      <p:sp>
+        <p:nvSpPr>
+          <p:cNvPr id="14" name="Rectangle 13">
+            <a:extLst>
+              <a:ext uri="{FF2B5EF4-FFF2-40B4-BE49-F238E27FC236}">
+                <a16:creationId xmlns:a16="http://schemas.microsoft.com/office/drawing/2014/main" id="{1CB05635-345D-2EAD-AFD3-452252A5FF32}"/>
+              </a:ext>
+            </a:extLst>
+          </p:cNvPr>
+          <p:cNvSpPr/>
+          <p:nvPr/>
+        </p:nvSpPr>
+        <p:spPr>
+          <a:xfrm>
+            <a:off x="7101444" y="1665516"/>
+            <a:ext cx="599704" cy="492826"/>
+          </a:xfrm>
+          <a:prstGeom prst="rect">
+            <a:avLst/>
+          </a:prstGeom>
+          <a:solidFill>
+            <a:srgbClr val="C00000"/>
+          </a:solidFill>
+        </p:spPr>
+        <p:style>
+          <a:lnRef idx="2">
+            <a:schemeClr val="accent6">
+              <a:shade val="50000"/>
+            </a:schemeClr>
+          </a:lnRef>
+          <a:fillRef idx="1">
+            <a:schemeClr val="accent6"/>
+          </a:fillRef>
+          <a:effectRef idx="0">
+            <a:schemeClr val="accent6"/>
+          </a:effectRef>
+          <a:fontRef idx="minor">
+            <a:schemeClr val="lt1"/>
+          </a:fontRef>
+        </p:style>
+        <p:txBody>
+          <a:bodyPr rtlCol="0" anchor="ctr"/>
+          <a:lstStyle/>
+          <a:p>
+            <a:pPr algn="ctr"/>
+            <a:r>
+              <a:rPr lang="en-GB" sz="1200"/>
+              <a:t>Full Apple</a:t>
+            </a:r>
+            <a:endParaRPr lang="en-GB" sz="1200" dirty="0"/>
+          </a:p>
+        </p:txBody>
+      </p:sp>
+      <p:sp>
+        <p:nvSpPr>
+          <p:cNvPr id="2" name="Rectangle 1">
+            <a:extLst>
+              <a:ext uri="{FF2B5EF4-FFF2-40B4-BE49-F238E27FC236}">
+                <a16:creationId xmlns:a16="http://schemas.microsoft.com/office/drawing/2014/main" id="{D588EFC1-F6FB-A42E-DC5C-74738249077D}"/>
+              </a:ext>
+            </a:extLst>
+          </p:cNvPr>
+          <p:cNvSpPr/>
+          <p:nvPr/>
+        </p:nvSpPr>
+        <p:spPr>
+          <a:xfrm>
+            <a:off x="4310742" y="1567543"/>
+            <a:ext cx="3562598" cy="2131621"/>
+          </a:xfrm>
+          <a:prstGeom prst="rect">
+            <a:avLst/>
+          </a:prstGeom>
+        </p:spPr>
+        <p:style>
+          <a:lnRef idx="2">
+            <a:schemeClr val="accent1">
+              <a:shade val="50000"/>
+            </a:schemeClr>
+          </a:lnRef>
+          <a:fillRef idx="1">
+            <a:schemeClr val="accent1"/>
+          </a:fillRef>
+          <a:effectRef idx="0">
+            <a:schemeClr val="accent1"/>
+          </a:effectRef>
+          <a:fontRef idx="minor">
+            <a:schemeClr val="lt1"/>
+          </a:fontRef>
+        </p:style>
+        <p:txBody>
+          <a:bodyPr rtlCol="0" anchor="ctr"/>
+          <a:lstStyle/>
+          <a:p>
+            <a:pPr algn="ctr"/>
+            <a:endParaRPr lang="en-GB"/>
+          </a:p>
+        </p:txBody>
+      </p:sp>
+      <p:sp>
+        <p:nvSpPr>
+          <p:cNvPr id="3" name="Rectangle 2">
+            <a:extLst>
+              <a:ext uri="{FF2B5EF4-FFF2-40B4-BE49-F238E27FC236}">
+                <a16:creationId xmlns:a16="http://schemas.microsoft.com/office/drawing/2014/main" id="{A858EC66-E0E0-68E2-2FB9-5DF503A46B6C}"/>
+              </a:ext>
+            </a:extLst>
+          </p:cNvPr>
+          <p:cNvSpPr/>
+          <p:nvPr/>
+        </p:nvSpPr>
+        <p:spPr>
+          <a:xfrm>
+            <a:off x="4453247" y="1715987"/>
+            <a:ext cx="3307278" cy="243443"/>
+          </a:xfrm>
+          <a:prstGeom prst="rect">
+            <a:avLst/>
+          </a:prstGeom>
+        </p:spPr>
+        <p:style>
+          <a:lnRef idx="2">
+            <a:schemeClr val="accent6">
+              <a:shade val="50000"/>
+            </a:schemeClr>
+          </a:lnRef>
+          <a:fillRef idx="1">
+            <a:schemeClr val="accent6"/>
+          </a:fillRef>
+          <a:effectRef idx="0">
+            <a:schemeClr val="accent6"/>
+          </a:effectRef>
+          <a:fontRef idx="minor">
+            <a:schemeClr val="lt1"/>
+          </a:fontRef>
+        </p:style>
+        <p:txBody>
+          <a:bodyPr rtlCol="0" anchor="ctr"/>
+          <a:lstStyle/>
+          <a:p>
+            <a:pPr algn="ctr"/>
+            <a:r>
+              <a:rPr lang="en-GB" dirty="0"/>
+              <a:t>Exercise start time</a:t>
+            </a:r>
+          </a:p>
+        </p:txBody>
+      </p:sp>
+      <p:sp>
+        <p:nvSpPr>
+          <p:cNvPr id="15" name="Rectangle 14">
+            <a:extLst>
+              <a:ext uri="{FF2B5EF4-FFF2-40B4-BE49-F238E27FC236}">
+                <a16:creationId xmlns:a16="http://schemas.microsoft.com/office/drawing/2014/main" id="{103E1062-5FE3-A98A-17ED-F5710A03FEC8}"/>
+              </a:ext>
+            </a:extLst>
+          </p:cNvPr>
+          <p:cNvSpPr/>
+          <p:nvPr/>
+        </p:nvSpPr>
+        <p:spPr>
+          <a:xfrm>
+            <a:off x="4453248" y="2084119"/>
+            <a:ext cx="3307278" cy="243443"/>
+          </a:xfrm>
+          <a:prstGeom prst="rect">
+            <a:avLst/>
+          </a:prstGeom>
+        </p:spPr>
+        <p:style>
+          <a:lnRef idx="2">
+            <a:schemeClr val="accent6">
+              <a:shade val="50000"/>
+            </a:schemeClr>
+          </a:lnRef>
+          <a:fillRef idx="1">
+            <a:schemeClr val="accent6"/>
+          </a:fillRef>
+          <a:effectRef idx="0">
+            <a:schemeClr val="accent6"/>
+          </a:effectRef>
+          <a:fontRef idx="minor">
+            <a:schemeClr val="lt1"/>
+          </a:fontRef>
+        </p:style>
+        <p:txBody>
+          <a:bodyPr rtlCol="0" anchor="ctr"/>
+          <a:lstStyle/>
+          <a:p>
+            <a:pPr algn="ctr"/>
+            <a:r>
+              <a:rPr lang="en-GB" dirty="0"/>
+              <a:t>Input end time</a:t>
+            </a:r>
+          </a:p>
+        </p:txBody>
+      </p:sp>
+      <p:sp>
+        <p:nvSpPr>
+          <p:cNvPr id="16" name="Rectangle 15">
+            <a:extLst>
+              <a:ext uri="{FF2B5EF4-FFF2-40B4-BE49-F238E27FC236}">
+                <a16:creationId xmlns:a16="http://schemas.microsoft.com/office/drawing/2014/main" id="{C157AA77-DD65-AC86-4B9E-96FD0E019BEC}"/>
+              </a:ext>
+            </a:extLst>
+          </p:cNvPr>
+          <p:cNvSpPr/>
+          <p:nvPr/>
+        </p:nvSpPr>
+        <p:spPr>
+          <a:xfrm>
+            <a:off x="5156859" y="2651165"/>
+            <a:ext cx="1870363" cy="475013"/>
+          </a:xfrm>
+          <a:prstGeom prst="rect">
+            <a:avLst/>
+          </a:prstGeom>
+        </p:spPr>
+        <p:style>
+          <a:lnRef idx="2">
+            <a:schemeClr val="accent3">
+              <a:shade val="50000"/>
+            </a:schemeClr>
+          </a:lnRef>
+          <a:fillRef idx="1">
+            <a:schemeClr val="accent3"/>
+          </a:fillRef>
+          <a:effectRef idx="0">
+            <a:schemeClr val="accent3"/>
+          </a:effectRef>
+          <a:fontRef idx="minor">
+            <a:schemeClr val="lt1"/>
+          </a:fontRef>
+        </p:style>
+        <p:txBody>
+          <a:bodyPr rtlCol="0" anchor="ctr"/>
+          <a:lstStyle/>
+          <a:p>
+            <a:pPr algn="ctr"/>
+            <a:r>
+              <a:rPr lang="en-GB" dirty="0"/>
+              <a:t>Submit</a:t>
+            </a:r>
+          </a:p>
+        </p:txBody>
+      </p:sp>
+    </p:spTree>
+    <p:extLst>
+      <p:ext uri="{BB962C8B-B14F-4D97-AF65-F5344CB8AC3E}">
+        <p14:creationId xmlns:p14="http://schemas.microsoft.com/office/powerpoint/2010/main" val="840348069"/>
+      </p:ext>
+    </p:extLst>
+  </p:cSld>
+  <p:clrMapOvr>
+    <a:masterClrMapping/>
+  </p:clrMapOvr>
+</p:sld>
+</file>
+
+<file path=ppt/slides/slide8.xml><?xml version="1.0" encoding="utf-8"?>
+<p:sld xmlns:a="http://schemas.openxmlformats.org/drawingml/2006/main" xmlns:r="http://schemas.openxmlformats.org/officeDocument/2006/relationships" xmlns:p="http://schemas.openxmlformats.org/presentationml/2006/main">
+  <p:cSld>
+    <p:spTree>
+      <p:nvGrpSpPr>
+        <p:cNvPr id="1" name=""/>
+        <p:cNvGrpSpPr/>
+        <p:nvPr/>
+      </p:nvGrpSpPr>
+      <p:grpSpPr>
+        <a:xfrm>
+          <a:off x="0" y="0"/>
+          <a:ext cx="0" cy="0"/>
+          <a:chOff x="0" y="0"/>
+          <a:chExt cx="0" cy="0"/>
+        </a:xfrm>
+      </p:grpSpPr>
+      <p:sp>
+        <p:nvSpPr>
+          <p:cNvPr id="4" name="Rectangle 3">
+            <a:extLst>
+              <a:ext uri="{FF2B5EF4-FFF2-40B4-BE49-F238E27FC236}">
+                <a16:creationId xmlns:a16="http://schemas.microsoft.com/office/drawing/2014/main" id="{277CF904-8BBE-617B-838F-C96125FA6C2E}"/>
+              </a:ext>
+            </a:extLst>
+          </p:cNvPr>
+          <p:cNvSpPr/>
+          <p:nvPr/>
+        </p:nvSpPr>
+        <p:spPr>
+          <a:xfrm>
+            <a:off x="0" y="0"/>
+            <a:ext cx="12192000" cy="6858000"/>
+          </a:xfrm>
+          <a:prstGeom prst="rect">
+            <a:avLst/>
+          </a:prstGeom>
+        </p:spPr>
+        <p:style>
+          <a:lnRef idx="2">
+            <a:schemeClr val="accent2">
+              <a:shade val="50000"/>
+            </a:schemeClr>
+          </a:lnRef>
+          <a:fillRef idx="1">
+            <a:schemeClr val="accent2"/>
+          </a:fillRef>
+          <a:effectRef idx="0">
+            <a:schemeClr val="accent2"/>
+          </a:effectRef>
+          <a:fontRef idx="minor">
+            <a:schemeClr val="lt1"/>
+          </a:fontRef>
+        </p:style>
+        <p:txBody>
+          <a:bodyPr rtlCol="0" anchor="ctr"/>
+          <a:lstStyle/>
+          <a:p>
+            <a:pPr algn="ctr"/>
+            <a:endParaRPr lang="en-GB"/>
+          </a:p>
+        </p:txBody>
+      </p:sp>
+      <p:sp>
+        <p:nvSpPr>
+          <p:cNvPr id="5" name="Rectangle 4">
+            <a:extLst>
+              <a:ext uri="{FF2B5EF4-FFF2-40B4-BE49-F238E27FC236}">
+                <a16:creationId xmlns:a16="http://schemas.microsoft.com/office/drawing/2014/main" id="{C9A174A8-9A94-613F-269D-CE6BEBB54C43}"/>
+              </a:ext>
+            </a:extLst>
+          </p:cNvPr>
+          <p:cNvSpPr/>
+          <p:nvPr/>
+        </p:nvSpPr>
+        <p:spPr>
+          <a:xfrm>
+            <a:off x="3984171" y="391886"/>
+            <a:ext cx="4144489" cy="6068291"/>
+          </a:xfrm>
+          <a:prstGeom prst="rect">
+            <a:avLst/>
+          </a:prstGeom>
+        </p:spPr>
+        <p:style>
+          <a:lnRef idx="2">
+            <a:schemeClr val="dk1"/>
+          </a:lnRef>
+          <a:fillRef idx="1">
+            <a:schemeClr val="lt1"/>
+          </a:fillRef>
+          <a:effectRef idx="0">
+            <a:schemeClr val="dk1"/>
+          </a:effectRef>
+          <a:fontRef idx="minor">
+            <a:schemeClr val="dk1"/>
+          </a:fontRef>
+        </p:style>
+        <p:txBody>
+          <a:bodyPr rtlCol="0" anchor="ctr"/>
+          <a:lstStyle/>
+          <a:p>
+            <a:pPr algn="ctr"/>
+            <a:endParaRPr lang="en-GB"/>
+          </a:p>
+        </p:txBody>
+      </p:sp>
+      <p:sp>
+        <p:nvSpPr>
+          <p:cNvPr id="6" name="Rectangle 5">
+            <a:extLst>
+              <a:ext uri="{FF2B5EF4-FFF2-40B4-BE49-F238E27FC236}">
+                <a16:creationId xmlns:a16="http://schemas.microsoft.com/office/drawing/2014/main" id="{AE2ABB4B-6CE4-9A9A-E26A-FD0DC5B10E48}"/>
+              </a:ext>
+            </a:extLst>
+          </p:cNvPr>
+          <p:cNvSpPr/>
+          <p:nvPr/>
+        </p:nvSpPr>
+        <p:spPr>
+          <a:xfrm>
+            <a:off x="4215740" y="587829"/>
+            <a:ext cx="3752603" cy="587828"/>
+          </a:xfrm>
+          <a:prstGeom prst="rect">
+            <a:avLst/>
+          </a:prstGeom>
+        </p:spPr>
+        <p:style>
+          <a:lnRef idx="2">
+            <a:schemeClr val="accent1">
+              <a:shade val="50000"/>
+            </a:schemeClr>
+          </a:lnRef>
+          <a:fillRef idx="1">
+            <a:schemeClr val="accent1"/>
+          </a:fillRef>
+          <a:effectRef idx="0">
+            <a:schemeClr val="accent1"/>
+          </a:effectRef>
+          <a:fontRef idx="minor">
+            <a:schemeClr val="lt1"/>
+          </a:fontRef>
+        </p:style>
+        <p:txBody>
+          <a:bodyPr rtlCol="0" anchor="ctr"/>
+          <a:lstStyle/>
+          <a:p>
+            <a:pPr algn="ctr"/>
+            <a:r>
+              <a:rPr lang="en-GB" sz="1200" dirty="0"/>
+              <a:t>Personal Info System Exercise Page</a:t>
+            </a:r>
+          </a:p>
+        </p:txBody>
+      </p:sp>
+      <p:sp>
+        <p:nvSpPr>
+          <p:cNvPr id="8" name="Rectangle 7">
+            <a:extLst>
+              <a:ext uri="{FF2B5EF4-FFF2-40B4-BE49-F238E27FC236}">
+                <a16:creationId xmlns:a16="http://schemas.microsoft.com/office/drawing/2014/main" id="{25ABEB85-C9E0-0279-40DA-9CDDFB8D136A}"/>
+              </a:ext>
+            </a:extLst>
+          </p:cNvPr>
+          <p:cNvSpPr/>
+          <p:nvPr/>
+        </p:nvSpPr>
+        <p:spPr>
+          <a:xfrm>
+            <a:off x="4215740" y="587829"/>
+            <a:ext cx="712520" cy="587828"/>
+          </a:xfrm>
+          <a:prstGeom prst="rect">
+            <a:avLst/>
+          </a:prstGeom>
+        </p:spPr>
+        <p:style>
+          <a:lnRef idx="2">
+            <a:schemeClr val="accent6">
+              <a:shade val="50000"/>
+            </a:schemeClr>
+          </a:lnRef>
+          <a:fillRef idx="1">
+            <a:schemeClr val="accent6"/>
+          </a:fillRef>
+          <a:effectRef idx="0">
+            <a:schemeClr val="accent6"/>
+          </a:effectRef>
+          <a:fontRef idx="minor">
+            <a:schemeClr val="lt1"/>
+          </a:fontRef>
+        </p:style>
+        <p:txBody>
+          <a:bodyPr rtlCol="0" anchor="ctr"/>
+          <a:lstStyle/>
+          <a:p>
+            <a:pPr algn="ctr"/>
+            <a:r>
+              <a:rPr lang="en-GB" sz="1200" dirty="0"/>
+              <a:t>Pull out menu</a:t>
+            </a:r>
+          </a:p>
+        </p:txBody>
+      </p:sp>
+      <p:sp>
+        <p:nvSpPr>
+          <p:cNvPr id="9" name="Rectangle 8">
+            <a:extLst>
+              <a:ext uri="{FF2B5EF4-FFF2-40B4-BE49-F238E27FC236}">
+                <a16:creationId xmlns:a16="http://schemas.microsoft.com/office/drawing/2014/main" id="{E634329C-A768-542C-6E9F-CDC2F4C7C5B0}"/>
+              </a:ext>
+            </a:extLst>
+          </p:cNvPr>
+          <p:cNvSpPr/>
+          <p:nvPr/>
+        </p:nvSpPr>
+        <p:spPr>
+          <a:xfrm>
+            <a:off x="4310742" y="1324100"/>
+            <a:ext cx="3562598" cy="243444"/>
+          </a:xfrm>
+          <a:prstGeom prst="rect">
+            <a:avLst/>
+          </a:prstGeom>
+        </p:spPr>
+        <p:style>
+          <a:lnRef idx="2">
+            <a:schemeClr val="accent1">
+              <a:shade val="50000"/>
+            </a:schemeClr>
+          </a:lnRef>
+          <a:fillRef idx="1">
+            <a:schemeClr val="accent1"/>
+          </a:fillRef>
+          <a:effectRef idx="0">
+            <a:schemeClr val="accent1"/>
+          </a:effectRef>
+          <a:fontRef idx="minor">
+            <a:schemeClr val="lt1"/>
+          </a:fontRef>
+        </p:style>
+        <p:txBody>
+          <a:bodyPr rtlCol="0" anchor="ctr"/>
+          <a:lstStyle/>
+          <a:p>
+            <a:pPr algn="ctr"/>
+            <a:r>
+              <a:rPr lang="en-GB" dirty="0"/>
+              <a:t>Exercise</a:t>
+            </a:r>
+          </a:p>
+        </p:txBody>
+      </p:sp>
+      <p:sp>
+        <p:nvSpPr>
+          <p:cNvPr id="2" name="Rectangle 1">
+            <a:extLst>
+              <a:ext uri="{FF2B5EF4-FFF2-40B4-BE49-F238E27FC236}">
+                <a16:creationId xmlns:a16="http://schemas.microsoft.com/office/drawing/2014/main" id="{7544A857-4417-6257-6313-D477DF8E60D3}"/>
+              </a:ext>
+            </a:extLst>
+          </p:cNvPr>
+          <p:cNvSpPr/>
+          <p:nvPr/>
+        </p:nvSpPr>
+        <p:spPr>
+          <a:xfrm>
+            <a:off x="4310742" y="1567543"/>
+            <a:ext cx="3562598" cy="2131621"/>
+          </a:xfrm>
+          <a:prstGeom prst="rect">
+            <a:avLst/>
+          </a:prstGeom>
+        </p:spPr>
+        <p:style>
+          <a:lnRef idx="2">
+            <a:schemeClr val="accent1">
+              <a:shade val="50000"/>
+            </a:schemeClr>
+          </a:lnRef>
+          <a:fillRef idx="1">
+            <a:schemeClr val="accent1"/>
+          </a:fillRef>
+          <a:effectRef idx="0">
+            <a:schemeClr val="accent1"/>
+          </a:effectRef>
+          <a:fontRef idx="minor">
+            <a:schemeClr val="lt1"/>
+          </a:fontRef>
+        </p:style>
+        <p:txBody>
+          <a:bodyPr rtlCol="0" anchor="ctr"/>
+          <a:lstStyle/>
+          <a:p>
+            <a:pPr algn="ctr"/>
+            <a:endParaRPr lang="en-GB"/>
+          </a:p>
+        </p:txBody>
+      </p:sp>
+      <p:sp>
+        <p:nvSpPr>
+          <p:cNvPr id="7" name="Rectangle 6">
+            <a:extLst>
+              <a:ext uri="{FF2B5EF4-FFF2-40B4-BE49-F238E27FC236}">
+                <a16:creationId xmlns:a16="http://schemas.microsoft.com/office/drawing/2014/main" id="{B7D367F2-A2E2-6CC7-B945-B8EF8E4D48B0}"/>
+              </a:ext>
+            </a:extLst>
+          </p:cNvPr>
+          <p:cNvSpPr/>
+          <p:nvPr/>
+        </p:nvSpPr>
+        <p:spPr>
+          <a:xfrm>
+            <a:off x="4310742" y="1567544"/>
+            <a:ext cx="3562598" cy="2131621"/>
+          </a:xfrm>
+          <a:prstGeom prst="rect">
+            <a:avLst/>
+          </a:prstGeom>
+        </p:spPr>
+        <p:style>
+          <a:lnRef idx="2">
+            <a:schemeClr val="accent1">
+              <a:shade val="50000"/>
+            </a:schemeClr>
+          </a:lnRef>
+          <a:fillRef idx="1">
+            <a:schemeClr val="accent1"/>
+          </a:fillRef>
+          <a:effectRef idx="0">
+            <a:schemeClr val="accent1"/>
+          </a:effectRef>
+          <a:fontRef idx="minor">
+            <a:schemeClr val="lt1"/>
+          </a:fontRef>
+        </p:style>
+        <p:txBody>
+          <a:bodyPr rtlCol="0" anchor="ctr"/>
+          <a:lstStyle/>
+          <a:p>
+            <a:pPr algn="ctr"/>
+            <a:endParaRPr lang="en-GB"/>
+          </a:p>
+        </p:txBody>
+      </p:sp>
+      <p:sp>
+        <p:nvSpPr>
+          <p:cNvPr id="10" name="Rectangle 9">
+            <a:extLst>
+              <a:ext uri="{FF2B5EF4-FFF2-40B4-BE49-F238E27FC236}">
+                <a16:creationId xmlns:a16="http://schemas.microsoft.com/office/drawing/2014/main" id="{846C2734-56A0-8057-71CB-3ABD3089BE35}"/>
+              </a:ext>
+            </a:extLst>
+          </p:cNvPr>
+          <p:cNvSpPr/>
+          <p:nvPr/>
+        </p:nvSpPr>
+        <p:spPr>
+          <a:xfrm>
+            <a:off x="4310742" y="1324100"/>
+            <a:ext cx="3562598" cy="243444"/>
+          </a:xfrm>
+          <a:prstGeom prst="rect">
+            <a:avLst/>
+          </a:prstGeom>
+        </p:spPr>
+        <p:style>
+          <a:lnRef idx="2">
+            <a:schemeClr val="accent1">
+              <a:shade val="50000"/>
+            </a:schemeClr>
+          </a:lnRef>
+          <a:fillRef idx="1">
+            <a:schemeClr val="accent1"/>
+          </a:fillRef>
+          <a:effectRef idx="0">
+            <a:schemeClr val="accent1"/>
+          </a:effectRef>
+          <a:fontRef idx="minor">
+            <a:schemeClr val="lt1"/>
+          </a:fontRef>
+        </p:style>
+        <p:txBody>
+          <a:bodyPr rtlCol="0" anchor="ctr"/>
+          <a:lstStyle/>
+          <a:p>
+            <a:pPr algn="ctr"/>
+            <a:r>
+              <a:rPr lang="en-GB" dirty="0"/>
+              <a:t>Exercise Routine</a:t>
+            </a:r>
+          </a:p>
+        </p:txBody>
+      </p:sp>
+      <p:sp>
+        <p:nvSpPr>
+          <p:cNvPr id="11" name="Rectangle 10">
+            <a:extLst>
+              <a:ext uri="{FF2B5EF4-FFF2-40B4-BE49-F238E27FC236}">
+                <a16:creationId xmlns:a16="http://schemas.microsoft.com/office/drawing/2014/main" id="{4E3723B6-D7EF-F6C6-9AEF-A6808234B21D}"/>
+              </a:ext>
+            </a:extLst>
+          </p:cNvPr>
+          <p:cNvSpPr/>
+          <p:nvPr/>
+        </p:nvSpPr>
+        <p:spPr>
+          <a:xfrm>
+            <a:off x="4310742" y="1567544"/>
+            <a:ext cx="3562598" cy="1425038"/>
+          </a:xfrm>
+          <a:prstGeom prst="rect">
+            <a:avLst/>
+          </a:prstGeom>
+        </p:spPr>
+        <p:style>
+          <a:lnRef idx="2">
+            <a:schemeClr val="accent1">
+              <a:shade val="50000"/>
+            </a:schemeClr>
+          </a:lnRef>
+          <a:fillRef idx="1">
+            <a:schemeClr val="accent1"/>
+          </a:fillRef>
+          <a:effectRef idx="0">
+            <a:schemeClr val="accent1"/>
+          </a:effectRef>
+          <a:fontRef idx="minor">
+            <a:schemeClr val="lt1"/>
+          </a:fontRef>
+        </p:style>
+        <p:txBody>
+          <a:bodyPr rtlCol="0" anchor="ctr"/>
+          <a:lstStyle/>
+          <a:p>
+            <a:pPr algn="ctr"/>
+            <a:endParaRPr lang="en-GB"/>
+          </a:p>
+        </p:txBody>
+      </p:sp>
+      <p:sp>
+        <p:nvSpPr>
+          <p:cNvPr id="12" name="Rectangle 11">
+            <a:extLst>
+              <a:ext uri="{FF2B5EF4-FFF2-40B4-BE49-F238E27FC236}">
+                <a16:creationId xmlns:a16="http://schemas.microsoft.com/office/drawing/2014/main" id="{6FF39592-BD72-5436-B6BD-3FEA0A1F1351}"/>
+              </a:ext>
+            </a:extLst>
+          </p:cNvPr>
+          <p:cNvSpPr/>
+          <p:nvPr/>
+        </p:nvSpPr>
+        <p:spPr>
+          <a:xfrm>
+            <a:off x="4360222" y="1665516"/>
+            <a:ext cx="599704" cy="492826"/>
+          </a:xfrm>
+          <a:prstGeom prst="rect">
+            <a:avLst/>
+          </a:prstGeom>
+          <a:solidFill>
+            <a:schemeClr val="accent6"/>
+          </a:solidFill>
+        </p:spPr>
+        <p:style>
+          <a:lnRef idx="2">
+            <a:schemeClr val="accent2">
+              <a:shade val="50000"/>
+            </a:schemeClr>
+          </a:lnRef>
+          <a:fillRef idx="1">
+            <a:schemeClr val="accent2"/>
+          </a:fillRef>
+          <a:effectRef idx="0">
+            <a:schemeClr val="accent2"/>
+          </a:effectRef>
+          <a:fontRef idx="minor">
+            <a:schemeClr val="lt1"/>
+          </a:fontRef>
+        </p:style>
+        <p:txBody>
+          <a:bodyPr rtlCol="0" anchor="ctr"/>
+          <a:lstStyle/>
+          <a:p>
+            <a:pPr algn="ctr"/>
+            <a:r>
+              <a:rPr lang="en-GB" sz="1200" dirty="0"/>
+              <a:t>Apple core</a:t>
+            </a:r>
+          </a:p>
+        </p:txBody>
+      </p:sp>
+      <p:sp>
+        <p:nvSpPr>
+          <p:cNvPr id="13" name="Rectangle 12">
+            <a:extLst>
+              <a:ext uri="{FF2B5EF4-FFF2-40B4-BE49-F238E27FC236}">
+                <a16:creationId xmlns:a16="http://schemas.microsoft.com/office/drawing/2014/main" id="{CBBE1ED5-FAE4-0A4B-5E07-50D3BE799E4B}"/>
+              </a:ext>
+            </a:extLst>
+          </p:cNvPr>
+          <p:cNvSpPr/>
+          <p:nvPr/>
+        </p:nvSpPr>
+        <p:spPr>
+          <a:xfrm>
+            <a:off x="5737764" y="1665516"/>
+            <a:ext cx="599704" cy="492826"/>
+          </a:xfrm>
+          <a:prstGeom prst="rect">
+            <a:avLst/>
+          </a:prstGeom>
+          <a:solidFill>
+            <a:srgbClr val="C00000"/>
+          </a:solidFill>
+        </p:spPr>
+        <p:style>
+          <a:lnRef idx="2">
+            <a:schemeClr val="accent6">
+              <a:shade val="50000"/>
+            </a:schemeClr>
+          </a:lnRef>
+          <a:fillRef idx="1">
+            <a:schemeClr val="accent6"/>
+          </a:fillRef>
+          <a:effectRef idx="0">
+            <a:schemeClr val="accent6"/>
+          </a:effectRef>
+          <a:fontRef idx="minor">
+            <a:schemeClr val="lt1"/>
+          </a:fontRef>
+        </p:style>
+        <p:txBody>
+          <a:bodyPr rtlCol="0" anchor="ctr"/>
+          <a:lstStyle/>
+          <a:p>
+            <a:pPr algn="ctr"/>
+            <a:r>
+              <a:rPr lang="en-GB" sz="1200" dirty="0"/>
+              <a:t>Full Apple</a:t>
+            </a:r>
+          </a:p>
+        </p:txBody>
+      </p:sp>
+      <p:sp>
+        <p:nvSpPr>
+          <p:cNvPr id="14" name="Rectangle 13">
+            <a:extLst>
+              <a:ext uri="{FF2B5EF4-FFF2-40B4-BE49-F238E27FC236}">
+                <a16:creationId xmlns:a16="http://schemas.microsoft.com/office/drawing/2014/main" id="{0329D407-DBBD-4267-A3E2-84787AB90EF6}"/>
+              </a:ext>
+            </a:extLst>
+          </p:cNvPr>
+          <p:cNvSpPr/>
+          <p:nvPr/>
+        </p:nvSpPr>
+        <p:spPr>
+          <a:xfrm>
+            <a:off x="6405756" y="1665516"/>
+            <a:ext cx="599704" cy="492826"/>
+          </a:xfrm>
+          <a:prstGeom prst="rect">
+            <a:avLst/>
+          </a:prstGeom>
+          <a:solidFill>
+            <a:srgbClr val="C00000"/>
+          </a:solidFill>
+        </p:spPr>
+        <p:style>
+          <a:lnRef idx="2">
+            <a:schemeClr val="accent6">
+              <a:shade val="50000"/>
+            </a:schemeClr>
+          </a:lnRef>
+          <a:fillRef idx="1">
+            <a:schemeClr val="accent6"/>
+          </a:fillRef>
+          <a:effectRef idx="0">
+            <a:schemeClr val="accent6"/>
+          </a:effectRef>
+          <a:fontRef idx="minor">
+            <a:schemeClr val="lt1"/>
+          </a:fontRef>
+        </p:style>
+        <p:txBody>
+          <a:bodyPr rtlCol="0" anchor="ctr"/>
+          <a:lstStyle/>
+          <a:p>
+            <a:pPr algn="ctr"/>
+            <a:r>
+              <a:rPr lang="en-GB" sz="1200"/>
+              <a:t>Full Apple</a:t>
+            </a:r>
+            <a:endParaRPr lang="en-GB" sz="1200" dirty="0"/>
+          </a:p>
+        </p:txBody>
+      </p:sp>
+      <p:sp>
+        <p:nvSpPr>
+          <p:cNvPr id="15" name="Rectangle 14">
+            <a:extLst>
+              <a:ext uri="{FF2B5EF4-FFF2-40B4-BE49-F238E27FC236}">
+                <a16:creationId xmlns:a16="http://schemas.microsoft.com/office/drawing/2014/main" id="{7BD795EB-8CEB-679B-067B-CD8347D67A3D}"/>
+              </a:ext>
+            </a:extLst>
+          </p:cNvPr>
+          <p:cNvSpPr/>
+          <p:nvPr/>
+        </p:nvSpPr>
+        <p:spPr>
+          <a:xfrm>
+            <a:off x="7101444" y="1665516"/>
+            <a:ext cx="599704" cy="492826"/>
+          </a:xfrm>
+          <a:prstGeom prst="rect">
+            <a:avLst/>
+          </a:prstGeom>
+          <a:solidFill>
+            <a:srgbClr val="C00000"/>
+          </a:solidFill>
+        </p:spPr>
+        <p:style>
+          <a:lnRef idx="2">
+            <a:schemeClr val="accent6">
+              <a:shade val="50000"/>
+            </a:schemeClr>
+          </a:lnRef>
+          <a:fillRef idx="1">
+            <a:schemeClr val="accent6"/>
+          </a:fillRef>
+          <a:effectRef idx="0">
+            <a:schemeClr val="accent6"/>
+          </a:effectRef>
+          <a:fontRef idx="minor">
+            <a:schemeClr val="lt1"/>
+          </a:fontRef>
+        </p:style>
+        <p:txBody>
+          <a:bodyPr rtlCol="0" anchor="ctr"/>
+          <a:lstStyle/>
+          <a:p>
+            <a:pPr algn="ctr"/>
+            <a:r>
+              <a:rPr lang="en-GB" sz="1200"/>
+              <a:t>Full Apple</a:t>
+            </a:r>
+            <a:endParaRPr lang="en-GB" sz="1200" dirty="0"/>
+          </a:p>
+        </p:txBody>
+      </p:sp>
+      <p:sp>
+        <p:nvSpPr>
+          <p:cNvPr id="17" name="Rectangle 16">
+            <a:extLst>
+              <a:ext uri="{FF2B5EF4-FFF2-40B4-BE49-F238E27FC236}">
+                <a16:creationId xmlns:a16="http://schemas.microsoft.com/office/drawing/2014/main" id="{F990268D-8B57-4426-7348-1D7FC07EEBC5}"/>
+              </a:ext>
+            </a:extLst>
+          </p:cNvPr>
+          <p:cNvSpPr/>
+          <p:nvPr/>
+        </p:nvSpPr>
+        <p:spPr>
+          <a:xfrm>
+            <a:off x="5042076" y="1674422"/>
+            <a:ext cx="599704" cy="492826"/>
+          </a:xfrm>
+          <a:prstGeom prst="rect">
+            <a:avLst/>
+          </a:prstGeom>
+          <a:solidFill>
+            <a:schemeClr val="accent6"/>
+          </a:solidFill>
+        </p:spPr>
+        <p:style>
+          <a:lnRef idx="2">
+            <a:schemeClr val="accent2">
+              <a:shade val="50000"/>
+            </a:schemeClr>
+          </a:lnRef>
+          <a:fillRef idx="1">
+            <a:schemeClr val="accent2"/>
+          </a:fillRef>
+          <a:effectRef idx="0">
+            <a:schemeClr val="accent2"/>
+          </a:effectRef>
+          <a:fontRef idx="minor">
+            <a:schemeClr val="lt1"/>
+          </a:fontRef>
+        </p:style>
+        <p:txBody>
+          <a:bodyPr rtlCol="0" anchor="ctr"/>
+          <a:lstStyle/>
+          <a:p>
+            <a:pPr algn="ctr"/>
+            <a:r>
+              <a:rPr lang="en-GB" sz="1200" dirty="0"/>
+              <a:t>Apple core</a:t>
+            </a:r>
+          </a:p>
+        </p:txBody>
+      </p:sp>
+    </p:spTree>
+    <p:extLst>
+      <p:ext uri="{BB962C8B-B14F-4D97-AF65-F5344CB8AC3E}">
+        <p14:creationId xmlns:p14="http://schemas.microsoft.com/office/powerpoint/2010/main" val="97225876"/>
       </p:ext>
     </p:extLst>
   </p:cSld>

--- a/ProjectInformation/Powerpoint designs/V1/powerpoint design.pptx
+++ b/ProjectInformation/Powerpoint designs/V1/powerpoint design.pptx
@@ -268,7 +268,7 @@
           <a:p>
             <a:fld id="{B9C78DC0-302C-4AF6-A3B7-474A49631725}" type="datetimeFigureOut">
               <a:rPr lang="en-GB" smtClean="0"/>
-              <a:t>24/02/2023</a:t>
+              <a:t>20/03/2023</a:t>
             </a:fld>
             <a:endParaRPr lang="en-GB"/>
           </a:p>
@@ -468,7 +468,7 @@
           <a:p>
             <a:fld id="{B9C78DC0-302C-4AF6-A3B7-474A49631725}" type="datetimeFigureOut">
               <a:rPr lang="en-GB" smtClean="0"/>
-              <a:t>24/02/2023</a:t>
+              <a:t>20/03/2023</a:t>
             </a:fld>
             <a:endParaRPr lang="en-GB"/>
           </a:p>
@@ -678,7 +678,7 @@
           <a:p>
             <a:fld id="{B9C78DC0-302C-4AF6-A3B7-474A49631725}" type="datetimeFigureOut">
               <a:rPr lang="en-GB" smtClean="0"/>
-              <a:t>24/02/2023</a:t>
+              <a:t>20/03/2023</a:t>
             </a:fld>
             <a:endParaRPr lang="en-GB"/>
           </a:p>
@@ -878,7 +878,7 @@
           <a:p>
             <a:fld id="{B9C78DC0-302C-4AF6-A3B7-474A49631725}" type="datetimeFigureOut">
               <a:rPr lang="en-GB" smtClean="0"/>
-              <a:t>24/02/2023</a:t>
+              <a:t>20/03/2023</a:t>
             </a:fld>
             <a:endParaRPr lang="en-GB"/>
           </a:p>
@@ -1154,7 +1154,7 @@
           <a:p>
             <a:fld id="{B9C78DC0-302C-4AF6-A3B7-474A49631725}" type="datetimeFigureOut">
               <a:rPr lang="en-GB" smtClean="0"/>
-              <a:t>24/02/2023</a:t>
+              <a:t>20/03/2023</a:t>
             </a:fld>
             <a:endParaRPr lang="en-GB"/>
           </a:p>
@@ -1422,7 +1422,7 @@
           <a:p>
             <a:fld id="{B9C78DC0-302C-4AF6-A3B7-474A49631725}" type="datetimeFigureOut">
               <a:rPr lang="en-GB" smtClean="0"/>
-              <a:t>24/02/2023</a:t>
+              <a:t>20/03/2023</a:t>
             </a:fld>
             <a:endParaRPr lang="en-GB"/>
           </a:p>
@@ -1837,7 +1837,7 @@
           <a:p>
             <a:fld id="{B9C78DC0-302C-4AF6-A3B7-474A49631725}" type="datetimeFigureOut">
               <a:rPr lang="en-GB" smtClean="0"/>
-              <a:t>24/02/2023</a:t>
+              <a:t>20/03/2023</a:t>
             </a:fld>
             <a:endParaRPr lang="en-GB"/>
           </a:p>
@@ -1979,7 +1979,7 @@
           <a:p>
             <a:fld id="{B9C78DC0-302C-4AF6-A3B7-474A49631725}" type="datetimeFigureOut">
               <a:rPr lang="en-GB" smtClean="0"/>
-              <a:t>24/02/2023</a:t>
+              <a:t>20/03/2023</a:t>
             </a:fld>
             <a:endParaRPr lang="en-GB"/>
           </a:p>
@@ -2092,7 +2092,7 @@
           <a:p>
             <a:fld id="{B9C78DC0-302C-4AF6-A3B7-474A49631725}" type="datetimeFigureOut">
               <a:rPr lang="en-GB" smtClean="0"/>
-              <a:t>24/02/2023</a:t>
+              <a:t>20/03/2023</a:t>
             </a:fld>
             <a:endParaRPr lang="en-GB"/>
           </a:p>
@@ -2405,7 +2405,7 @@
           <a:p>
             <a:fld id="{B9C78DC0-302C-4AF6-A3B7-474A49631725}" type="datetimeFigureOut">
               <a:rPr lang="en-GB" smtClean="0"/>
-              <a:t>24/02/2023</a:t>
+              <a:t>20/03/2023</a:t>
             </a:fld>
             <a:endParaRPr lang="en-GB"/>
           </a:p>
@@ -2694,7 +2694,7 @@
           <a:p>
             <a:fld id="{B9C78DC0-302C-4AF6-A3B7-474A49631725}" type="datetimeFigureOut">
               <a:rPr lang="en-GB" smtClean="0"/>
-              <a:t>24/02/2023</a:t>
+              <a:t>20/03/2023</a:t>
             </a:fld>
             <a:endParaRPr lang="en-GB"/>
           </a:p>
@@ -2937,7 +2937,7 @@
           <a:p>
             <a:fld id="{B9C78DC0-302C-4AF6-A3B7-474A49631725}" type="datetimeFigureOut">
               <a:rPr lang="en-GB" smtClean="0"/>
-              <a:t>24/02/2023</a:t>
+              <a:t>20/03/2023</a:t>
             </a:fld>
             <a:endParaRPr lang="en-GB"/>
           </a:p>
@@ -4766,105 +4766,7 @@
           <a:lstStyle/>
           <a:p>
             <a:pPr algn="ctr"/>
-            <a:endParaRPr lang="en-GB"/>
-          </a:p>
-        </p:txBody>
-      </p:sp>
-      <p:sp>
-        <p:nvSpPr>
-          <p:cNvPr id="14" name="Rectangle 13">
-            <a:extLst>
-              <a:ext uri="{FF2B5EF4-FFF2-40B4-BE49-F238E27FC236}">
-                <a16:creationId xmlns:a16="http://schemas.microsoft.com/office/drawing/2014/main" id="{A21D9209-0152-7E7F-E484-07D7A1A11C26}"/>
-              </a:ext>
-            </a:extLst>
-          </p:cNvPr>
-          <p:cNvSpPr/>
-          <p:nvPr/>
-        </p:nvSpPr>
-        <p:spPr>
-          <a:xfrm>
-            <a:off x="5545777" y="4767943"/>
-            <a:ext cx="967839" cy="338447"/>
-          </a:xfrm>
-          <a:prstGeom prst="rect">
-            <a:avLst/>
-          </a:prstGeom>
-        </p:spPr>
-        <p:style>
-          <a:lnRef idx="2">
-            <a:schemeClr val="accent6">
-              <a:shade val="50000"/>
-            </a:schemeClr>
-          </a:lnRef>
-          <a:fillRef idx="1">
-            <a:schemeClr val="accent6"/>
-          </a:fillRef>
-          <a:effectRef idx="0">
-            <a:schemeClr val="accent6"/>
-          </a:effectRef>
-          <a:fontRef idx="minor">
-            <a:schemeClr val="lt1"/>
-          </a:fontRef>
-        </p:style>
-        <p:txBody>
-          <a:bodyPr rtlCol="0" anchor="ctr"/>
-          <a:lstStyle/>
-          <a:p>
-            <a:pPr algn="ctr"/>
-            <a:r>
-              <a:rPr lang="en-GB" dirty="0"/>
-              <a:t>V</a:t>
-            </a:r>
-          </a:p>
-        </p:txBody>
-      </p:sp>
-      <p:sp>
-        <p:nvSpPr>
-          <p:cNvPr id="15" name="Rectangle 14">
-            <a:extLst>
-              <a:ext uri="{FF2B5EF4-FFF2-40B4-BE49-F238E27FC236}">
-                <a16:creationId xmlns:a16="http://schemas.microsoft.com/office/drawing/2014/main" id="{86C10D95-D0F3-42FC-E4FB-8A9512D1C796}"/>
-              </a:ext>
-            </a:extLst>
-          </p:cNvPr>
-          <p:cNvSpPr/>
-          <p:nvPr/>
-        </p:nvSpPr>
-        <p:spPr>
-          <a:xfrm>
-            <a:off x="5545776" y="2529444"/>
-            <a:ext cx="967839" cy="338447"/>
-          </a:xfrm>
-          <a:prstGeom prst="rect">
-            <a:avLst/>
-          </a:prstGeom>
-        </p:spPr>
-        <p:style>
-          <a:lnRef idx="2">
-            <a:schemeClr val="accent6">
-              <a:shade val="50000"/>
-            </a:schemeClr>
-          </a:lnRef>
-          <a:fillRef idx="1">
-            <a:schemeClr val="accent6"/>
-          </a:fillRef>
-          <a:effectRef idx="0">
-            <a:schemeClr val="accent6"/>
-          </a:effectRef>
-          <a:fontRef idx="minor">
-            <a:schemeClr val="lt1"/>
-          </a:fontRef>
-        </p:style>
-        <p:txBody>
-          <a:bodyPr rtlCol="0" anchor="ctr"/>
-          <a:lstStyle/>
-          <a:p>
-            <a:pPr algn="ctr"/>
-            <a:r>
-              <a:rPr lang="en-GB" dirty="0"/>
-              <a:t>^</a:t>
-            </a:r>
+            <a:endParaRPr lang="en-GB" dirty="0"/>
           </a:p>
         </p:txBody>
       </p:sp>
@@ -4882,7 +4784,7 @@
         </p:nvSpPr>
         <p:spPr>
           <a:xfrm>
-            <a:off x="4452251" y="2943596"/>
+            <a:off x="4452251" y="4350827"/>
             <a:ext cx="599704" cy="492826"/>
           </a:xfrm>
           <a:prstGeom prst="rect">
@@ -4934,7 +4836,7 @@
         </p:nvSpPr>
         <p:spPr>
           <a:xfrm>
-            <a:off x="5193464" y="2956955"/>
+            <a:off x="5193464" y="4364186"/>
             <a:ext cx="599704" cy="492826"/>
           </a:xfrm>
           <a:prstGeom prst="rect">
@@ -4986,7 +4888,7 @@
         </p:nvSpPr>
         <p:spPr>
           <a:xfrm>
-            <a:off x="5913911" y="2953989"/>
+            <a:off x="5913911" y="4361220"/>
             <a:ext cx="599704" cy="492826"/>
           </a:xfrm>
           <a:prstGeom prst="rect">
@@ -5038,7 +4940,7 @@
         </p:nvSpPr>
         <p:spPr>
           <a:xfrm>
-            <a:off x="6593773" y="2953989"/>
+            <a:off x="6593773" y="4361220"/>
             <a:ext cx="599704" cy="492826"/>
           </a:xfrm>
           <a:prstGeom prst="rect">
@@ -5090,7 +4992,7 @@
         </p:nvSpPr>
         <p:spPr>
           <a:xfrm>
-            <a:off x="7269183" y="2968832"/>
+            <a:off x="7269183" y="4376063"/>
             <a:ext cx="599704" cy="492826"/>
           </a:xfrm>
           <a:prstGeom prst="rect">
@@ -5124,6 +5026,90 @@
             <a:r>
               <a:rPr lang="en-GB" sz="1200" dirty="0"/>
               <a:t>Apple core</a:t>
+            </a:r>
+          </a:p>
+        </p:txBody>
+      </p:sp>
+      <p:sp>
+        <p:nvSpPr>
+          <p:cNvPr id="21" name="Rectangle 20">
+            <a:extLst>
+              <a:ext uri="{FF2B5EF4-FFF2-40B4-BE49-F238E27FC236}">
+                <a16:creationId xmlns:a16="http://schemas.microsoft.com/office/drawing/2014/main" id="{3691B5B3-C8E2-D984-1F0D-F8B71811C534}"/>
+              </a:ext>
+            </a:extLst>
+          </p:cNvPr>
+          <p:cNvSpPr/>
+          <p:nvPr/>
+        </p:nvSpPr>
+        <p:spPr>
+          <a:xfrm>
+            <a:off x="4452251" y="2654138"/>
+            <a:ext cx="3307278" cy="243443"/>
+          </a:xfrm>
+          <a:prstGeom prst="rect">
+            <a:avLst/>
+          </a:prstGeom>
+        </p:spPr>
+        <p:style>
+          <a:lnRef idx="2">
+            <a:schemeClr val="accent6">
+              <a:shade val="50000"/>
+            </a:schemeClr>
+          </a:lnRef>
+          <a:fillRef idx="1">
+            <a:schemeClr val="accent6"/>
+          </a:fillRef>
+          <a:effectRef idx="0">
+            <a:schemeClr val="accent6"/>
+          </a:effectRef>
+          <a:fontRef idx="minor">
+            <a:schemeClr val="lt1"/>
+          </a:fontRef>
+        </p:style>
+        <p:txBody>
+          <a:bodyPr rtlCol="0" anchor="ctr"/>
+          <a:lstStyle/>
+          <a:p>
+            <a:pPr algn="ctr"/>
+            <a:r>
+              <a:rPr lang="en-GB" dirty="0"/>
+              <a:t>Add food</a:t>
+            </a:r>
+          </a:p>
+        </p:txBody>
+      </p:sp>
+      <p:sp>
+        <p:nvSpPr>
+          <p:cNvPr id="22" name="TextBox 21">
+            <a:extLst>
+              <a:ext uri="{FF2B5EF4-FFF2-40B4-BE49-F238E27FC236}">
+                <a16:creationId xmlns:a16="http://schemas.microsoft.com/office/drawing/2014/main" id="{8B708A48-DDFE-EC93-E8E2-F4076ED4321F}"/>
+              </a:ext>
+            </a:extLst>
+          </p:cNvPr>
+          <p:cNvSpPr txBox="1"/>
+          <p:nvPr/>
+        </p:nvSpPr>
+        <p:spPr>
+          <a:xfrm>
+            <a:off x="5529937" y="3947954"/>
+            <a:ext cx="2598723" cy="369332"/>
+          </a:xfrm>
+          <a:prstGeom prst="rect">
+            <a:avLst/>
+          </a:prstGeom>
+          <a:noFill/>
+        </p:spPr>
+        <p:txBody>
+          <a:bodyPr wrap="square" rtlCol="0">
+            <a:spAutoFit/>
+          </a:bodyPr>
+          <a:lstStyle/>
+          <a:p>
+            <a:r>
+              <a:rPr lang="en-GB" dirty="0"/>
+              <a:t>Food history</a:t>
             </a:r>
           </a:p>
         </p:txBody>
@@ -7167,7 +7153,7 @@
         <p:spPr>
           <a:xfrm>
             <a:off x="4310742" y="1567543"/>
-            <a:ext cx="3562598" cy="2131621"/>
+            <a:ext cx="3562598" cy="2458192"/>
           </a:xfrm>
           <a:prstGeom prst="rect">
             <a:avLst/>
@@ -7212,7 +7198,7 @@
         </p:nvSpPr>
         <p:spPr>
           <a:xfrm>
-            <a:off x="4453247" y="1715987"/>
+            <a:off x="4453247" y="2143498"/>
             <a:ext cx="3307278" cy="243443"/>
           </a:xfrm>
           <a:prstGeom prst="rect">
@@ -7261,7 +7247,7 @@
         </p:nvSpPr>
         <p:spPr>
           <a:xfrm>
-            <a:off x="4453248" y="2084119"/>
+            <a:off x="4453248" y="2511630"/>
             <a:ext cx="3307278" cy="243443"/>
           </a:xfrm>
           <a:prstGeom prst="rect">
@@ -7310,7 +7296,7 @@
         </p:nvSpPr>
         <p:spPr>
           <a:xfrm>
-            <a:off x="5156859" y="2651165"/>
+            <a:off x="5156859" y="3427515"/>
             <a:ext cx="1870363" cy="475013"/>
           </a:xfrm>
           <a:prstGeom prst="rect">
@@ -7341,6 +7327,402 @@
             <a:r>
               <a:rPr lang="en-GB" dirty="0"/>
               <a:t>Submit</a:t>
+            </a:r>
+          </a:p>
+        </p:txBody>
+      </p:sp>
+      <p:sp>
+        <p:nvSpPr>
+          <p:cNvPr id="17" name="Rectangle 16">
+            <a:extLst>
+              <a:ext uri="{FF2B5EF4-FFF2-40B4-BE49-F238E27FC236}">
+                <a16:creationId xmlns:a16="http://schemas.microsoft.com/office/drawing/2014/main" id="{78DBA188-EAD1-7D38-16CF-C0A181271BCC}"/>
+              </a:ext>
+            </a:extLst>
+          </p:cNvPr>
+          <p:cNvSpPr/>
+          <p:nvPr/>
+        </p:nvSpPr>
+        <p:spPr>
+          <a:xfrm>
+            <a:off x="4453247" y="1766454"/>
+            <a:ext cx="3307278" cy="243443"/>
+          </a:xfrm>
+          <a:prstGeom prst="rect">
+            <a:avLst/>
+          </a:prstGeom>
+        </p:spPr>
+        <p:style>
+          <a:lnRef idx="2">
+            <a:schemeClr val="accent6">
+              <a:shade val="50000"/>
+            </a:schemeClr>
+          </a:lnRef>
+          <a:fillRef idx="1">
+            <a:schemeClr val="accent6"/>
+          </a:fillRef>
+          <a:effectRef idx="0">
+            <a:schemeClr val="accent6"/>
+          </a:effectRef>
+          <a:fontRef idx="minor">
+            <a:schemeClr val="lt1"/>
+          </a:fontRef>
+        </p:style>
+        <p:txBody>
+          <a:bodyPr rtlCol="0" anchor="ctr"/>
+          <a:lstStyle/>
+          <a:p>
+            <a:pPr algn="ctr"/>
+            <a:r>
+              <a:rPr lang="en-GB" dirty="0"/>
+              <a:t>Activity (dropdown)</a:t>
+            </a:r>
+          </a:p>
+        </p:txBody>
+      </p:sp>
+      <p:sp>
+        <p:nvSpPr>
+          <p:cNvPr id="18" name="Rectangle 17">
+            <a:extLst>
+              <a:ext uri="{FF2B5EF4-FFF2-40B4-BE49-F238E27FC236}">
+                <a16:creationId xmlns:a16="http://schemas.microsoft.com/office/drawing/2014/main" id="{9128F320-6CB8-2174-B886-A8C9CDDE9DFB}"/>
+              </a:ext>
+            </a:extLst>
+          </p:cNvPr>
+          <p:cNvSpPr/>
+          <p:nvPr/>
+        </p:nvSpPr>
+        <p:spPr>
+          <a:xfrm>
+            <a:off x="4453247" y="2907970"/>
+            <a:ext cx="3307278" cy="243443"/>
+          </a:xfrm>
+          <a:prstGeom prst="rect">
+            <a:avLst/>
+          </a:prstGeom>
+        </p:spPr>
+        <p:style>
+          <a:lnRef idx="2">
+            <a:schemeClr val="accent6">
+              <a:shade val="50000"/>
+            </a:schemeClr>
+          </a:lnRef>
+          <a:fillRef idx="1">
+            <a:schemeClr val="accent6"/>
+          </a:fillRef>
+          <a:effectRef idx="0">
+            <a:schemeClr val="accent6"/>
+          </a:effectRef>
+          <a:fontRef idx="minor">
+            <a:schemeClr val="lt1"/>
+          </a:fontRef>
+        </p:style>
+        <p:txBody>
+          <a:bodyPr rtlCol="0" anchor="ctr"/>
+          <a:lstStyle/>
+          <a:p>
+            <a:pPr algn="ctr"/>
+            <a:r>
+              <a:rPr lang="en-GB" dirty="0"/>
+              <a:t>Intensity (dropdown)</a:t>
+            </a:r>
+          </a:p>
+        </p:txBody>
+      </p:sp>
+      <p:sp>
+        <p:nvSpPr>
+          <p:cNvPr id="19" name="Rectangle 18">
+            <a:extLst>
+              <a:ext uri="{FF2B5EF4-FFF2-40B4-BE49-F238E27FC236}">
+                <a16:creationId xmlns:a16="http://schemas.microsoft.com/office/drawing/2014/main" id="{13F57BFA-2E32-C97F-52BF-C090DD4B052E}"/>
+              </a:ext>
+            </a:extLst>
+          </p:cNvPr>
+          <p:cNvSpPr/>
+          <p:nvPr/>
+        </p:nvSpPr>
+        <p:spPr>
+          <a:xfrm>
+            <a:off x="4310741" y="4129649"/>
+            <a:ext cx="3562598" cy="1873328"/>
+          </a:xfrm>
+          <a:prstGeom prst="rect">
+            <a:avLst/>
+          </a:prstGeom>
+        </p:spPr>
+        <p:style>
+          <a:lnRef idx="2">
+            <a:schemeClr val="accent1">
+              <a:shade val="50000"/>
+            </a:schemeClr>
+          </a:lnRef>
+          <a:fillRef idx="1">
+            <a:schemeClr val="accent1"/>
+          </a:fillRef>
+          <a:effectRef idx="0">
+            <a:schemeClr val="accent1"/>
+          </a:effectRef>
+          <a:fontRef idx="minor">
+            <a:schemeClr val="lt1"/>
+          </a:fontRef>
+        </p:style>
+        <p:txBody>
+          <a:bodyPr rtlCol="0" anchor="ctr"/>
+          <a:lstStyle/>
+          <a:p>
+            <a:pPr algn="ctr"/>
+            <a:endParaRPr lang="en-GB"/>
+          </a:p>
+        </p:txBody>
+      </p:sp>
+      <p:sp>
+        <p:nvSpPr>
+          <p:cNvPr id="20" name="Rectangle 19">
+            <a:extLst>
+              <a:ext uri="{FF2B5EF4-FFF2-40B4-BE49-F238E27FC236}">
+                <a16:creationId xmlns:a16="http://schemas.microsoft.com/office/drawing/2014/main" id="{4F22289B-7A0F-1DDE-B0AB-46995E108FF4}"/>
+              </a:ext>
+            </a:extLst>
+          </p:cNvPr>
+          <p:cNvSpPr/>
+          <p:nvPr/>
+        </p:nvSpPr>
+        <p:spPr>
+          <a:xfrm>
+            <a:off x="4310741" y="4123707"/>
+            <a:ext cx="3562598" cy="353290"/>
+          </a:xfrm>
+          <a:prstGeom prst="rect">
+            <a:avLst/>
+          </a:prstGeom>
+        </p:spPr>
+        <p:style>
+          <a:lnRef idx="2">
+            <a:schemeClr val="accent1">
+              <a:shade val="50000"/>
+            </a:schemeClr>
+          </a:lnRef>
+          <a:fillRef idx="1">
+            <a:schemeClr val="accent1"/>
+          </a:fillRef>
+          <a:effectRef idx="0">
+            <a:schemeClr val="accent1"/>
+          </a:effectRef>
+          <a:fontRef idx="minor">
+            <a:schemeClr val="lt1"/>
+          </a:fontRef>
+        </p:style>
+        <p:txBody>
+          <a:bodyPr rtlCol="0" anchor="ctr"/>
+          <a:lstStyle/>
+          <a:p>
+            <a:pPr algn="ctr"/>
+            <a:r>
+              <a:rPr lang="en-GB" dirty="0"/>
+              <a:t>Weight input</a:t>
+            </a:r>
+          </a:p>
+        </p:txBody>
+      </p:sp>
+      <p:sp>
+        <p:nvSpPr>
+          <p:cNvPr id="21" name="Rectangle 20">
+            <a:extLst>
+              <a:ext uri="{FF2B5EF4-FFF2-40B4-BE49-F238E27FC236}">
+                <a16:creationId xmlns:a16="http://schemas.microsoft.com/office/drawing/2014/main" id="{2E9D7E83-1456-6162-CD36-A88D6A8935B2}"/>
+              </a:ext>
+            </a:extLst>
+          </p:cNvPr>
+          <p:cNvSpPr/>
+          <p:nvPr/>
+        </p:nvSpPr>
+        <p:spPr>
+          <a:xfrm>
+            <a:off x="4383977" y="4911931"/>
+            <a:ext cx="3307278" cy="243443"/>
+          </a:xfrm>
+          <a:prstGeom prst="rect">
+            <a:avLst/>
+          </a:prstGeom>
+        </p:spPr>
+        <p:style>
+          <a:lnRef idx="2">
+            <a:schemeClr val="accent6">
+              <a:shade val="50000"/>
+            </a:schemeClr>
+          </a:lnRef>
+          <a:fillRef idx="1">
+            <a:schemeClr val="accent6"/>
+          </a:fillRef>
+          <a:effectRef idx="0">
+            <a:schemeClr val="accent6"/>
+          </a:effectRef>
+          <a:fontRef idx="minor">
+            <a:schemeClr val="lt1"/>
+          </a:fontRef>
+        </p:style>
+        <p:txBody>
+          <a:bodyPr rtlCol="0" anchor="ctr"/>
+          <a:lstStyle/>
+          <a:p>
+            <a:pPr algn="ctr"/>
+            <a:r>
+              <a:rPr lang="en-GB" dirty="0"/>
+              <a:t>Weight</a:t>
+            </a:r>
+          </a:p>
+        </p:txBody>
+      </p:sp>
+      <p:sp>
+        <p:nvSpPr>
+          <p:cNvPr id="23" name="Rectangle 22">
+            <a:extLst>
+              <a:ext uri="{FF2B5EF4-FFF2-40B4-BE49-F238E27FC236}">
+                <a16:creationId xmlns:a16="http://schemas.microsoft.com/office/drawing/2014/main" id="{42A68090-F982-FA41-B2DC-474774CB08E6}"/>
+              </a:ext>
+            </a:extLst>
+          </p:cNvPr>
+          <p:cNvSpPr/>
+          <p:nvPr/>
+        </p:nvSpPr>
+        <p:spPr>
+          <a:xfrm>
+            <a:off x="4383977" y="4583875"/>
+            <a:ext cx="3307278" cy="243443"/>
+          </a:xfrm>
+          <a:prstGeom prst="rect">
+            <a:avLst/>
+          </a:prstGeom>
+        </p:spPr>
+        <p:style>
+          <a:lnRef idx="2">
+            <a:schemeClr val="accent6">
+              <a:shade val="50000"/>
+            </a:schemeClr>
+          </a:lnRef>
+          <a:fillRef idx="1">
+            <a:schemeClr val="accent6"/>
+          </a:fillRef>
+          <a:effectRef idx="0">
+            <a:schemeClr val="accent6"/>
+          </a:effectRef>
+          <a:fontRef idx="minor">
+            <a:schemeClr val="lt1"/>
+          </a:fontRef>
+        </p:style>
+        <p:txBody>
+          <a:bodyPr rtlCol="0" anchor="ctr"/>
+          <a:lstStyle/>
+          <a:p>
+            <a:pPr algn="ctr"/>
+            <a:r>
+              <a:rPr lang="en-GB" sz="1600" dirty="0"/>
+              <a:t>Weight scale e.g. kg or lbs dropdown</a:t>
+            </a:r>
+          </a:p>
+        </p:txBody>
+      </p:sp>
+      <p:sp>
+        <p:nvSpPr>
+          <p:cNvPr id="24" name="Rectangle 23">
+            <a:extLst>
+              <a:ext uri="{FF2B5EF4-FFF2-40B4-BE49-F238E27FC236}">
+                <a16:creationId xmlns:a16="http://schemas.microsoft.com/office/drawing/2014/main" id="{ECEB2274-8F0A-4903-5CFC-D547F9ABA51E}"/>
+              </a:ext>
+            </a:extLst>
+          </p:cNvPr>
+          <p:cNvSpPr/>
+          <p:nvPr/>
+        </p:nvSpPr>
+        <p:spPr>
+          <a:xfrm>
+            <a:off x="5121233" y="5332764"/>
+            <a:ext cx="1870363" cy="475013"/>
+          </a:xfrm>
+          <a:prstGeom prst="rect">
+            <a:avLst/>
+          </a:prstGeom>
+        </p:spPr>
+        <p:style>
+          <a:lnRef idx="2">
+            <a:schemeClr val="accent3">
+              <a:shade val="50000"/>
+            </a:schemeClr>
+          </a:lnRef>
+          <a:fillRef idx="1">
+            <a:schemeClr val="accent3"/>
+          </a:fillRef>
+          <a:effectRef idx="0">
+            <a:schemeClr val="accent3"/>
+          </a:effectRef>
+          <a:fontRef idx="minor">
+            <a:schemeClr val="lt1"/>
+          </a:fontRef>
+        </p:style>
+        <p:txBody>
+          <a:bodyPr rtlCol="0" anchor="ctr"/>
+          <a:lstStyle/>
+          <a:p>
+            <a:pPr algn="ctr"/>
+            <a:r>
+              <a:rPr lang="en-GB" dirty="0"/>
+              <a:t>Submit</a:t>
+            </a:r>
+          </a:p>
+        </p:txBody>
+      </p:sp>
+      <p:sp>
+        <p:nvSpPr>
+          <p:cNvPr id="25" name="Rectangle 24">
+            <a:extLst>
+              <a:ext uri="{FF2B5EF4-FFF2-40B4-BE49-F238E27FC236}">
+                <a16:creationId xmlns:a16="http://schemas.microsoft.com/office/drawing/2014/main" id="{54D5DB8B-D1D7-6425-1DEB-1FA2844EE984}"/>
+              </a:ext>
+            </a:extLst>
+          </p:cNvPr>
+          <p:cNvSpPr/>
+          <p:nvPr/>
+        </p:nvSpPr>
+        <p:spPr>
+          <a:xfrm>
+            <a:off x="8823366" y="4476997"/>
+            <a:ext cx="2274125" cy="1062842"/>
+          </a:xfrm>
+          <a:prstGeom prst="rect">
+            <a:avLst/>
+          </a:prstGeom>
+        </p:spPr>
+        <p:style>
+          <a:lnRef idx="2">
+            <a:schemeClr val="accent4">
+              <a:shade val="50000"/>
+            </a:schemeClr>
+          </a:lnRef>
+          <a:fillRef idx="1">
+            <a:schemeClr val="accent4"/>
+          </a:fillRef>
+          <a:effectRef idx="0">
+            <a:schemeClr val="accent4"/>
+          </a:effectRef>
+          <a:fontRef idx="minor">
+            <a:schemeClr val="lt1"/>
+          </a:fontRef>
+        </p:style>
+        <p:txBody>
+          <a:bodyPr rtlCol="0" anchor="ctr"/>
+          <a:lstStyle/>
+          <a:p>
+            <a:pPr algn="ctr"/>
+            <a:r>
+              <a:rPr lang="en-GB" dirty="0"/>
+              <a:t>Side note:</a:t>
+            </a:r>
+            <a:br>
+              <a:rPr lang="en-GB" dirty="0"/>
+            </a:br>
+            <a:r>
+              <a:rPr lang="en-GB" dirty="0"/>
+              <a:t>all weight stored in kgs, lbs converted on storage</a:t>
             </a:r>
           </a:p>
         </p:txBody>

--- a/ProjectInformation/Powerpoint designs/V1/powerpoint design.pptx
+++ b/ProjectInformation/Powerpoint designs/V1/powerpoint design.pptx
@@ -268,7 +268,7 @@
           <a:p>
             <a:fld id="{B9C78DC0-302C-4AF6-A3B7-474A49631725}" type="datetimeFigureOut">
               <a:rPr lang="en-GB" smtClean="0"/>
-              <a:t>20/03/2023</a:t>
+              <a:t>24/03/2023</a:t>
             </a:fld>
             <a:endParaRPr lang="en-GB"/>
           </a:p>
@@ -468,7 +468,7 @@
           <a:p>
             <a:fld id="{B9C78DC0-302C-4AF6-A3B7-474A49631725}" type="datetimeFigureOut">
               <a:rPr lang="en-GB" smtClean="0"/>
-              <a:t>20/03/2023</a:t>
+              <a:t>24/03/2023</a:t>
             </a:fld>
             <a:endParaRPr lang="en-GB"/>
           </a:p>
@@ -678,7 +678,7 @@
           <a:p>
             <a:fld id="{B9C78DC0-302C-4AF6-A3B7-474A49631725}" type="datetimeFigureOut">
               <a:rPr lang="en-GB" smtClean="0"/>
-              <a:t>20/03/2023</a:t>
+              <a:t>24/03/2023</a:t>
             </a:fld>
             <a:endParaRPr lang="en-GB"/>
           </a:p>
@@ -878,7 +878,7 @@
           <a:p>
             <a:fld id="{B9C78DC0-302C-4AF6-A3B7-474A49631725}" type="datetimeFigureOut">
               <a:rPr lang="en-GB" smtClean="0"/>
-              <a:t>20/03/2023</a:t>
+              <a:t>24/03/2023</a:t>
             </a:fld>
             <a:endParaRPr lang="en-GB"/>
           </a:p>
@@ -1154,7 +1154,7 @@
           <a:p>
             <a:fld id="{B9C78DC0-302C-4AF6-A3B7-474A49631725}" type="datetimeFigureOut">
               <a:rPr lang="en-GB" smtClean="0"/>
-              <a:t>20/03/2023</a:t>
+              <a:t>24/03/2023</a:t>
             </a:fld>
             <a:endParaRPr lang="en-GB"/>
           </a:p>
@@ -1422,7 +1422,7 @@
           <a:p>
             <a:fld id="{B9C78DC0-302C-4AF6-A3B7-474A49631725}" type="datetimeFigureOut">
               <a:rPr lang="en-GB" smtClean="0"/>
-              <a:t>20/03/2023</a:t>
+              <a:t>24/03/2023</a:t>
             </a:fld>
             <a:endParaRPr lang="en-GB"/>
           </a:p>
@@ -1837,7 +1837,7 @@
           <a:p>
             <a:fld id="{B9C78DC0-302C-4AF6-A3B7-474A49631725}" type="datetimeFigureOut">
               <a:rPr lang="en-GB" smtClean="0"/>
-              <a:t>20/03/2023</a:t>
+              <a:t>24/03/2023</a:t>
             </a:fld>
             <a:endParaRPr lang="en-GB"/>
           </a:p>
@@ -1979,7 +1979,7 @@
           <a:p>
             <a:fld id="{B9C78DC0-302C-4AF6-A3B7-474A49631725}" type="datetimeFigureOut">
               <a:rPr lang="en-GB" smtClean="0"/>
-              <a:t>20/03/2023</a:t>
+              <a:t>24/03/2023</a:t>
             </a:fld>
             <a:endParaRPr lang="en-GB"/>
           </a:p>
@@ -2092,7 +2092,7 @@
           <a:p>
             <a:fld id="{B9C78DC0-302C-4AF6-A3B7-474A49631725}" type="datetimeFigureOut">
               <a:rPr lang="en-GB" smtClean="0"/>
-              <a:t>20/03/2023</a:t>
+              <a:t>24/03/2023</a:t>
             </a:fld>
             <a:endParaRPr lang="en-GB"/>
           </a:p>
@@ -2405,7 +2405,7 @@
           <a:p>
             <a:fld id="{B9C78DC0-302C-4AF6-A3B7-474A49631725}" type="datetimeFigureOut">
               <a:rPr lang="en-GB" smtClean="0"/>
-              <a:t>20/03/2023</a:t>
+              <a:t>24/03/2023</a:t>
             </a:fld>
             <a:endParaRPr lang="en-GB"/>
           </a:p>
@@ -2694,7 +2694,7 @@
           <a:p>
             <a:fld id="{B9C78DC0-302C-4AF6-A3B7-474A49631725}" type="datetimeFigureOut">
               <a:rPr lang="en-GB" smtClean="0"/>
-              <a:t>20/03/2023</a:t>
+              <a:t>24/03/2023</a:t>
             </a:fld>
             <a:endParaRPr lang="en-GB"/>
           </a:p>
@@ -2937,7 +2937,7 @@
           <a:p>
             <a:fld id="{B9C78DC0-302C-4AF6-A3B7-474A49631725}" type="datetimeFigureOut">
               <a:rPr lang="en-GB" smtClean="0"/>
-              <a:t>20/03/2023</a:t>
+              <a:t>24/03/2023</a:t>
             </a:fld>
             <a:endParaRPr lang="en-GB"/>
           </a:p>
@@ -6563,6 +6563,434 @@
           </a:p>
         </p:txBody>
       </p:sp>
+      <p:sp>
+        <p:nvSpPr>
+          <p:cNvPr id="2" name="Rectangle 1">
+            <a:extLst>
+              <a:ext uri="{FF2B5EF4-FFF2-40B4-BE49-F238E27FC236}">
+                <a16:creationId xmlns:a16="http://schemas.microsoft.com/office/drawing/2014/main" id="{2E5252FE-6274-1F22-914C-DE9507A73E0D}"/>
+              </a:ext>
+            </a:extLst>
+          </p:cNvPr>
+          <p:cNvSpPr/>
+          <p:nvPr/>
+        </p:nvSpPr>
+        <p:spPr>
+          <a:xfrm>
+            <a:off x="4360222" y="3206338"/>
+            <a:ext cx="3513118" cy="2493818"/>
+          </a:xfrm>
+          <a:prstGeom prst="rect">
+            <a:avLst/>
+          </a:prstGeom>
+        </p:spPr>
+        <p:style>
+          <a:lnRef idx="2">
+            <a:schemeClr val="accent1">
+              <a:shade val="50000"/>
+            </a:schemeClr>
+          </a:lnRef>
+          <a:fillRef idx="1">
+            <a:schemeClr val="accent1"/>
+          </a:fillRef>
+          <a:effectRef idx="0">
+            <a:schemeClr val="accent1"/>
+          </a:effectRef>
+          <a:fontRef idx="minor">
+            <a:schemeClr val="lt1"/>
+          </a:fontRef>
+        </p:style>
+        <p:txBody>
+          <a:bodyPr rtlCol="0" anchor="ctr"/>
+          <a:lstStyle/>
+          <a:p>
+            <a:pPr algn="ctr"/>
+            <a:endParaRPr lang="en-GB" dirty="0"/>
+          </a:p>
+        </p:txBody>
+      </p:sp>
+      <p:cxnSp>
+        <p:nvCxnSpPr>
+          <p:cNvPr id="16" name="Straight Arrow Connector 15">
+            <a:extLst>
+              <a:ext uri="{FF2B5EF4-FFF2-40B4-BE49-F238E27FC236}">
+                <a16:creationId xmlns:a16="http://schemas.microsoft.com/office/drawing/2014/main" id="{84BA98B3-01B3-016C-8B33-B5CF46CB3334}"/>
+              </a:ext>
+            </a:extLst>
+          </p:cNvPr>
+          <p:cNvCxnSpPr>
+            <a:cxnSpLocks/>
+          </p:cNvCxnSpPr>
+          <p:nvPr/>
+        </p:nvCxnSpPr>
+        <p:spPr>
+          <a:xfrm flipV="1">
+            <a:off x="4660074" y="3426031"/>
+            <a:ext cx="0" cy="1935678"/>
+          </a:xfrm>
+          <a:prstGeom prst="straightConnector1">
+            <a:avLst/>
+          </a:prstGeom>
+          <a:ln>
+            <a:tailEnd type="triangle"/>
+          </a:ln>
+        </p:spPr>
+        <p:style>
+          <a:lnRef idx="3">
+            <a:schemeClr val="dk1"/>
+          </a:lnRef>
+          <a:fillRef idx="0">
+            <a:schemeClr val="dk1"/>
+          </a:fillRef>
+          <a:effectRef idx="2">
+            <a:schemeClr val="dk1"/>
+          </a:effectRef>
+          <a:fontRef idx="minor">
+            <a:schemeClr val="tx1"/>
+          </a:fontRef>
+        </p:style>
+      </p:cxnSp>
+      <p:cxnSp>
+        <p:nvCxnSpPr>
+          <p:cNvPr id="17" name="Straight Arrow Connector 16">
+            <a:extLst>
+              <a:ext uri="{FF2B5EF4-FFF2-40B4-BE49-F238E27FC236}">
+                <a16:creationId xmlns:a16="http://schemas.microsoft.com/office/drawing/2014/main" id="{07FC7DC7-0DC5-333A-B2B1-8E91D60B6E50}"/>
+              </a:ext>
+            </a:extLst>
+          </p:cNvPr>
+          <p:cNvCxnSpPr>
+            <a:cxnSpLocks/>
+          </p:cNvCxnSpPr>
+          <p:nvPr/>
+        </p:nvCxnSpPr>
+        <p:spPr>
+          <a:xfrm>
+            <a:off x="4660074" y="5361709"/>
+            <a:ext cx="2946071" cy="0"/>
+          </a:xfrm>
+          <a:prstGeom prst="straightConnector1">
+            <a:avLst/>
+          </a:prstGeom>
+          <a:ln>
+            <a:tailEnd type="triangle"/>
+          </a:ln>
+        </p:spPr>
+        <p:style>
+          <a:lnRef idx="3">
+            <a:schemeClr val="dk1"/>
+          </a:lnRef>
+          <a:fillRef idx="0">
+            <a:schemeClr val="dk1"/>
+          </a:fillRef>
+          <a:effectRef idx="2">
+            <a:schemeClr val="dk1"/>
+          </a:effectRef>
+          <a:fontRef idx="minor">
+            <a:schemeClr val="tx1"/>
+          </a:fontRef>
+        </p:style>
+      </p:cxnSp>
+      <p:sp>
+        <p:nvSpPr>
+          <p:cNvPr id="20" name="TextBox 19">
+            <a:extLst>
+              <a:ext uri="{FF2B5EF4-FFF2-40B4-BE49-F238E27FC236}">
+                <a16:creationId xmlns:a16="http://schemas.microsoft.com/office/drawing/2014/main" id="{601A25CF-C9AC-4B72-CD99-A8A4658F865B}"/>
+              </a:ext>
+            </a:extLst>
+          </p:cNvPr>
+          <p:cNvSpPr txBox="1"/>
+          <p:nvPr/>
+        </p:nvSpPr>
+        <p:spPr>
+          <a:xfrm>
+            <a:off x="4338463" y="3134487"/>
+            <a:ext cx="1003465" cy="369332"/>
+          </a:xfrm>
+          <a:prstGeom prst="rect">
+            <a:avLst/>
+          </a:prstGeom>
+          <a:noFill/>
+        </p:spPr>
+        <p:txBody>
+          <a:bodyPr wrap="square" rtlCol="0">
+            <a:spAutoFit/>
+          </a:bodyPr>
+          <a:lstStyle/>
+          <a:p>
+            <a:r>
+              <a:rPr lang="en-GB" dirty="0"/>
+              <a:t>Time</a:t>
+            </a:r>
+          </a:p>
+        </p:txBody>
+      </p:sp>
+      <p:sp>
+        <p:nvSpPr>
+          <p:cNvPr id="21" name="TextBox 20">
+            <a:extLst>
+              <a:ext uri="{FF2B5EF4-FFF2-40B4-BE49-F238E27FC236}">
+                <a16:creationId xmlns:a16="http://schemas.microsoft.com/office/drawing/2014/main" id="{2F490777-EE0D-7BA2-AF40-710C60CC0036}"/>
+              </a:ext>
+            </a:extLst>
+          </p:cNvPr>
+          <p:cNvSpPr txBox="1"/>
+          <p:nvPr/>
+        </p:nvSpPr>
+        <p:spPr>
+          <a:xfrm>
+            <a:off x="5927772" y="5290456"/>
+            <a:ext cx="819391" cy="369332"/>
+          </a:xfrm>
+          <a:prstGeom prst="rect">
+            <a:avLst/>
+          </a:prstGeom>
+          <a:noFill/>
+        </p:spPr>
+        <p:txBody>
+          <a:bodyPr wrap="square" rtlCol="0">
+            <a:spAutoFit/>
+          </a:bodyPr>
+          <a:lstStyle/>
+          <a:p>
+            <a:r>
+              <a:rPr lang="en-GB" dirty="0"/>
+              <a:t>Day</a:t>
+            </a:r>
+          </a:p>
+        </p:txBody>
+      </p:sp>
+      <p:sp>
+        <p:nvSpPr>
+          <p:cNvPr id="22" name="Rectangle 21">
+            <a:extLst>
+              <a:ext uri="{FF2B5EF4-FFF2-40B4-BE49-F238E27FC236}">
+                <a16:creationId xmlns:a16="http://schemas.microsoft.com/office/drawing/2014/main" id="{58AE8AF8-2485-358F-6CC4-19149CCFE6B0}"/>
+              </a:ext>
+            </a:extLst>
+          </p:cNvPr>
+          <p:cNvSpPr/>
+          <p:nvPr/>
+        </p:nvSpPr>
+        <p:spPr>
+          <a:xfrm>
+            <a:off x="4767943" y="3645724"/>
+            <a:ext cx="403758" cy="1715985"/>
+          </a:xfrm>
+          <a:prstGeom prst="rect">
+            <a:avLst/>
+          </a:prstGeom>
+        </p:spPr>
+        <p:style>
+          <a:lnRef idx="2">
+            <a:schemeClr val="accent2">
+              <a:shade val="50000"/>
+            </a:schemeClr>
+          </a:lnRef>
+          <a:fillRef idx="1">
+            <a:schemeClr val="accent2"/>
+          </a:fillRef>
+          <a:effectRef idx="0">
+            <a:schemeClr val="accent2"/>
+          </a:effectRef>
+          <a:fontRef idx="minor">
+            <a:schemeClr val="lt1"/>
+          </a:fontRef>
+        </p:style>
+        <p:txBody>
+          <a:bodyPr rtlCol="0" anchor="ctr"/>
+          <a:lstStyle/>
+          <a:p>
+            <a:pPr algn="ctr"/>
+            <a:endParaRPr lang="en-GB"/>
+          </a:p>
+        </p:txBody>
+      </p:sp>
+      <p:sp>
+        <p:nvSpPr>
+          <p:cNvPr id="23" name="Rectangle 22">
+            <a:extLst>
+              <a:ext uri="{FF2B5EF4-FFF2-40B4-BE49-F238E27FC236}">
+                <a16:creationId xmlns:a16="http://schemas.microsoft.com/office/drawing/2014/main" id="{61D6F59D-786A-D7AD-EAAA-61E6425C5F5D}"/>
+              </a:ext>
+            </a:extLst>
+          </p:cNvPr>
+          <p:cNvSpPr/>
+          <p:nvPr/>
+        </p:nvSpPr>
+        <p:spPr>
+          <a:xfrm>
+            <a:off x="5275600" y="4269179"/>
+            <a:ext cx="403758" cy="1092529"/>
+          </a:xfrm>
+          <a:prstGeom prst="rect">
+            <a:avLst/>
+          </a:prstGeom>
+        </p:spPr>
+        <p:style>
+          <a:lnRef idx="2">
+            <a:schemeClr val="accent2">
+              <a:shade val="50000"/>
+            </a:schemeClr>
+          </a:lnRef>
+          <a:fillRef idx="1">
+            <a:schemeClr val="accent2"/>
+          </a:fillRef>
+          <a:effectRef idx="0">
+            <a:schemeClr val="accent2"/>
+          </a:effectRef>
+          <a:fontRef idx="minor">
+            <a:schemeClr val="lt1"/>
+          </a:fontRef>
+        </p:style>
+        <p:txBody>
+          <a:bodyPr rtlCol="0" anchor="ctr"/>
+          <a:lstStyle/>
+          <a:p>
+            <a:pPr algn="ctr"/>
+            <a:endParaRPr lang="en-GB"/>
+          </a:p>
+        </p:txBody>
+      </p:sp>
+      <p:sp>
+        <p:nvSpPr>
+          <p:cNvPr id="24" name="Rectangle 23">
+            <a:extLst>
+              <a:ext uri="{FF2B5EF4-FFF2-40B4-BE49-F238E27FC236}">
+                <a16:creationId xmlns:a16="http://schemas.microsoft.com/office/drawing/2014/main" id="{B6726406-BB0A-2048-698C-5A624FFBD6E5}"/>
+              </a:ext>
+            </a:extLst>
+          </p:cNvPr>
+          <p:cNvSpPr/>
+          <p:nvPr/>
+        </p:nvSpPr>
+        <p:spPr>
+          <a:xfrm>
+            <a:off x="5783257" y="3954490"/>
+            <a:ext cx="403758" cy="1407218"/>
+          </a:xfrm>
+          <a:prstGeom prst="rect">
+            <a:avLst/>
+          </a:prstGeom>
+        </p:spPr>
+        <p:style>
+          <a:lnRef idx="2">
+            <a:schemeClr val="accent2">
+              <a:shade val="50000"/>
+            </a:schemeClr>
+          </a:lnRef>
+          <a:fillRef idx="1">
+            <a:schemeClr val="accent2"/>
+          </a:fillRef>
+          <a:effectRef idx="0">
+            <a:schemeClr val="accent2"/>
+          </a:effectRef>
+          <a:fontRef idx="minor">
+            <a:schemeClr val="lt1"/>
+          </a:fontRef>
+        </p:style>
+        <p:txBody>
+          <a:bodyPr rtlCol="0" anchor="ctr"/>
+          <a:lstStyle/>
+          <a:p>
+            <a:pPr algn="ctr"/>
+            <a:endParaRPr lang="en-GB"/>
+          </a:p>
+        </p:txBody>
+      </p:sp>
+      <p:sp>
+        <p:nvSpPr>
+          <p:cNvPr id="25" name="Rectangle 24">
+            <a:extLst>
+              <a:ext uri="{FF2B5EF4-FFF2-40B4-BE49-F238E27FC236}">
+                <a16:creationId xmlns:a16="http://schemas.microsoft.com/office/drawing/2014/main" id="{0267F279-59FE-0059-C9F6-D08579748A0E}"/>
+              </a:ext>
+            </a:extLst>
+          </p:cNvPr>
+          <p:cNvSpPr/>
+          <p:nvPr/>
+        </p:nvSpPr>
+        <p:spPr>
+          <a:xfrm>
+            <a:off x="6290914" y="5063630"/>
+            <a:ext cx="403758" cy="298077"/>
+          </a:xfrm>
+          <a:prstGeom prst="rect">
+            <a:avLst/>
+          </a:prstGeom>
+        </p:spPr>
+        <p:style>
+          <a:lnRef idx="2">
+            <a:schemeClr val="accent2">
+              <a:shade val="50000"/>
+            </a:schemeClr>
+          </a:lnRef>
+          <a:fillRef idx="1">
+            <a:schemeClr val="accent2"/>
+          </a:fillRef>
+          <a:effectRef idx="0">
+            <a:schemeClr val="accent2"/>
+          </a:effectRef>
+          <a:fontRef idx="minor">
+            <a:schemeClr val="lt1"/>
+          </a:fontRef>
+        </p:style>
+        <p:txBody>
+          <a:bodyPr rtlCol="0" anchor="ctr"/>
+          <a:lstStyle/>
+          <a:p>
+            <a:pPr algn="ctr"/>
+            <a:endParaRPr lang="en-GB"/>
+          </a:p>
+        </p:txBody>
+      </p:sp>
+      <p:sp>
+        <p:nvSpPr>
+          <p:cNvPr id="26" name="Rectangle 25">
+            <a:extLst>
+              <a:ext uri="{FF2B5EF4-FFF2-40B4-BE49-F238E27FC236}">
+                <a16:creationId xmlns:a16="http://schemas.microsoft.com/office/drawing/2014/main" id="{8D049464-F560-7516-2678-42C0376524AA}"/>
+              </a:ext>
+            </a:extLst>
+          </p:cNvPr>
+          <p:cNvSpPr/>
+          <p:nvPr/>
+        </p:nvSpPr>
+        <p:spPr>
+          <a:xfrm>
+            <a:off x="6772896" y="4655130"/>
+            <a:ext cx="403758" cy="706578"/>
+          </a:xfrm>
+          <a:prstGeom prst="rect">
+            <a:avLst/>
+          </a:prstGeom>
+        </p:spPr>
+        <p:style>
+          <a:lnRef idx="2">
+            <a:schemeClr val="accent2">
+              <a:shade val="50000"/>
+            </a:schemeClr>
+          </a:lnRef>
+          <a:fillRef idx="1">
+            <a:schemeClr val="accent2"/>
+          </a:fillRef>
+          <a:effectRef idx="0">
+            <a:schemeClr val="accent2"/>
+          </a:effectRef>
+          <a:fontRef idx="minor">
+            <a:schemeClr val="lt1"/>
+          </a:fontRef>
+        </p:style>
+        <p:txBody>
+          <a:bodyPr rtlCol="0" anchor="ctr"/>
+          <a:lstStyle/>
+          <a:p>
+            <a:pPr algn="ctr"/>
+            <a:endParaRPr lang="en-GB"/>
+          </a:p>
+        </p:txBody>
+      </p:sp>
     </p:spTree>
     <p:extLst>
       <p:ext uri="{BB962C8B-B14F-4D97-AF65-F5344CB8AC3E}">

--- a/ProjectInformation/Powerpoint designs/V1/powerpoint design.pptx
+++ b/ProjectInformation/Powerpoint designs/V1/powerpoint design.pptx
@@ -13,6 +13,7 @@
     <p:sldId id="261" r:id="rId7"/>
     <p:sldId id="262" r:id="rId8"/>
     <p:sldId id="263" r:id="rId9"/>
+    <p:sldId id="264" r:id="rId10"/>
   </p:sldIdLst>
   <p:sldSz cx="12192000" cy="6858000"/>
   <p:notesSz cx="6858000" cy="9144000"/>
@@ -268,7 +269,7 @@
           <a:p>
             <a:fld id="{B9C78DC0-302C-4AF6-A3B7-474A49631725}" type="datetimeFigureOut">
               <a:rPr lang="en-GB" smtClean="0"/>
-              <a:t>24/03/2023</a:t>
+              <a:t>17/04/2023</a:t>
             </a:fld>
             <a:endParaRPr lang="en-GB"/>
           </a:p>
@@ -468,7 +469,7 @@
           <a:p>
             <a:fld id="{B9C78DC0-302C-4AF6-A3B7-474A49631725}" type="datetimeFigureOut">
               <a:rPr lang="en-GB" smtClean="0"/>
-              <a:t>24/03/2023</a:t>
+              <a:t>17/04/2023</a:t>
             </a:fld>
             <a:endParaRPr lang="en-GB"/>
           </a:p>
@@ -678,7 +679,7 @@
           <a:p>
             <a:fld id="{B9C78DC0-302C-4AF6-A3B7-474A49631725}" type="datetimeFigureOut">
               <a:rPr lang="en-GB" smtClean="0"/>
-              <a:t>24/03/2023</a:t>
+              <a:t>17/04/2023</a:t>
             </a:fld>
             <a:endParaRPr lang="en-GB"/>
           </a:p>
@@ -878,7 +879,7 @@
           <a:p>
             <a:fld id="{B9C78DC0-302C-4AF6-A3B7-474A49631725}" type="datetimeFigureOut">
               <a:rPr lang="en-GB" smtClean="0"/>
-              <a:t>24/03/2023</a:t>
+              <a:t>17/04/2023</a:t>
             </a:fld>
             <a:endParaRPr lang="en-GB"/>
           </a:p>
@@ -1154,7 +1155,7 @@
           <a:p>
             <a:fld id="{B9C78DC0-302C-4AF6-A3B7-474A49631725}" type="datetimeFigureOut">
               <a:rPr lang="en-GB" smtClean="0"/>
-              <a:t>24/03/2023</a:t>
+              <a:t>17/04/2023</a:t>
             </a:fld>
             <a:endParaRPr lang="en-GB"/>
           </a:p>
@@ -1422,7 +1423,7 @@
           <a:p>
             <a:fld id="{B9C78DC0-302C-4AF6-A3B7-474A49631725}" type="datetimeFigureOut">
               <a:rPr lang="en-GB" smtClean="0"/>
-              <a:t>24/03/2023</a:t>
+              <a:t>17/04/2023</a:t>
             </a:fld>
             <a:endParaRPr lang="en-GB"/>
           </a:p>
@@ -1837,7 +1838,7 @@
           <a:p>
             <a:fld id="{B9C78DC0-302C-4AF6-A3B7-474A49631725}" type="datetimeFigureOut">
               <a:rPr lang="en-GB" smtClean="0"/>
-              <a:t>24/03/2023</a:t>
+              <a:t>17/04/2023</a:t>
             </a:fld>
             <a:endParaRPr lang="en-GB"/>
           </a:p>
@@ -1979,7 +1980,7 @@
           <a:p>
             <a:fld id="{B9C78DC0-302C-4AF6-A3B7-474A49631725}" type="datetimeFigureOut">
               <a:rPr lang="en-GB" smtClean="0"/>
-              <a:t>24/03/2023</a:t>
+              <a:t>17/04/2023</a:t>
             </a:fld>
             <a:endParaRPr lang="en-GB"/>
           </a:p>
@@ -2092,7 +2093,7 @@
           <a:p>
             <a:fld id="{B9C78DC0-302C-4AF6-A3B7-474A49631725}" type="datetimeFigureOut">
               <a:rPr lang="en-GB" smtClean="0"/>
-              <a:t>24/03/2023</a:t>
+              <a:t>17/04/2023</a:t>
             </a:fld>
             <a:endParaRPr lang="en-GB"/>
           </a:p>
@@ -2405,7 +2406,7 @@
           <a:p>
             <a:fld id="{B9C78DC0-302C-4AF6-A3B7-474A49631725}" type="datetimeFigureOut">
               <a:rPr lang="en-GB" smtClean="0"/>
-              <a:t>24/03/2023</a:t>
+              <a:t>17/04/2023</a:t>
             </a:fld>
             <a:endParaRPr lang="en-GB"/>
           </a:p>
@@ -2694,7 +2695,7 @@
           <a:p>
             <a:fld id="{B9C78DC0-302C-4AF6-A3B7-474A49631725}" type="datetimeFigureOut">
               <a:rPr lang="en-GB" smtClean="0"/>
-              <a:t>24/03/2023</a:t>
+              <a:t>17/04/2023</a:t>
             </a:fld>
             <a:endParaRPr lang="en-GB"/>
           </a:p>
@@ -2937,7 +2938,7 @@
           <a:p>
             <a:fld id="{B9C78DC0-302C-4AF6-A3B7-474A49631725}" type="datetimeFigureOut">
               <a:rPr lang="en-GB" smtClean="0"/>
-              <a:t>24/03/2023</a:t>
+              <a:t>17/04/2023</a:t>
             </a:fld>
             <a:endParaRPr lang="en-GB"/>
           </a:p>
@@ -8884,6 +8885,1148 @@
 </p:sld>
 </file>
 
+<file path=ppt/slides/slide9.xml><?xml version="1.0" encoding="utf-8"?>
+<p:sld xmlns:a="http://schemas.openxmlformats.org/drawingml/2006/main" xmlns:r="http://schemas.openxmlformats.org/officeDocument/2006/relationships" xmlns:p="http://schemas.openxmlformats.org/presentationml/2006/main">
+  <p:cSld>
+    <p:spTree>
+      <p:nvGrpSpPr>
+        <p:cNvPr id="1" name=""/>
+        <p:cNvGrpSpPr/>
+        <p:nvPr/>
+      </p:nvGrpSpPr>
+      <p:grpSpPr>
+        <a:xfrm>
+          <a:off x="0" y="0"/>
+          <a:ext cx="0" cy="0"/>
+          <a:chOff x="0" y="0"/>
+          <a:chExt cx="0" cy="0"/>
+        </a:xfrm>
+      </p:grpSpPr>
+      <p:sp>
+        <p:nvSpPr>
+          <p:cNvPr id="4" name="Rectangle 3">
+            <a:extLst>
+              <a:ext uri="{FF2B5EF4-FFF2-40B4-BE49-F238E27FC236}">
+                <a16:creationId xmlns:a16="http://schemas.microsoft.com/office/drawing/2014/main" id="{277CF904-8BBE-617B-838F-C96125FA6C2E}"/>
+              </a:ext>
+            </a:extLst>
+          </p:cNvPr>
+          <p:cNvSpPr/>
+          <p:nvPr/>
+        </p:nvSpPr>
+        <p:spPr>
+          <a:xfrm>
+            <a:off x="5938" y="0"/>
+            <a:ext cx="12192000" cy="6858000"/>
+          </a:xfrm>
+          <a:prstGeom prst="rect">
+            <a:avLst/>
+          </a:prstGeom>
+        </p:spPr>
+        <p:style>
+          <a:lnRef idx="2">
+            <a:schemeClr val="accent2">
+              <a:shade val="50000"/>
+            </a:schemeClr>
+          </a:lnRef>
+          <a:fillRef idx="1">
+            <a:schemeClr val="accent2"/>
+          </a:fillRef>
+          <a:effectRef idx="0">
+            <a:schemeClr val="accent2"/>
+          </a:effectRef>
+          <a:fontRef idx="minor">
+            <a:schemeClr val="lt1"/>
+          </a:fontRef>
+        </p:style>
+        <p:txBody>
+          <a:bodyPr rtlCol="0" anchor="ctr"/>
+          <a:lstStyle/>
+          <a:p>
+            <a:pPr algn="ctr"/>
+            <a:endParaRPr lang="en-GB"/>
+          </a:p>
+        </p:txBody>
+      </p:sp>
+      <p:sp>
+        <p:nvSpPr>
+          <p:cNvPr id="5" name="Rectangle 4">
+            <a:extLst>
+              <a:ext uri="{FF2B5EF4-FFF2-40B4-BE49-F238E27FC236}">
+                <a16:creationId xmlns:a16="http://schemas.microsoft.com/office/drawing/2014/main" id="{C9A174A8-9A94-613F-269D-CE6BEBB54C43}"/>
+              </a:ext>
+            </a:extLst>
+          </p:cNvPr>
+          <p:cNvSpPr/>
+          <p:nvPr/>
+        </p:nvSpPr>
+        <p:spPr>
+          <a:xfrm>
+            <a:off x="3984171" y="391886"/>
+            <a:ext cx="4144489" cy="6068291"/>
+          </a:xfrm>
+          <a:prstGeom prst="rect">
+            <a:avLst/>
+          </a:prstGeom>
+        </p:spPr>
+        <p:style>
+          <a:lnRef idx="2">
+            <a:schemeClr val="dk1"/>
+          </a:lnRef>
+          <a:fillRef idx="1">
+            <a:schemeClr val="lt1"/>
+          </a:fillRef>
+          <a:effectRef idx="0">
+            <a:schemeClr val="dk1"/>
+          </a:effectRef>
+          <a:fontRef idx="minor">
+            <a:schemeClr val="dk1"/>
+          </a:fontRef>
+        </p:style>
+        <p:txBody>
+          <a:bodyPr rtlCol="0" anchor="ctr"/>
+          <a:lstStyle/>
+          <a:p>
+            <a:pPr algn="ctr"/>
+            <a:endParaRPr lang="en-GB"/>
+          </a:p>
+        </p:txBody>
+      </p:sp>
+      <p:sp>
+        <p:nvSpPr>
+          <p:cNvPr id="6" name="Rectangle 5">
+            <a:extLst>
+              <a:ext uri="{FF2B5EF4-FFF2-40B4-BE49-F238E27FC236}">
+                <a16:creationId xmlns:a16="http://schemas.microsoft.com/office/drawing/2014/main" id="{AE2ABB4B-6CE4-9A9A-E26A-FD0DC5B10E48}"/>
+              </a:ext>
+            </a:extLst>
+          </p:cNvPr>
+          <p:cNvSpPr/>
+          <p:nvPr/>
+        </p:nvSpPr>
+        <p:spPr>
+          <a:xfrm>
+            <a:off x="4215740" y="587829"/>
+            <a:ext cx="3752603" cy="587828"/>
+          </a:xfrm>
+          <a:prstGeom prst="rect">
+            <a:avLst/>
+          </a:prstGeom>
+        </p:spPr>
+        <p:style>
+          <a:lnRef idx="2">
+            <a:schemeClr val="accent1">
+              <a:shade val="50000"/>
+            </a:schemeClr>
+          </a:lnRef>
+          <a:fillRef idx="1">
+            <a:schemeClr val="accent1"/>
+          </a:fillRef>
+          <a:effectRef idx="0">
+            <a:schemeClr val="accent1"/>
+          </a:effectRef>
+          <a:fontRef idx="minor">
+            <a:schemeClr val="lt1"/>
+          </a:fontRef>
+        </p:style>
+        <p:txBody>
+          <a:bodyPr rtlCol="0" anchor="ctr"/>
+          <a:lstStyle/>
+          <a:p>
+            <a:pPr algn="ctr"/>
+            <a:r>
+              <a:rPr lang="en-GB" sz="2000" dirty="0"/>
+              <a:t>Goals</a:t>
+            </a:r>
+          </a:p>
+        </p:txBody>
+      </p:sp>
+      <p:sp>
+        <p:nvSpPr>
+          <p:cNvPr id="8" name="Rectangle 7">
+            <a:extLst>
+              <a:ext uri="{FF2B5EF4-FFF2-40B4-BE49-F238E27FC236}">
+                <a16:creationId xmlns:a16="http://schemas.microsoft.com/office/drawing/2014/main" id="{25ABEB85-C9E0-0279-40DA-9CDDFB8D136A}"/>
+              </a:ext>
+            </a:extLst>
+          </p:cNvPr>
+          <p:cNvSpPr/>
+          <p:nvPr/>
+        </p:nvSpPr>
+        <p:spPr>
+          <a:xfrm>
+            <a:off x="4215740" y="587829"/>
+            <a:ext cx="712520" cy="587828"/>
+          </a:xfrm>
+          <a:prstGeom prst="rect">
+            <a:avLst/>
+          </a:prstGeom>
+        </p:spPr>
+        <p:style>
+          <a:lnRef idx="2">
+            <a:schemeClr val="accent6">
+              <a:shade val="50000"/>
+            </a:schemeClr>
+          </a:lnRef>
+          <a:fillRef idx="1">
+            <a:schemeClr val="accent6"/>
+          </a:fillRef>
+          <a:effectRef idx="0">
+            <a:schemeClr val="accent6"/>
+          </a:effectRef>
+          <a:fontRef idx="minor">
+            <a:schemeClr val="lt1"/>
+          </a:fontRef>
+        </p:style>
+        <p:txBody>
+          <a:bodyPr rtlCol="0" anchor="ctr"/>
+          <a:lstStyle/>
+          <a:p>
+            <a:pPr algn="ctr"/>
+            <a:r>
+              <a:rPr lang="en-GB" sz="1200" dirty="0"/>
+              <a:t>Pull out menu</a:t>
+            </a:r>
+          </a:p>
+        </p:txBody>
+      </p:sp>
+      <p:sp>
+        <p:nvSpPr>
+          <p:cNvPr id="9" name="Rectangle 8">
+            <a:extLst>
+              <a:ext uri="{FF2B5EF4-FFF2-40B4-BE49-F238E27FC236}">
+                <a16:creationId xmlns:a16="http://schemas.microsoft.com/office/drawing/2014/main" id="{E634329C-A768-542C-6E9F-CDC2F4C7C5B0}"/>
+              </a:ext>
+            </a:extLst>
+          </p:cNvPr>
+          <p:cNvSpPr/>
+          <p:nvPr/>
+        </p:nvSpPr>
+        <p:spPr>
+          <a:xfrm>
+            <a:off x="4310742" y="1324100"/>
+            <a:ext cx="3562598" cy="243444"/>
+          </a:xfrm>
+          <a:prstGeom prst="rect">
+            <a:avLst/>
+          </a:prstGeom>
+        </p:spPr>
+        <p:style>
+          <a:lnRef idx="2">
+            <a:schemeClr val="accent1">
+              <a:shade val="50000"/>
+            </a:schemeClr>
+          </a:lnRef>
+          <a:fillRef idx="1">
+            <a:schemeClr val="accent1"/>
+          </a:fillRef>
+          <a:effectRef idx="0">
+            <a:schemeClr val="accent1"/>
+          </a:effectRef>
+          <a:fontRef idx="minor">
+            <a:schemeClr val="lt1"/>
+          </a:fontRef>
+        </p:style>
+        <p:txBody>
+          <a:bodyPr rtlCol="0" anchor="ctr"/>
+          <a:lstStyle/>
+          <a:p>
+            <a:pPr algn="ctr"/>
+            <a:r>
+              <a:rPr lang="en-GB" dirty="0"/>
+              <a:t>Exercise</a:t>
+            </a:r>
+          </a:p>
+        </p:txBody>
+      </p:sp>
+      <p:sp>
+        <p:nvSpPr>
+          <p:cNvPr id="2" name="Rectangle 1">
+            <a:extLst>
+              <a:ext uri="{FF2B5EF4-FFF2-40B4-BE49-F238E27FC236}">
+                <a16:creationId xmlns:a16="http://schemas.microsoft.com/office/drawing/2014/main" id="{7544A857-4417-6257-6313-D477DF8E60D3}"/>
+              </a:ext>
+            </a:extLst>
+          </p:cNvPr>
+          <p:cNvSpPr/>
+          <p:nvPr/>
+        </p:nvSpPr>
+        <p:spPr>
+          <a:xfrm>
+            <a:off x="4310742" y="1567543"/>
+            <a:ext cx="3562598" cy="2131621"/>
+          </a:xfrm>
+          <a:prstGeom prst="rect">
+            <a:avLst/>
+          </a:prstGeom>
+        </p:spPr>
+        <p:style>
+          <a:lnRef idx="2">
+            <a:schemeClr val="accent1">
+              <a:shade val="50000"/>
+            </a:schemeClr>
+          </a:lnRef>
+          <a:fillRef idx="1">
+            <a:schemeClr val="accent1"/>
+          </a:fillRef>
+          <a:effectRef idx="0">
+            <a:schemeClr val="accent1"/>
+          </a:effectRef>
+          <a:fontRef idx="minor">
+            <a:schemeClr val="lt1"/>
+          </a:fontRef>
+        </p:style>
+        <p:txBody>
+          <a:bodyPr rtlCol="0" anchor="ctr"/>
+          <a:lstStyle/>
+          <a:p>
+            <a:pPr algn="ctr"/>
+            <a:endParaRPr lang="en-GB"/>
+          </a:p>
+        </p:txBody>
+      </p:sp>
+      <p:sp>
+        <p:nvSpPr>
+          <p:cNvPr id="7" name="Rectangle 6">
+            <a:extLst>
+              <a:ext uri="{FF2B5EF4-FFF2-40B4-BE49-F238E27FC236}">
+                <a16:creationId xmlns:a16="http://schemas.microsoft.com/office/drawing/2014/main" id="{B7D367F2-A2E2-6CC7-B945-B8EF8E4D48B0}"/>
+              </a:ext>
+            </a:extLst>
+          </p:cNvPr>
+          <p:cNvSpPr/>
+          <p:nvPr/>
+        </p:nvSpPr>
+        <p:spPr>
+          <a:xfrm>
+            <a:off x="4310742" y="1567544"/>
+            <a:ext cx="3562598" cy="4613562"/>
+          </a:xfrm>
+          <a:prstGeom prst="rect">
+            <a:avLst/>
+          </a:prstGeom>
+        </p:spPr>
+        <p:style>
+          <a:lnRef idx="2">
+            <a:schemeClr val="accent1">
+              <a:shade val="50000"/>
+            </a:schemeClr>
+          </a:lnRef>
+          <a:fillRef idx="1">
+            <a:schemeClr val="accent1"/>
+          </a:fillRef>
+          <a:effectRef idx="0">
+            <a:schemeClr val="accent1"/>
+          </a:effectRef>
+          <a:fontRef idx="minor">
+            <a:schemeClr val="lt1"/>
+          </a:fontRef>
+        </p:style>
+        <p:txBody>
+          <a:bodyPr rtlCol="0" anchor="ctr"/>
+          <a:lstStyle/>
+          <a:p>
+            <a:pPr algn="ctr"/>
+            <a:endParaRPr lang="en-GB"/>
+          </a:p>
+        </p:txBody>
+      </p:sp>
+      <p:sp>
+        <p:nvSpPr>
+          <p:cNvPr id="10" name="Rectangle 9">
+            <a:extLst>
+              <a:ext uri="{FF2B5EF4-FFF2-40B4-BE49-F238E27FC236}">
+                <a16:creationId xmlns:a16="http://schemas.microsoft.com/office/drawing/2014/main" id="{846C2734-56A0-8057-71CB-3ABD3089BE35}"/>
+              </a:ext>
+            </a:extLst>
+          </p:cNvPr>
+          <p:cNvSpPr/>
+          <p:nvPr/>
+        </p:nvSpPr>
+        <p:spPr>
+          <a:xfrm>
+            <a:off x="4310742" y="1324100"/>
+            <a:ext cx="3562598" cy="243444"/>
+          </a:xfrm>
+          <a:prstGeom prst="rect">
+            <a:avLst/>
+          </a:prstGeom>
+        </p:spPr>
+        <p:style>
+          <a:lnRef idx="2">
+            <a:schemeClr val="accent6">
+              <a:shade val="50000"/>
+            </a:schemeClr>
+          </a:lnRef>
+          <a:fillRef idx="1">
+            <a:schemeClr val="accent6"/>
+          </a:fillRef>
+          <a:effectRef idx="0">
+            <a:schemeClr val="accent6"/>
+          </a:effectRef>
+          <a:fontRef idx="minor">
+            <a:schemeClr val="lt1"/>
+          </a:fontRef>
+        </p:style>
+        <p:txBody>
+          <a:bodyPr rtlCol="0" anchor="ctr"/>
+          <a:lstStyle/>
+          <a:p>
+            <a:pPr algn="ctr"/>
+            <a:r>
+              <a:rPr lang="en-GB" dirty="0"/>
+              <a:t>Add Goal</a:t>
+            </a:r>
+          </a:p>
+        </p:txBody>
+      </p:sp>
+      <p:sp>
+        <p:nvSpPr>
+          <p:cNvPr id="3" name="Rectangle 2">
+            <a:extLst>
+              <a:ext uri="{FF2B5EF4-FFF2-40B4-BE49-F238E27FC236}">
+                <a16:creationId xmlns:a16="http://schemas.microsoft.com/office/drawing/2014/main" id="{6B4797E0-E5DA-7C1E-E457-F2F06FD80B89}"/>
+              </a:ext>
+            </a:extLst>
+          </p:cNvPr>
+          <p:cNvSpPr/>
+          <p:nvPr/>
+        </p:nvSpPr>
+        <p:spPr>
+          <a:xfrm>
+            <a:off x="4310742" y="1567542"/>
+            <a:ext cx="3562598" cy="391888"/>
+          </a:xfrm>
+          <a:prstGeom prst="rect">
+            <a:avLst/>
+          </a:prstGeom>
+        </p:spPr>
+        <p:style>
+          <a:lnRef idx="2">
+            <a:schemeClr val="accent1">
+              <a:shade val="50000"/>
+            </a:schemeClr>
+          </a:lnRef>
+          <a:fillRef idx="1">
+            <a:schemeClr val="accent1"/>
+          </a:fillRef>
+          <a:effectRef idx="0">
+            <a:schemeClr val="accent1"/>
+          </a:effectRef>
+          <a:fontRef idx="minor">
+            <a:schemeClr val="lt1"/>
+          </a:fontRef>
+        </p:style>
+        <p:txBody>
+          <a:bodyPr rtlCol="0" anchor="ctr"/>
+          <a:lstStyle/>
+          <a:p>
+            <a:pPr algn="ctr"/>
+            <a:endParaRPr lang="en-GB"/>
+          </a:p>
+        </p:txBody>
+      </p:sp>
+      <p:cxnSp>
+        <p:nvCxnSpPr>
+          <p:cNvPr id="18" name="Straight Connector 17">
+            <a:extLst>
+              <a:ext uri="{FF2B5EF4-FFF2-40B4-BE49-F238E27FC236}">
+                <a16:creationId xmlns:a16="http://schemas.microsoft.com/office/drawing/2014/main" id="{E99B848D-E542-C511-815D-A60912A4ABB8}"/>
+              </a:ext>
+            </a:extLst>
+          </p:cNvPr>
+          <p:cNvCxnSpPr/>
+          <p:nvPr/>
+        </p:nvCxnSpPr>
+        <p:spPr>
+          <a:xfrm flipV="1">
+            <a:off x="4940135" y="1567542"/>
+            <a:ext cx="0" cy="391888"/>
+          </a:xfrm>
+          <a:prstGeom prst="line">
+            <a:avLst/>
+          </a:prstGeom>
+        </p:spPr>
+        <p:style>
+          <a:lnRef idx="2">
+            <a:schemeClr val="dk1"/>
+          </a:lnRef>
+          <a:fillRef idx="0">
+            <a:schemeClr val="dk1"/>
+          </a:fillRef>
+          <a:effectRef idx="1">
+            <a:schemeClr val="dk1"/>
+          </a:effectRef>
+          <a:fontRef idx="minor">
+            <a:schemeClr val="tx1"/>
+          </a:fontRef>
+        </p:style>
+      </p:cxnSp>
+      <p:cxnSp>
+        <p:nvCxnSpPr>
+          <p:cNvPr id="19" name="Straight Connector 18">
+            <a:extLst>
+              <a:ext uri="{FF2B5EF4-FFF2-40B4-BE49-F238E27FC236}">
+                <a16:creationId xmlns:a16="http://schemas.microsoft.com/office/drawing/2014/main" id="{26FBA6FF-4ADA-F515-6653-99E4DBD234F8}"/>
+              </a:ext>
+            </a:extLst>
+          </p:cNvPr>
+          <p:cNvCxnSpPr/>
+          <p:nvPr/>
+        </p:nvCxnSpPr>
+        <p:spPr>
+          <a:xfrm flipV="1">
+            <a:off x="7176654" y="1567542"/>
+            <a:ext cx="0" cy="391888"/>
+          </a:xfrm>
+          <a:prstGeom prst="line">
+            <a:avLst/>
+          </a:prstGeom>
+        </p:spPr>
+        <p:style>
+          <a:lnRef idx="2">
+            <a:schemeClr val="dk1"/>
+          </a:lnRef>
+          <a:fillRef idx="0">
+            <a:schemeClr val="dk1"/>
+          </a:fillRef>
+          <a:effectRef idx="1">
+            <a:schemeClr val="dk1"/>
+          </a:effectRef>
+          <a:fontRef idx="minor">
+            <a:schemeClr val="tx1"/>
+          </a:fontRef>
+        </p:style>
+      </p:cxnSp>
+      <p:sp>
+        <p:nvSpPr>
+          <p:cNvPr id="20" name="Rectangle 19">
+            <a:extLst>
+              <a:ext uri="{FF2B5EF4-FFF2-40B4-BE49-F238E27FC236}">
+                <a16:creationId xmlns:a16="http://schemas.microsoft.com/office/drawing/2014/main" id="{D9A90F3C-3621-27F0-45F4-249769C48B70}"/>
+              </a:ext>
+            </a:extLst>
+          </p:cNvPr>
+          <p:cNvSpPr/>
+          <p:nvPr/>
+        </p:nvSpPr>
+        <p:spPr>
+          <a:xfrm>
+            <a:off x="7184571" y="1567541"/>
+            <a:ext cx="688764" cy="391889"/>
+          </a:xfrm>
+          <a:prstGeom prst="rect">
+            <a:avLst/>
+          </a:prstGeom>
+        </p:spPr>
+        <p:style>
+          <a:lnRef idx="2">
+            <a:schemeClr val="accent2">
+              <a:shade val="50000"/>
+            </a:schemeClr>
+          </a:lnRef>
+          <a:fillRef idx="1">
+            <a:schemeClr val="accent2"/>
+          </a:fillRef>
+          <a:effectRef idx="0">
+            <a:schemeClr val="accent2"/>
+          </a:effectRef>
+          <a:fontRef idx="minor">
+            <a:schemeClr val="lt1"/>
+          </a:fontRef>
+        </p:style>
+        <p:txBody>
+          <a:bodyPr rtlCol="0" anchor="ctr"/>
+          <a:lstStyle/>
+          <a:p>
+            <a:pPr algn="ctr"/>
+            <a:r>
+              <a:rPr lang="en-GB" dirty="0">
+                <a:solidFill>
+                  <a:schemeClr val="tx1"/>
+                </a:solidFill>
+              </a:rPr>
+              <a:t>X</a:t>
+            </a:r>
+          </a:p>
+        </p:txBody>
+      </p:sp>
+      <p:sp>
+        <p:nvSpPr>
+          <p:cNvPr id="21" name="Rectangle 20">
+            <a:extLst>
+              <a:ext uri="{FF2B5EF4-FFF2-40B4-BE49-F238E27FC236}">
+                <a16:creationId xmlns:a16="http://schemas.microsoft.com/office/drawing/2014/main" id="{34D022C8-B6E1-0049-6213-976BCAFC4B93}"/>
+              </a:ext>
+            </a:extLst>
+          </p:cNvPr>
+          <p:cNvSpPr/>
+          <p:nvPr/>
+        </p:nvSpPr>
+        <p:spPr>
+          <a:xfrm>
+            <a:off x="4310742" y="1567541"/>
+            <a:ext cx="617518" cy="391889"/>
+          </a:xfrm>
+          <a:prstGeom prst="rect">
+            <a:avLst/>
+          </a:prstGeom>
+        </p:spPr>
+        <p:style>
+          <a:lnRef idx="2">
+            <a:schemeClr val="accent1">
+              <a:shade val="50000"/>
+            </a:schemeClr>
+          </a:lnRef>
+          <a:fillRef idx="1">
+            <a:schemeClr val="accent1"/>
+          </a:fillRef>
+          <a:effectRef idx="0">
+            <a:schemeClr val="accent1"/>
+          </a:effectRef>
+          <a:fontRef idx="minor">
+            <a:schemeClr val="lt1"/>
+          </a:fontRef>
+        </p:style>
+        <p:txBody>
+          <a:bodyPr rtlCol="0" anchor="ctr"/>
+          <a:lstStyle/>
+          <a:p>
+            <a:pPr algn="ctr"/>
+            <a:r>
+              <a:rPr lang="en-GB" sz="1200" dirty="0"/>
+              <a:t>Due Date</a:t>
+            </a:r>
+          </a:p>
+        </p:txBody>
+      </p:sp>
+      <p:sp>
+        <p:nvSpPr>
+          <p:cNvPr id="22" name="Rectangle 21">
+            <a:extLst>
+              <a:ext uri="{FF2B5EF4-FFF2-40B4-BE49-F238E27FC236}">
+                <a16:creationId xmlns:a16="http://schemas.microsoft.com/office/drawing/2014/main" id="{76A8EF79-3F87-D2D9-2E05-DAD8C51CE275}"/>
+              </a:ext>
+            </a:extLst>
+          </p:cNvPr>
+          <p:cNvSpPr/>
+          <p:nvPr/>
+        </p:nvSpPr>
+        <p:spPr>
+          <a:xfrm>
+            <a:off x="4928260" y="1567541"/>
+            <a:ext cx="2256306" cy="391888"/>
+          </a:xfrm>
+          <a:prstGeom prst="rect">
+            <a:avLst/>
+          </a:prstGeom>
+        </p:spPr>
+        <p:style>
+          <a:lnRef idx="2">
+            <a:schemeClr val="accent1">
+              <a:shade val="50000"/>
+            </a:schemeClr>
+          </a:lnRef>
+          <a:fillRef idx="1">
+            <a:schemeClr val="accent1"/>
+          </a:fillRef>
+          <a:effectRef idx="0">
+            <a:schemeClr val="accent1"/>
+          </a:effectRef>
+          <a:fontRef idx="minor">
+            <a:schemeClr val="lt1"/>
+          </a:fontRef>
+        </p:style>
+        <p:txBody>
+          <a:bodyPr rtlCol="0" anchor="ctr"/>
+          <a:lstStyle/>
+          <a:p>
+            <a:pPr algn="ctr"/>
+            <a:r>
+              <a:rPr lang="en-GB" dirty="0"/>
+              <a:t>Goal info</a:t>
+            </a:r>
+          </a:p>
+        </p:txBody>
+      </p:sp>
+      <p:sp>
+        <p:nvSpPr>
+          <p:cNvPr id="23" name="Rectangle 22">
+            <a:extLst>
+              <a:ext uri="{FF2B5EF4-FFF2-40B4-BE49-F238E27FC236}">
+                <a16:creationId xmlns:a16="http://schemas.microsoft.com/office/drawing/2014/main" id="{7B1879F3-6B3F-E418-7D47-291DEC84F26D}"/>
+              </a:ext>
+            </a:extLst>
+          </p:cNvPr>
+          <p:cNvSpPr/>
+          <p:nvPr/>
+        </p:nvSpPr>
+        <p:spPr>
+          <a:xfrm>
+            <a:off x="7182589" y="1957444"/>
+            <a:ext cx="688764" cy="391889"/>
+          </a:xfrm>
+          <a:prstGeom prst="rect">
+            <a:avLst/>
+          </a:prstGeom>
+        </p:spPr>
+        <p:style>
+          <a:lnRef idx="2">
+            <a:schemeClr val="accent2">
+              <a:shade val="50000"/>
+            </a:schemeClr>
+          </a:lnRef>
+          <a:fillRef idx="1">
+            <a:schemeClr val="accent2"/>
+          </a:fillRef>
+          <a:effectRef idx="0">
+            <a:schemeClr val="accent2"/>
+          </a:effectRef>
+          <a:fontRef idx="minor">
+            <a:schemeClr val="lt1"/>
+          </a:fontRef>
+        </p:style>
+        <p:txBody>
+          <a:bodyPr rtlCol="0" anchor="ctr"/>
+          <a:lstStyle/>
+          <a:p>
+            <a:pPr algn="ctr"/>
+            <a:r>
+              <a:rPr lang="en-GB" dirty="0">
+                <a:solidFill>
+                  <a:schemeClr val="tx1"/>
+                </a:solidFill>
+              </a:rPr>
+              <a:t>X</a:t>
+            </a:r>
+          </a:p>
+        </p:txBody>
+      </p:sp>
+      <p:sp>
+        <p:nvSpPr>
+          <p:cNvPr id="24" name="Rectangle 23">
+            <a:extLst>
+              <a:ext uri="{FF2B5EF4-FFF2-40B4-BE49-F238E27FC236}">
+                <a16:creationId xmlns:a16="http://schemas.microsoft.com/office/drawing/2014/main" id="{DD4203D1-9F0B-9E84-5A9F-0C7E8ABF2DE5}"/>
+              </a:ext>
+            </a:extLst>
+          </p:cNvPr>
+          <p:cNvSpPr/>
+          <p:nvPr/>
+        </p:nvSpPr>
+        <p:spPr>
+          <a:xfrm>
+            <a:off x="4308760" y="1957444"/>
+            <a:ext cx="617518" cy="391889"/>
+          </a:xfrm>
+          <a:prstGeom prst="rect">
+            <a:avLst/>
+          </a:prstGeom>
+        </p:spPr>
+        <p:style>
+          <a:lnRef idx="2">
+            <a:schemeClr val="accent5">
+              <a:shade val="50000"/>
+            </a:schemeClr>
+          </a:lnRef>
+          <a:fillRef idx="1">
+            <a:schemeClr val="accent5"/>
+          </a:fillRef>
+          <a:effectRef idx="0">
+            <a:schemeClr val="accent5"/>
+          </a:effectRef>
+          <a:fontRef idx="minor">
+            <a:schemeClr val="lt1"/>
+          </a:fontRef>
+        </p:style>
+        <p:txBody>
+          <a:bodyPr rtlCol="0" anchor="ctr"/>
+          <a:lstStyle/>
+          <a:p>
+            <a:pPr algn="ctr"/>
+            <a:r>
+              <a:rPr lang="en-GB" sz="1200" dirty="0"/>
+              <a:t>Due Date</a:t>
+            </a:r>
+          </a:p>
+        </p:txBody>
+      </p:sp>
+      <p:sp>
+        <p:nvSpPr>
+          <p:cNvPr id="25" name="Rectangle 24">
+            <a:extLst>
+              <a:ext uri="{FF2B5EF4-FFF2-40B4-BE49-F238E27FC236}">
+                <a16:creationId xmlns:a16="http://schemas.microsoft.com/office/drawing/2014/main" id="{C59CE917-D12D-F7D4-E6CF-AD08AF87DDA0}"/>
+              </a:ext>
+            </a:extLst>
+          </p:cNvPr>
+          <p:cNvSpPr/>
+          <p:nvPr/>
+        </p:nvSpPr>
+        <p:spPr>
+          <a:xfrm>
+            <a:off x="4926278" y="1957444"/>
+            <a:ext cx="2256306" cy="391888"/>
+          </a:xfrm>
+          <a:prstGeom prst="rect">
+            <a:avLst/>
+          </a:prstGeom>
+        </p:spPr>
+        <p:style>
+          <a:lnRef idx="2">
+            <a:schemeClr val="accent5">
+              <a:shade val="50000"/>
+            </a:schemeClr>
+          </a:lnRef>
+          <a:fillRef idx="1">
+            <a:schemeClr val="accent5"/>
+          </a:fillRef>
+          <a:effectRef idx="0">
+            <a:schemeClr val="accent5"/>
+          </a:effectRef>
+          <a:fontRef idx="minor">
+            <a:schemeClr val="lt1"/>
+          </a:fontRef>
+        </p:style>
+        <p:txBody>
+          <a:bodyPr rtlCol="0" anchor="ctr"/>
+          <a:lstStyle/>
+          <a:p>
+            <a:pPr algn="ctr"/>
+            <a:r>
+              <a:rPr lang="en-GB" dirty="0"/>
+              <a:t>Goal info</a:t>
+            </a:r>
+          </a:p>
+        </p:txBody>
+      </p:sp>
+      <p:sp>
+        <p:nvSpPr>
+          <p:cNvPr id="33" name="Rectangle 32">
+            <a:extLst>
+              <a:ext uri="{FF2B5EF4-FFF2-40B4-BE49-F238E27FC236}">
+                <a16:creationId xmlns:a16="http://schemas.microsoft.com/office/drawing/2014/main" id="{E8F65D9E-B483-436F-64C4-7B39E20CAF0D}"/>
+              </a:ext>
+            </a:extLst>
+          </p:cNvPr>
+          <p:cNvSpPr/>
+          <p:nvPr/>
+        </p:nvSpPr>
+        <p:spPr>
+          <a:xfrm>
+            <a:off x="7182586" y="2349330"/>
+            <a:ext cx="688764" cy="391889"/>
+          </a:xfrm>
+          <a:prstGeom prst="rect">
+            <a:avLst/>
+          </a:prstGeom>
+        </p:spPr>
+        <p:style>
+          <a:lnRef idx="2">
+            <a:schemeClr val="accent2">
+              <a:shade val="50000"/>
+            </a:schemeClr>
+          </a:lnRef>
+          <a:fillRef idx="1">
+            <a:schemeClr val="accent2"/>
+          </a:fillRef>
+          <a:effectRef idx="0">
+            <a:schemeClr val="accent2"/>
+          </a:effectRef>
+          <a:fontRef idx="minor">
+            <a:schemeClr val="lt1"/>
+          </a:fontRef>
+        </p:style>
+        <p:txBody>
+          <a:bodyPr rtlCol="0" anchor="ctr"/>
+          <a:lstStyle/>
+          <a:p>
+            <a:pPr algn="ctr"/>
+            <a:r>
+              <a:rPr lang="en-GB" dirty="0">
+                <a:solidFill>
+                  <a:schemeClr val="tx1"/>
+                </a:solidFill>
+              </a:rPr>
+              <a:t>X</a:t>
+            </a:r>
+          </a:p>
+        </p:txBody>
+      </p:sp>
+      <p:sp>
+        <p:nvSpPr>
+          <p:cNvPr id="34" name="Rectangle 33">
+            <a:extLst>
+              <a:ext uri="{FF2B5EF4-FFF2-40B4-BE49-F238E27FC236}">
+                <a16:creationId xmlns:a16="http://schemas.microsoft.com/office/drawing/2014/main" id="{17EF8FC8-5A5D-32B4-5AC3-BF72E613C5F2}"/>
+              </a:ext>
+            </a:extLst>
+          </p:cNvPr>
+          <p:cNvSpPr/>
+          <p:nvPr/>
+        </p:nvSpPr>
+        <p:spPr>
+          <a:xfrm>
+            <a:off x="4308757" y="2349330"/>
+            <a:ext cx="617518" cy="391889"/>
+          </a:xfrm>
+          <a:prstGeom prst="rect">
+            <a:avLst/>
+          </a:prstGeom>
+          <a:solidFill>
+            <a:srgbClr val="C44444"/>
+          </a:solidFill>
+        </p:spPr>
+        <p:style>
+          <a:lnRef idx="2">
+            <a:schemeClr val="accent1">
+              <a:shade val="50000"/>
+            </a:schemeClr>
+          </a:lnRef>
+          <a:fillRef idx="1">
+            <a:schemeClr val="accent1"/>
+          </a:fillRef>
+          <a:effectRef idx="0">
+            <a:schemeClr val="accent1"/>
+          </a:effectRef>
+          <a:fontRef idx="minor">
+            <a:schemeClr val="lt1"/>
+          </a:fontRef>
+        </p:style>
+        <p:txBody>
+          <a:bodyPr rtlCol="0" anchor="ctr"/>
+          <a:lstStyle/>
+          <a:p>
+            <a:pPr algn="ctr"/>
+            <a:r>
+              <a:rPr lang="en-GB" sz="900" dirty="0"/>
+              <a:t>Past Due Date</a:t>
+            </a:r>
+          </a:p>
+        </p:txBody>
+      </p:sp>
+      <p:sp>
+        <p:nvSpPr>
+          <p:cNvPr id="35" name="Rectangle 34">
+            <a:extLst>
+              <a:ext uri="{FF2B5EF4-FFF2-40B4-BE49-F238E27FC236}">
+                <a16:creationId xmlns:a16="http://schemas.microsoft.com/office/drawing/2014/main" id="{DA774BCA-A40A-8031-F6C1-EAC0C113AA21}"/>
+              </a:ext>
+            </a:extLst>
+          </p:cNvPr>
+          <p:cNvSpPr/>
+          <p:nvPr/>
+        </p:nvSpPr>
+        <p:spPr>
+          <a:xfrm>
+            <a:off x="4926275" y="2349330"/>
+            <a:ext cx="2256306" cy="391888"/>
+          </a:xfrm>
+          <a:prstGeom prst="rect">
+            <a:avLst/>
+          </a:prstGeom>
+          <a:solidFill>
+            <a:srgbClr val="C44444"/>
+          </a:solidFill>
+        </p:spPr>
+        <p:style>
+          <a:lnRef idx="2">
+            <a:schemeClr val="accent1">
+              <a:shade val="50000"/>
+            </a:schemeClr>
+          </a:lnRef>
+          <a:fillRef idx="1">
+            <a:schemeClr val="accent1"/>
+          </a:fillRef>
+          <a:effectRef idx="0">
+            <a:schemeClr val="accent1"/>
+          </a:effectRef>
+          <a:fontRef idx="minor">
+            <a:schemeClr val="lt1"/>
+          </a:fontRef>
+        </p:style>
+        <p:txBody>
+          <a:bodyPr rtlCol="0" anchor="ctr"/>
+          <a:lstStyle/>
+          <a:p>
+            <a:pPr algn="ctr"/>
+            <a:r>
+              <a:rPr lang="en-GB" dirty="0"/>
+              <a:t>Goal info</a:t>
+            </a:r>
+          </a:p>
+        </p:txBody>
+      </p:sp>
+      <p:sp>
+        <p:nvSpPr>
+          <p:cNvPr id="36" name="Rectangle 35">
+            <a:extLst>
+              <a:ext uri="{FF2B5EF4-FFF2-40B4-BE49-F238E27FC236}">
+                <a16:creationId xmlns:a16="http://schemas.microsoft.com/office/drawing/2014/main" id="{203AD945-34C6-822B-8C16-5CDADB03CB34}"/>
+              </a:ext>
+            </a:extLst>
+          </p:cNvPr>
+          <p:cNvSpPr/>
+          <p:nvPr/>
+        </p:nvSpPr>
+        <p:spPr>
+          <a:xfrm>
+            <a:off x="7186542" y="2739233"/>
+            <a:ext cx="688764" cy="391889"/>
+          </a:xfrm>
+          <a:prstGeom prst="rect">
+            <a:avLst/>
+          </a:prstGeom>
+        </p:spPr>
+        <p:style>
+          <a:lnRef idx="2">
+            <a:schemeClr val="accent2">
+              <a:shade val="50000"/>
+            </a:schemeClr>
+          </a:lnRef>
+          <a:fillRef idx="1">
+            <a:schemeClr val="accent2"/>
+          </a:fillRef>
+          <a:effectRef idx="0">
+            <a:schemeClr val="accent2"/>
+          </a:effectRef>
+          <a:fontRef idx="minor">
+            <a:schemeClr val="lt1"/>
+          </a:fontRef>
+        </p:style>
+        <p:txBody>
+          <a:bodyPr rtlCol="0" anchor="ctr"/>
+          <a:lstStyle/>
+          <a:p>
+            <a:pPr algn="ctr"/>
+            <a:r>
+              <a:rPr lang="en-GB" dirty="0">
+                <a:solidFill>
+                  <a:schemeClr val="tx1"/>
+                </a:solidFill>
+              </a:rPr>
+              <a:t>X</a:t>
+            </a:r>
+          </a:p>
+        </p:txBody>
+      </p:sp>
+      <p:sp>
+        <p:nvSpPr>
+          <p:cNvPr id="37" name="Rectangle 36">
+            <a:extLst>
+              <a:ext uri="{FF2B5EF4-FFF2-40B4-BE49-F238E27FC236}">
+                <a16:creationId xmlns:a16="http://schemas.microsoft.com/office/drawing/2014/main" id="{AD84AD11-F6D7-AAFC-DC54-15F22510398D}"/>
+              </a:ext>
+            </a:extLst>
+          </p:cNvPr>
+          <p:cNvSpPr/>
+          <p:nvPr/>
+        </p:nvSpPr>
+        <p:spPr>
+          <a:xfrm>
+            <a:off x="4312713" y="2739233"/>
+            <a:ext cx="617518" cy="391889"/>
+          </a:xfrm>
+          <a:prstGeom prst="rect">
+            <a:avLst/>
+          </a:prstGeom>
+          <a:solidFill>
+            <a:srgbClr val="E64A4A"/>
+          </a:solidFill>
+        </p:spPr>
+        <p:style>
+          <a:lnRef idx="2">
+            <a:schemeClr val="accent5">
+              <a:shade val="50000"/>
+            </a:schemeClr>
+          </a:lnRef>
+          <a:fillRef idx="1">
+            <a:schemeClr val="accent5"/>
+          </a:fillRef>
+          <a:effectRef idx="0">
+            <a:schemeClr val="accent5"/>
+          </a:effectRef>
+          <a:fontRef idx="minor">
+            <a:schemeClr val="lt1"/>
+          </a:fontRef>
+        </p:style>
+        <p:txBody>
+          <a:bodyPr rtlCol="0" anchor="ctr"/>
+          <a:lstStyle/>
+          <a:p>
+            <a:pPr algn="ctr"/>
+            <a:r>
+              <a:rPr lang="en-GB" sz="900" dirty="0"/>
+              <a:t>Past Due Date</a:t>
+            </a:r>
+          </a:p>
+        </p:txBody>
+      </p:sp>
+      <p:sp>
+        <p:nvSpPr>
+          <p:cNvPr id="38" name="Rectangle 37">
+            <a:extLst>
+              <a:ext uri="{FF2B5EF4-FFF2-40B4-BE49-F238E27FC236}">
+                <a16:creationId xmlns:a16="http://schemas.microsoft.com/office/drawing/2014/main" id="{E54916E2-6D8C-16AA-47C0-0CEBB8F98F02}"/>
+              </a:ext>
+            </a:extLst>
+          </p:cNvPr>
+          <p:cNvSpPr/>
+          <p:nvPr/>
+        </p:nvSpPr>
+        <p:spPr>
+          <a:xfrm>
+            <a:off x="4930231" y="2739233"/>
+            <a:ext cx="2256306" cy="391888"/>
+          </a:xfrm>
+          <a:prstGeom prst="rect">
+            <a:avLst/>
+          </a:prstGeom>
+          <a:solidFill>
+            <a:srgbClr val="E64A4A"/>
+          </a:solidFill>
+        </p:spPr>
+        <p:style>
+          <a:lnRef idx="2">
+            <a:schemeClr val="accent5">
+              <a:shade val="50000"/>
+            </a:schemeClr>
+          </a:lnRef>
+          <a:fillRef idx="1">
+            <a:schemeClr val="accent5"/>
+          </a:fillRef>
+          <a:effectRef idx="0">
+            <a:schemeClr val="accent5"/>
+          </a:effectRef>
+          <a:fontRef idx="minor">
+            <a:schemeClr val="lt1"/>
+          </a:fontRef>
+        </p:style>
+        <p:txBody>
+          <a:bodyPr rtlCol="0" anchor="ctr"/>
+          <a:lstStyle/>
+          <a:p>
+            <a:pPr algn="ctr"/>
+            <a:r>
+              <a:rPr lang="en-GB" dirty="0"/>
+              <a:t>Goal info</a:t>
+            </a:r>
+          </a:p>
+        </p:txBody>
+      </p:sp>
+    </p:spTree>
+    <p:extLst>
+      <p:ext uri="{BB962C8B-B14F-4D97-AF65-F5344CB8AC3E}">
+        <p14:creationId xmlns:p14="http://schemas.microsoft.com/office/powerpoint/2010/main" val="2872469118"/>
+      </p:ext>
+    </p:extLst>
+  </p:cSld>
+  <p:clrMapOvr>
+    <a:masterClrMapping/>
+  </p:clrMapOvr>
+</p:sld>
+</file>
+
 <file path=ppt/theme/theme1.xml><?xml version="1.0" encoding="utf-8"?>
 <a:theme xmlns:a="http://schemas.openxmlformats.org/drawingml/2006/main" name="Office Theme">
   <a:themeElements>
